--- a/Programming/cuda/lecture_slides_pi.pptx
+++ b/Programming/cuda/lecture_slides_pi.pptx
@@ -5,25 +5,31 @@
     <p:sldMasterId id="2147483648" r:id="rId1"/>
   </p:sldMasterIdLst>
   <p:notesMasterIdLst>
-    <p:notesMasterId r:id="rId18"/>
+    <p:notesMasterId r:id="rId24"/>
   </p:notesMasterIdLst>
   <p:sldIdLst>
     <p:sldId id="256" r:id="rId2"/>
     <p:sldId id="298" r:id="rId3"/>
     <p:sldId id="308" r:id="rId4"/>
     <p:sldId id="423" r:id="rId5"/>
-    <p:sldId id="422" r:id="rId6"/>
-    <p:sldId id="258" r:id="rId7"/>
-    <p:sldId id="309" r:id="rId8"/>
-    <p:sldId id="317" r:id="rId9"/>
-    <p:sldId id="318" r:id="rId10"/>
-    <p:sldId id="319" r:id="rId11"/>
-    <p:sldId id="313" r:id="rId12"/>
-    <p:sldId id="416" r:id="rId13"/>
-    <p:sldId id="417" r:id="rId14"/>
-    <p:sldId id="419" r:id="rId15"/>
-    <p:sldId id="420" r:id="rId16"/>
-    <p:sldId id="421" r:id="rId17"/>
+    <p:sldId id="424" r:id="rId6"/>
+    <p:sldId id="422" r:id="rId7"/>
+    <p:sldId id="425" r:id="rId8"/>
+    <p:sldId id="426" r:id="rId9"/>
+    <p:sldId id="258" r:id="rId10"/>
+    <p:sldId id="309" r:id="rId11"/>
+    <p:sldId id="427" r:id="rId12"/>
+    <p:sldId id="428" r:id="rId13"/>
+    <p:sldId id="430" r:id="rId14"/>
+    <p:sldId id="432" r:id="rId15"/>
+    <p:sldId id="318" r:id="rId16"/>
+    <p:sldId id="319" r:id="rId17"/>
+    <p:sldId id="313" r:id="rId18"/>
+    <p:sldId id="416" r:id="rId19"/>
+    <p:sldId id="417" r:id="rId20"/>
+    <p:sldId id="419" r:id="rId21"/>
+    <p:sldId id="420" r:id="rId22"/>
+    <p:sldId id="421" r:id="rId23"/>
   </p:sldIdLst>
   <p:sldSz cx="12192000" cy="6858000"/>
   <p:notesSz cx="6858000" cy="9144000"/>
@@ -212,7 +218,7 @@
           <a:p>
             <a:fld id="{BB84FCFA-E93D-CF48-93E6-ACBC22003D34}" type="datetimeFigureOut">
               <a:rPr lang="en-US" smtClean="0"/>
-              <a:t>3/10/21</a:t>
+              <a:t>9/30/21</a:t>
             </a:fld>
             <a:endParaRPr lang="en-US"/>
           </a:p>
@@ -523,39 +529,6 @@
           <a:bodyPr/>
           <a:lstStyle/>
           <a:p>
-            <a:r>
-              <a:rPr lang="en-US" dirty="0"/>
-              <a:t>Previous CUDA slides have some more questions if this was presented in reading first (in F18, it was all lecture since the book didn’t cover CUDA…)</a:t>
-            </a:r>
-          </a:p>
-          <a:p>
-            <a:endParaRPr lang="en-US" dirty="0"/>
-          </a:p>
-          <a:p>
-            <a:r>
-              <a:rPr lang="en-US" dirty="0"/>
-              <a:t>Last question (</a:t>
-            </a:r>
-            <a:r>
-              <a:rPr lang="en-US" dirty="0" err="1"/>
-              <a:t>syncthreads</a:t>
-            </a:r>
-            <a:r>
-              <a:rPr lang="en-US" dirty="0"/>
-              <a:t>) not really fair without reading; need to know that each </a:t>
-            </a:r>
-            <a:r>
-              <a:rPr lang="en-US" dirty="0" err="1"/>
-              <a:t>syncthreads</a:t>
-            </a:r>
-            <a:r>
-              <a:rPr lang="en-US" dirty="0"/>
-              <a:t> line is a </a:t>
-            </a:r>
-            <a:r>
-              <a:rPr lang="en-US"/>
-              <a:t>separate barrier</a:t>
-            </a:r>
             <a:endParaRPr lang="en-US" dirty="0"/>
           </a:p>
         </p:txBody>
@@ -587,6 +560,90 @@
     <p:extLst>
       <p:ext uri="{BB962C8B-B14F-4D97-AF65-F5344CB8AC3E}">
         <p14:creationId xmlns:p14="http://schemas.microsoft.com/office/powerpoint/2010/main" val="1595709638"/>
+      </p:ext>
+    </p:extLst>
+  </p:cSld>
+  <p:clrMapOvr>
+    <a:masterClrMapping/>
+  </p:clrMapOvr>
+</p:notes>
+</file>
+
+<file path=ppt/notesSlides/notesSlide2.xml><?xml version="1.0" encoding="utf-8"?>
+<p:notes xmlns:a="http://schemas.openxmlformats.org/drawingml/2006/main" xmlns:r="http://schemas.openxmlformats.org/officeDocument/2006/relationships" xmlns:p="http://schemas.openxmlformats.org/presentationml/2006/main">
+  <p:cSld>
+    <p:spTree>
+      <p:nvGrpSpPr>
+        <p:cNvPr id="1" name=""/>
+        <p:cNvGrpSpPr/>
+        <p:nvPr/>
+      </p:nvGrpSpPr>
+      <p:grpSpPr>
+        <a:xfrm>
+          <a:off x="0" y="0"/>
+          <a:ext cx="0" cy="0"/>
+          <a:chOff x="0" y="0"/>
+          <a:chExt cx="0" cy="0"/>
+        </a:xfrm>
+      </p:grpSpPr>
+      <p:sp>
+        <p:nvSpPr>
+          <p:cNvPr id="2" name="Slide Image Placeholder 1"/>
+          <p:cNvSpPr>
+            <a:spLocks noGrp="1" noRot="1" noChangeAspect="1"/>
+          </p:cNvSpPr>
+          <p:nvPr>
+            <p:ph type="sldImg"/>
+          </p:nvPr>
+        </p:nvSpPr>
+        <p:spPr/>
+      </p:sp>
+      <p:sp>
+        <p:nvSpPr>
+          <p:cNvPr id="3" name="Notes Placeholder 2"/>
+          <p:cNvSpPr>
+            <a:spLocks noGrp="1"/>
+          </p:cNvSpPr>
+          <p:nvPr>
+            <p:ph type="body" idx="1"/>
+          </p:nvPr>
+        </p:nvSpPr>
+        <p:spPr/>
+        <p:txBody>
+          <a:bodyPr/>
+          <a:lstStyle/>
+          <a:p>
+            <a:endParaRPr lang="en-US" dirty="0"/>
+          </a:p>
+        </p:txBody>
+      </p:sp>
+      <p:sp>
+        <p:nvSpPr>
+          <p:cNvPr id="4" name="Slide Number Placeholder 3"/>
+          <p:cNvSpPr>
+            <a:spLocks noGrp="1"/>
+          </p:cNvSpPr>
+          <p:nvPr>
+            <p:ph type="sldNum" sz="quarter" idx="5"/>
+          </p:nvPr>
+        </p:nvSpPr>
+        <p:spPr/>
+        <p:txBody>
+          <a:bodyPr/>
+          <a:lstStyle/>
+          <a:p>
+            <a:fld id="{5D327C50-4256-7E40-9CAB-5C4F6BFDB9CA}" type="slidenum">
+              <a:rPr lang="en-US" smtClean="0"/>
+              <a:t>9</a:t>
+            </a:fld>
+            <a:endParaRPr lang="en-US"/>
+          </a:p>
+        </p:txBody>
+      </p:sp>
+    </p:spTree>
+    <p:extLst>
+      <p:ext uri="{BB962C8B-B14F-4D97-AF65-F5344CB8AC3E}">
+        <p14:creationId xmlns:p14="http://schemas.microsoft.com/office/powerpoint/2010/main" val="924554047"/>
       </p:ext>
     </p:extLst>
   </p:cSld>
@@ -743,7 +800,7 @@
           <a:p>
             <a:fld id="{D3E518ED-39C4-C145-B7AA-80A387336EF5}" type="datetimeFigureOut">
               <a:rPr lang="en-US" smtClean="0"/>
-              <a:t>3/10/21</a:t>
+              <a:t>9/30/21</a:t>
             </a:fld>
             <a:endParaRPr lang="en-US"/>
           </a:p>
@@ -941,7 +998,7 @@
           <a:p>
             <a:fld id="{D3E518ED-39C4-C145-B7AA-80A387336EF5}" type="datetimeFigureOut">
               <a:rPr lang="en-US" smtClean="0"/>
-              <a:t>3/10/21</a:t>
+              <a:t>9/30/21</a:t>
             </a:fld>
             <a:endParaRPr lang="en-US"/>
           </a:p>
@@ -1149,7 +1206,7 @@
           <a:p>
             <a:fld id="{D3E518ED-39C4-C145-B7AA-80A387336EF5}" type="datetimeFigureOut">
               <a:rPr lang="en-US" smtClean="0"/>
-              <a:t>3/10/21</a:t>
+              <a:t>9/30/21</a:t>
             </a:fld>
             <a:endParaRPr lang="en-US"/>
           </a:p>
@@ -1347,7 +1404,7 @@
           <a:p>
             <a:fld id="{D3E518ED-39C4-C145-B7AA-80A387336EF5}" type="datetimeFigureOut">
               <a:rPr lang="en-US" smtClean="0"/>
-              <a:t>3/10/21</a:t>
+              <a:t>9/30/21</a:t>
             </a:fld>
             <a:endParaRPr lang="en-US"/>
           </a:p>
@@ -1622,7 +1679,7 @@
           <a:p>
             <a:fld id="{D3E518ED-39C4-C145-B7AA-80A387336EF5}" type="datetimeFigureOut">
               <a:rPr lang="en-US" smtClean="0"/>
-              <a:t>3/10/21</a:t>
+              <a:t>9/30/21</a:t>
             </a:fld>
             <a:endParaRPr lang="en-US"/>
           </a:p>
@@ -1887,7 +1944,7 @@
           <a:p>
             <a:fld id="{D3E518ED-39C4-C145-B7AA-80A387336EF5}" type="datetimeFigureOut">
               <a:rPr lang="en-US" smtClean="0"/>
-              <a:t>3/10/21</a:t>
+              <a:t>9/30/21</a:t>
             </a:fld>
             <a:endParaRPr lang="en-US"/>
           </a:p>
@@ -2299,7 +2356,7 @@
           <a:p>
             <a:fld id="{D3E518ED-39C4-C145-B7AA-80A387336EF5}" type="datetimeFigureOut">
               <a:rPr lang="en-US" smtClean="0"/>
-              <a:t>3/10/21</a:t>
+              <a:t>9/30/21</a:t>
             </a:fld>
             <a:endParaRPr lang="en-US"/>
           </a:p>
@@ -2440,7 +2497,7 @@
           <a:p>
             <a:fld id="{D3E518ED-39C4-C145-B7AA-80A387336EF5}" type="datetimeFigureOut">
               <a:rPr lang="en-US" smtClean="0"/>
-              <a:t>3/10/21</a:t>
+              <a:t>9/30/21</a:t>
             </a:fld>
             <a:endParaRPr lang="en-US"/>
           </a:p>
@@ -2553,7 +2610,7 @@
           <a:p>
             <a:fld id="{D3E518ED-39C4-C145-B7AA-80A387336EF5}" type="datetimeFigureOut">
               <a:rPr lang="en-US" smtClean="0"/>
-              <a:t>3/10/21</a:t>
+              <a:t>9/30/21</a:t>
             </a:fld>
             <a:endParaRPr lang="en-US"/>
           </a:p>
@@ -2864,7 +2921,7 @@
           <a:p>
             <a:fld id="{D3E518ED-39C4-C145-B7AA-80A387336EF5}" type="datetimeFigureOut">
               <a:rPr lang="en-US" smtClean="0"/>
-              <a:t>3/10/21</a:t>
+              <a:t>9/30/21</a:t>
             </a:fld>
             <a:endParaRPr lang="en-US"/>
           </a:p>
@@ -3152,7 +3209,7 @@
           <a:p>
             <a:fld id="{D3E518ED-39C4-C145-B7AA-80A387336EF5}" type="datetimeFigureOut">
               <a:rPr lang="en-US" smtClean="0"/>
-              <a:t>3/10/21</a:t>
+              <a:t>9/30/21</a:t>
             </a:fld>
             <a:endParaRPr lang="en-US"/>
           </a:p>
@@ -3393,7 +3450,7 @@
           <a:p>
             <a:fld id="{D3E518ED-39C4-C145-B7AA-80A387336EF5}" type="datetimeFigureOut">
               <a:rPr lang="en-US" smtClean="0"/>
-              <a:t>3/10/21</a:t>
+              <a:t>9/30/21</a:t>
             </a:fld>
             <a:endParaRPr lang="en-US"/>
           </a:p>
@@ -3900,13 +3957,7 @@
       </p:grpSpPr>
       <p:sp>
         <p:nvSpPr>
-          <p:cNvPr id="5" name="Title 4">
-            <a:extLst>
-              <a:ext uri="{FF2B5EF4-FFF2-40B4-BE49-F238E27FC236}">
-                <a16:creationId xmlns:a16="http://schemas.microsoft.com/office/drawing/2014/main" id="{15348BC1-F521-5F40-8C89-52E955BD8932}"/>
-              </a:ext>
-            </a:extLst>
-          </p:cNvPr>
+          <p:cNvPr id="2" name="Title 1"/>
           <p:cNvSpPr>
             <a:spLocks noGrp="1"/>
           </p:cNvSpPr>
@@ -3916,25 +3967,38 @@
         </p:nvSpPr>
         <p:spPr/>
         <p:txBody>
-          <a:bodyPr/>
+          <a:bodyPr>
+            <a:normAutofit/>
+          </a:bodyPr>
           <a:lstStyle/>
           <a:p>
-            <a:r>
-              <a:rPr lang="en-US" dirty="0"/>
-              <a:t>Recall: Calling a CUDA kernel</a:t>
-            </a:r>
+            <a:pPr algn="ctr"/>
+            <a:r>
+              <a:rPr lang="en-US" dirty="0"/>
+              <a:t>Adding vectors using CUDA</a:t>
+            </a:r>
+            <a:br>
+              <a:rPr lang="en-US" dirty="0"/>
+            </a:br>
+            <a:r>
+              <a:rPr lang="en-US" sz="2000" dirty="0"/>
+              <a:t>(Not actually fast</a:t>
+            </a:r>
+            <a:r>
+              <a:rPr lang="mr-IN" sz="2000" dirty="0"/>
+              <a:t>…</a:t>
+            </a:r>
+            <a:r>
+              <a:rPr lang="en-US" sz="2000" dirty="0"/>
+              <a:t>)</a:t>
+            </a:r>
+            <a:endParaRPr lang="en-US" dirty="0"/>
           </a:p>
         </p:txBody>
       </p:sp>
       <p:sp>
         <p:nvSpPr>
-          <p:cNvPr id="6" name="Content Placeholder 5">
-            <a:extLst>
-              <a:ext uri="{FF2B5EF4-FFF2-40B4-BE49-F238E27FC236}">
-                <a16:creationId xmlns:a16="http://schemas.microsoft.com/office/drawing/2014/main" id="{AEF69A2C-86E8-E145-BFF9-9B014E936865}"/>
-              </a:ext>
-            </a:extLst>
-          </p:cNvPr>
+          <p:cNvPr id="4" name="Subtitle 3"/>
           <p:cNvSpPr>
             <a:spLocks noGrp="1"/>
           </p:cNvSpPr>
@@ -3944,155 +4008,602 @@
         </p:nvSpPr>
         <p:spPr>
           <a:xfrm>
-            <a:off x="631372" y="1825625"/>
-            <a:ext cx="10931978" cy="4351338"/>
+            <a:off x="838200" y="1825625"/>
+            <a:ext cx="10515600" cy="708025"/>
           </a:xfrm>
         </p:spPr>
         <p:txBody>
-          <a:bodyPr>
-            <a:normAutofit/>
+          <a:bodyPr/>
+          <a:lstStyle/>
+          <a:p>
+            <a:r>
+              <a:rPr lang="en-US" dirty="0"/>
+              <a:t>Take 2 input arrays and add index-wise to produce output array</a:t>
+            </a:r>
+          </a:p>
+        </p:txBody>
+      </p:sp>
+      <p:graphicFrame>
+        <p:nvGraphicFramePr>
+          <p:cNvPr id="3" name="Table 2">
+            <a:extLst>
+              <a:ext uri="{FF2B5EF4-FFF2-40B4-BE49-F238E27FC236}">
+                <a16:creationId xmlns:a16="http://schemas.microsoft.com/office/drawing/2014/main" id="{3773B50E-6F25-8A4E-B242-00757DE3544E}"/>
+              </a:ext>
+            </a:extLst>
+          </p:cNvPr>
+          <p:cNvGraphicFramePr>
+            <a:graphicFrameLocks noGrp="1"/>
+          </p:cNvGraphicFramePr>
+          <p:nvPr>
+            <p:extLst>
+              <p:ext uri="{D42A27DB-BD31-4B8C-83A1-F6EECF244321}">
+                <p14:modId xmlns:p14="http://schemas.microsoft.com/office/powerpoint/2010/main" val="3438361647"/>
+              </p:ext>
+            </p:extLst>
+          </p:nvPr>
+        </p:nvGraphicFramePr>
+        <p:xfrm>
+          <a:off x="4405312" y="2948516"/>
+          <a:ext cx="425451" cy="2743200"/>
+        </p:xfrm>
+        <a:graphic>
+          <a:graphicData uri="http://schemas.openxmlformats.org/drawingml/2006/table">
+            <a:tbl>
+              <a:tblPr>
+                <a:tableStyleId>{5940675A-B579-460E-94D1-54222C63F5DA}</a:tableStyleId>
+              </a:tblPr>
+              <a:tblGrid>
+                <a:gridCol w="425451">
+                  <a:extLst>
+                    <a:ext uri="{9D8B030D-6E8A-4147-A177-3AD203B41FA5}">
+                      <a16:colId xmlns:a16="http://schemas.microsoft.com/office/drawing/2014/main" val="2381805408"/>
+                    </a:ext>
+                  </a:extLst>
+                </a:gridCol>
+              </a:tblGrid>
+              <a:tr h="370840">
+                <a:tc>
+                  <a:txBody>
+                    <a:bodyPr/>
+                    <a:lstStyle/>
+                    <a:p>
+                      <a:pPr algn="ctr"/>
+                      <a:r>
+                        <a:rPr lang="en-US" sz="2400" dirty="0"/>
+                        <a:t>2</a:t>
+                      </a:r>
+                    </a:p>
+                  </a:txBody>
+                  <a:tcPr/>
+                </a:tc>
+                <a:extLst>
+                  <a:ext uri="{0D108BD9-81ED-4DB2-BD59-A6C34878D82A}">
+                    <a16:rowId xmlns:a16="http://schemas.microsoft.com/office/drawing/2014/main" val="3616141756"/>
+                  </a:ext>
+                </a:extLst>
+              </a:tr>
+              <a:tr h="370840">
+                <a:tc>
+                  <a:txBody>
+                    <a:bodyPr/>
+                    <a:lstStyle/>
+                    <a:p>
+                      <a:pPr algn="ctr"/>
+                      <a:r>
+                        <a:rPr lang="en-US" sz="2400" dirty="0"/>
+                        <a:t>5</a:t>
+                      </a:r>
+                    </a:p>
+                  </a:txBody>
+                  <a:tcPr/>
+                </a:tc>
+                <a:extLst>
+                  <a:ext uri="{0D108BD9-81ED-4DB2-BD59-A6C34878D82A}">
+                    <a16:rowId xmlns:a16="http://schemas.microsoft.com/office/drawing/2014/main" val="1109549320"/>
+                  </a:ext>
+                </a:extLst>
+              </a:tr>
+              <a:tr h="370840">
+                <a:tc>
+                  <a:txBody>
+                    <a:bodyPr/>
+                    <a:lstStyle/>
+                    <a:p>
+                      <a:pPr algn="ctr"/>
+                      <a:r>
+                        <a:rPr lang="en-US" sz="2400" dirty="0"/>
+                        <a:t>3</a:t>
+                      </a:r>
+                    </a:p>
+                  </a:txBody>
+                  <a:tcPr/>
+                </a:tc>
+                <a:extLst>
+                  <a:ext uri="{0D108BD9-81ED-4DB2-BD59-A6C34878D82A}">
+                    <a16:rowId xmlns:a16="http://schemas.microsoft.com/office/drawing/2014/main" val="3257256942"/>
+                  </a:ext>
+                </a:extLst>
+              </a:tr>
+              <a:tr h="370840">
+                <a:tc>
+                  <a:txBody>
+                    <a:bodyPr/>
+                    <a:lstStyle/>
+                    <a:p>
+                      <a:pPr algn="ctr"/>
+                      <a:r>
+                        <a:rPr lang="en-US" sz="2400" dirty="0"/>
+                        <a:t>1</a:t>
+                      </a:r>
+                    </a:p>
+                  </a:txBody>
+                  <a:tcPr/>
+                </a:tc>
+                <a:extLst>
+                  <a:ext uri="{0D108BD9-81ED-4DB2-BD59-A6C34878D82A}">
+                    <a16:rowId xmlns:a16="http://schemas.microsoft.com/office/drawing/2014/main" val="3583544468"/>
+                  </a:ext>
+                </a:extLst>
+              </a:tr>
+              <a:tr h="370840">
+                <a:tc>
+                  <a:txBody>
+                    <a:bodyPr/>
+                    <a:lstStyle/>
+                    <a:p>
+                      <a:pPr algn="ctr"/>
+                      <a:r>
+                        <a:rPr lang="en-US" sz="2400" dirty="0"/>
+                        <a:t>0</a:t>
+                      </a:r>
+                    </a:p>
+                  </a:txBody>
+                  <a:tcPr/>
+                </a:tc>
+                <a:extLst>
+                  <a:ext uri="{0D108BD9-81ED-4DB2-BD59-A6C34878D82A}">
+                    <a16:rowId xmlns:a16="http://schemas.microsoft.com/office/drawing/2014/main" val="4217090848"/>
+                  </a:ext>
+                </a:extLst>
+              </a:tr>
+              <a:tr h="370840">
+                <a:tc>
+                  <a:txBody>
+                    <a:bodyPr/>
+                    <a:lstStyle/>
+                    <a:p>
+                      <a:pPr algn="ctr"/>
+                      <a:r>
+                        <a:rPr lang="en-US" sz="2400" dirty="0"/>
+                        <a:t>6</a:t>
+                      </a:r>
+                    </a:p>
+                  </a:txBody>
+                  <a:tcPr/>
+                </a:tc>
+                <a:extLst>
+                  <a:ext uri="{0D108BD9-81ED-4DB2-BD59-A6C34878D82A}">
+                    <a16:rowId xmlns:a16="http://schemas.microsoft.com/office/drawing/2014/main" val="1733226610"/>
+                  </a:ext>
+                </a:extLst>
+              </a:tr>
+            </a:tbl>
+          </a:graphicData>
+        </a:graphic>
+      </p:graphicFrame>
+      <p:graphicFrame>
+        <p:nvGraphicFramePr>
+          <p:cNvPr id="5" name="Table 4">
+            <a:extLst>
+              <a:ext uri="{FF2B5EF4-FFF2-40B4-BE49-F238E27FC236}">
+                <a16:creationId xmlns:a16="http://schemas.microsoft.com/office/drawing/2014/main" id="{7276FD91-E04D-BB46-B587-2F37EB895834}"/>
+              </a:ext>
+            </a:extLst>
+          </p:cNvPr>
+          <p:cNvGraphicFramePr>
+            <a:graphicFrameLocks noGrp="1"/>
+          </p:cNvGraphicFramePr>
+          <p:nvPr>
+            <p:extLst>
+              <p:ext uri="{D42A27DB-BD31-4B8C-83A1-F6EECF244321}">
+                <p14:modId xmlns:p14="http://schemas.microsoft.com/office/powerpoint/2010/main" val="1368285036"/>
+              </p:ext>
+            </p:extLst>
+          </p:nvPr>
+        </p:nvGraphicFramePr>
+        <p:xfrm>
+          <a:off x="5876924" y="2948516"/>
+          <a:ext cx="425452" cy="2743200"/>
+        </p:xfrm>
+        <a:graphic>
+          <a:graphicData uri="http://schemas.openxmlformats.org/drawingml/2006/table">
+            <a:tbl>
+              <a:tblPr>
+                <a:tableStyleId>{5940675A-B579-460E-94D1-54222C63F5DA}</a:tableStyleId>
+              </a:tblPr>
+              <a:tblGrid>
+                <a:gridCol w="425452">
+                  <a:extLst>
+                    <a:ext uri="{9D8B030D-6E8A-4147-A177-3AD203B41FA5}">
+                      <a16:colId xmlns:a16="http://schemas.microsoft.com/office/drawing/2014/main" val="2381805408"/>
+                    </a:ext>
+                  </a:extLst>
+                </a:gridCol>
+              </a:tblGrid>
+              <a:tr h="370840">
+                <a:tc>
+                  <a:txBody>
+                    <a:bodyPr/>
+                    <a:lstStyle/>
+                    <a:p>
+                      <a:pPr algn="ctr"/>
+                      <a:r>
+                        <a:rPr lang="en-US" sz="2400" dirty="0"/>
+                        <a:t>5</a:t>
+                      </a:r>
+                    </a:p>
+                  </a:txBody>
+                  <a:tcPr/>
+                </a:tc>
+                <a:extLst>
+                  <a:ext uri="{0D108BD9-81ED-4DB2-BD59-A6C34878D82A}">
+                    <a16:rowId xmlns:a16="http://schemas.microsoft.com/office/drawing/2014/main" val="3616141756"/>
+                  </a:ext>
+                </a:extLst>
+              </a:tr>
+              <a:tr h="370840">
+                <a:tc>
+                  <a:txBody>
+                    <a:bodyPr/>
+                    <a:lstStyle/>
+                    <a:p>
+                      <a:pPr algn="ctr"/>
+                      <a:r>
+                        <a:rPr lang="en-US" sz="2400" dirty="0"/>
+                        <a:t>3</a:t>
+                      </a:r>
+                    </a:p>
+                  </a:txBody>
+                  <a:tcPr/>
+                </a:tc>
+                <a:extLst>
+                  <a:ext uri="{0D108BD9-81ED-4DB2-BD59-A6C34878D82A}">
+                    <a16:rowId xmlns:a16="http://schemas.microsoft.com/office/drawing/2014/main" val="1109549320"/>
+                  </a:ext>
+                </a:extLst>
+              </a:tr>
+              <a:tr h="370840">
+                <a:tc>
+                  <a:txBody>
+                    <a:bodyPr/>
+                    <a:lstStyle/>
+                    <a:p>
+                      <a:pPr algn="ctr"/>
+                      <a:r>
+                        <a:rPr lang="en-US" sz="2400" dirty="0"/>
+                        <a:t>2</a:t>
+                      </a:r>
+                    </a:p>
+                  </a:txBody>
+                  <a:tcPr/>
+                </a:tc>
+                <a:extLst>
+                  <a:ext uri="{0D108BD9-81ED-4DB2-BD59-A6C34878D82A}">
+                    <a16:rowId xmlns:a16="http://schemas.microsoft.com/office/drawing/2014/main" val="3257256942"/>
+                  </a:ext>
+                </a:extLst>
+              </a:tr>
+              <a:tr h="370840">
+                <a:tc>
+                  <a:txBody>
+                    <a:bodyPr/>
+                    <a:lstStyle/>
+                    <a:p>
+                      <a:pPr algn="ctr"/>
+                      <a:r>
+                        <a:rPr lang="en-US" sz="2400" dirty="0"/>
+                        <a:t>0</a:t>
+                      </a:r>
+                    </a:p>
+                  </a:txBody>
+                  <a:tcPr/>
+                </a:tc>
+                <a:extLst>
+                  <a:ext uri="{0D108BD9-81ED-4DB2-BD59-A6C34878D82A}">
+                    <a16:rowId xmlns:a16="http://schemas.microsoft.com/office/drawing/2014/main" val="3583544468"/>
+                  </a:ext>
+                </a:extLst>
+              </a:tr>
+              <a:tr h="370840">
+                <a:tc>
+                  <a:txBody>
+                    <a:bodyPr/>
+                    <a:lstStyle/>
+                    <a:p>
+                      <a:pPr algn="ctr"/>
+                      <a:r>
+                        <a:rPr lang="en-US" sz="2400" dirty="0"/>
+                        <a:t>4</a:t>
+                      </a:r>
+                    </a:p>
+                  </a:txBody>
+                  <a:tcPr/>
+                </a:tc>
+                <a:extLst>
+                  <a:ext uri="{0D108BD9-81ED-4DB2-BD59-A6C34878D82A}">
+                    <a16:rowId xmlns:a16="http://schemas.microsoft.com/office/drawing/2014/main" val="4217090848"/>
+                  </a:ext>
+                </a:extLst>
+              </a:tr>
+              <a:tr h="370840">
+                <a:tc>
+                  <a:txBody>
+                    <a:bodyPr/>
+                    <a:lstStyle/>
+                    <a:p>
+                      <a:pPr algn="ctr"/>
+                      <a:r>
+                        <a:rPr lang="en-US" sz="2400" dirty="0"/>
+                        <a:t>1</a:t>
+                      </a:r>
+                    </a:p>
+                  </a:txBody>
+                  <a:tcPr/>
+                </a:tc>
+                <a:extLst>
+                  <a:ext uri="{0D108BD9-81ED-4DB2-BD59-A6C34878D82A}">
+                    <a16:rowId xmlns:a16="http://schemas.microsoft.com/office/drawing/2014/main" val="1733226610"/>
+                  </a:ext>
+                </a:extLst>
+              </a:tr>
+            </a:tbl>
+          </a:graphicData>
+        </a:graphic>
+      </p:graphicFrame>
+      <p:graphicFrame>
+        <p:nvGraphicFramePr>
+          <p:cNvPr id="6" name="Table 5">
+            <a:extLst>
+              <a:ext uri="{FF2B5EF4-FFF2-40B4-BE49-F238E27FC236}">
+                <a16:creationId xmlns:a16="http://schemas.microsoft.com/office/drawing/2014/main" id="{06BFF692-0865-5149-99AB-58DBD7F425D4}"/>
+              </a:ext>
+            </a:extLst>
+          </p:cNvPr>
+          <p:cNvGraphicFramePr>
+            <a:graphicFrameLocks noGrp="1"/>
+          </p:cNvGraphicFramePr>
+          <p:nvPr>
+            <p:extLst>
+              <p:ext uri="{D42A27DB-BD31-4B8C-83A1-F6EECF244321}">
+                <p14:modId xmlns:p14="http://schemas.microsoft.com/office/powerpoint/2010/main" val="1373542402"/>
+              </p:ext>
+            </p:extLst>
+          </p:nvPr>
+        </p:nvGraphicFramePr>
+        <p:xfrm>
+          <a:off x="7345143" y="2948516"/>
+          <a:ext cx="427258" cy="2743200"/>
+        </p:xfrm>
+        <a:graphic>
+          <a:graphicData uri="http://schemas.openxmlformats.org/drawingml/2006/table">
+            <a:tbl>
+              <a:tblPr>
+                <a:tableStyleId>{5940675A-B579-460E-94D1-54222C63F5DA}</a:tableStyleId>
+              </a:tblPr>
+              <a:tblGrid>
+                <a:gridCol w="427258">
+                  <a:extLst>
+                    <a:ext uri="{9D8B030D-6E8A-4147-A177-3AD203B41FA5}">
+                      <a16:colId xmlns:a16="http://schemas.microsoft.com/office/drawing/2014/main" val="2381805408"/>
+                    </a:ext>
+                  </a:extLst>
+                </a:gridCol>
+              </a:tblGrid>
+              <a:tr h="370840">
+                <a:tc>
+                  <a:txBody>
+                    <a:bodyPr/>
+                    <a:lstStyle/>
+                    <a:p>
+                      <a:pPr algn="ctr"/>
+                      <a:r>
+                        <a:rPr lang="en-US" sz="2400" dirty="0"/>
+                        <a:t>7</a:t>
+                      </a:r>
+                    </a:p>
+                  </a:txBody>
+                  <a:tcPr/>
+                </a:tc>
+                <a:extLst>
+                  <a:ext uri="{0D108BD9-81ED-4DB2-BD59-A6C34878D82A}">
+                    <a16:rowId xmlns:a16="http://schemas.microsoft.com/office/drawing/2014/main" val="3616141756"/>
+                  </a:ext>
+                </a:extLst>
+              </a:tr>
+              <a:tr h="370840">
+                <a:tc>
+                  <a:txBody>
+                    <a:bodyPr/>
+                    <a:lstStyle/>
+                    <a:p>
+                      <a:pPr algn="ctr"/>
+                      <a:r>
+                        <a:rPr lang="en-US" sz="2400" dirty="0"/>
+                        <a:t>8</a:t>
+                      </a:r>
+                    </a:p>
+                  </a:txBody>
+                  <a:tcPr/>
+                </a:tc>
+                <a:extLst>
+                  <a:ext uri="{0D108BD9-81ED-4DB2-BD59-A6C34878D82A}">
+                    <a16:rowId xmlns:a16="http://schemas.microsoft.com/office/drawing/2014/main" val="1109549320"/>
+                  </a:ext>
+                </a:extLst>
+              </a:tr>
+              <a:tr h="370840">
+                <a:tc>
+                  <a:txBody>
+                    <a:bodyPr/>
+                    <a:lstStyle/>
+                    <a:p>
+                      <a:pPr algn="ctr"/>
+                      <a:r>
+                        <a:rPr lang="en-US" sz="2400" dirty="0"/>
+                        <a:t>5</a:t>
+                      </a:r>
+                    </a:p>
+                  </a:txBody>
+                  <a:tcPr/>
+                </a:tc>
+                <a:extLst>
+                  <a:ext uri="{0D108BD9-81ED-4DB2-BD59-A6C34878D82A}">
+                    <a16:rowId xmlns:a16="http://schemas.microsoft.com/office/drawing/2014/main" val="3257256942"/>
+                  </a:ext>
+                </a:extLst>
+              </a:tr>
+              <a:tr h="370840">
+                <a:tc>
+                  <a:txBody>
+                    <a:bodyPr/>
+                    <a:lstStyle/>
+                    <a:p>
+                      <a:pPr algn="ctr"/>
+                      <a:r>
+                        <a:rPr lang="en-US" sz="2400" dirty="0"/>
+                        <a:t>1</a:t>
+                      </a:r>
+                    </a:p>
+                  </a:txBody>
+                  <a:tcPr/>
+                </a:tc>
+                <a:extLst>
+                  <a:ext uri="{0D108BD9-81ED-4DB2-BD59-A6C34878D82A}">
+                    <a16:rowId xmlns:a16="http://schemas.microsoft.com/office/drawing/2014/main" val="3583544468"/>
+                  </a:ext>
+                </a:extLst>
+              </a:tr>
+              <a:tr h="370840">
+                <a:tc>
+                  <a:txBody>
+                    <a:bodyPr/>
+                    <a:lstStyle/>
+                    <a:p>
+                      <a:pPr algn="ctr"/>
+                      <a:r>
+                        <a:rPr lang="en-US" sz="2400" dirty="0"/>
+                        <a:t>4</a:t>
+                      </a:r>
+                    </a:p>
+                  </a:txBody>
+                  <a:tcPr/>
+                </a:tc>
+                <a:extLst>
+                  <a:ext uri="{0D108BD9-81ED-4DB2-BD59-A6C34878D82A}">
+                    <a16:rowId xmlns:a16="http://schemas.microsoft.com/office/drawing/2014/main" val="4217090848"/>
+                  </a:ext>
+                </a:extLst>
+              </a:tr>
+              <a:tr h="370840">
+                <a:tc>
+                  <a:txBody>
+                    <a:bodyPr/>
+                    <a:lstStyle/>
+                    <a:p>
+                      <a:pPr algn="ctr"/>
+                      <a:r>
+                        <a:rPr lang="en-US" sz="2400" dirty="0"/>
+                        <a:t>7</a:t>
+                      </a:r>
+                    </a:p>
+                  </a:txBody>
+                  <a:tcPr/>
+                </a:tc>
+                <a:extLst>
+                  <a:ext uri="{0D108BD9-81ED-4DB2-BD59-A6C34878D82A}">
+                    <a16:rowId xmlns:a16="http://schemas.microsoft.com/office/drawing/2014/main" val="1733226610"/>
+                  </a:ext>
+                </a:extLst>
+              </a:tr>
+            </a:tbl>
+          </a:graphicData>
+        </a:graphic>
+      </p:graphicFrame>
+      <p:sp>
+        <p:nvSpPr>
+          <p:cNvPr id="7" name="TextBox 6">
+            <a:extLst>
+              <a:ext uri="{FF2B5EF4-FFF2-40B4-BE49-F238E27FC236}">
+                <a16:creationId xmlns:a16="http://schemas.microsoft.com/office/drawing/2014/main" id="{7BD344E0-5247-6E4F-8DBA-1DE3E61702BC}"/>
+              </a:ext>
+            </a:extLst>
+          </p:cNvPr>
+          <p:cNvSpPr txBox="1"/>
+          <p:nvPr/>
+        </p:nvSpPr>
+        <p:spPr>
+          <a:xfrm>
+            <a:off x="5146896" y="3996950"/>
+            <a:ext cx="413896" cy="646331"/>
+          </a:xfrm>
+          <a:prstGeom prst="rect">
+            <a:avLst/>
+          </a:prstGeom>
+          <a:noFill/>
+        </p:spPr>
+        <p:txBody>
+          <a:bodyPr wrap="none" rtlCol="0">
+            <a:spAutoFit/>
           </a:bodyPr>
           <a:lstStyle/>
           <a:p>
-            <a:pPr marL="0" indent="0">
-              <a:buNone/>
-            </a:pPr>
-            <a:r>
-              <a:rPr lang="en-US" dirty="0" err="1"/>
-              <a:t>int</a:t>
-            </a:r>
-            <a:r>
-              <a:rPr lang="en-US" dirty="0"/>
-              <a:t> threads = 512;                   		//# threads per block</a:t>
-            </a:r>
-          </a:p>
-          <a:p>
-            <a:pPr marL="0" indent="0">
-              <a:buNone/>
-            </a:pPr>
-            <a:r>
-              <a:rPr lang="en-US" dirty="0" err="1"/>
-              <a:t>int</a:t>
-            </a:r>
-            <a:r>
-              <a:rPr lang="en-US" dirty="0"/>
-              <a:t> blocks = (N+threads-1)/threads;	//# blocks (N/threads, rounded up)</a:t>
-            </a:r>
-          </a:p>
-          <a:p>
-            <a:pPr marL="0" indent="0">
-              <a:buNone/>
-            </a:pPr>
-            <a:r>
-              <a:rPr lang="en-US" dirty="0"/>
-              <a:t>kernel&lt;&lt;&lt;</a:t>
-            </a:r>
-            <a:r>
-              <a:rPr lang="en-US" dirty="0" err="1"/>
-              <a:t>blocks,threads</a:t>
-            </a:r>
-            <a:r>
-              <a:rPr lang="en-US" dirty="0"/>
-              <a:t>&gt;&gt;&gt;(</a:t>
-            </a:r>
-            <a:r>
-              <a:rPr lang="en-US" dirty="0" err="1"/>
-              <a:t>res_dev</a:t>
-            </a:r>
-            <a:r>
-              <a:rPr lang="en-US" dirty="0"/>
-              <a:t>, </a:t>
-            </a:r>
-            <a:r>
-              <a:rPr lang="en-US" dirty="0" err="1"/>
-              <a:t>a_dev</a:t>
-            </a:r>
-            <a:r>
-              <a:rPr lang="en-US" dirty="0"/>
-              <a:t>, </a:t>
-            </a:r>
-            <a:r>
-              <a:rPr lang="en-US" dirty="0" err="1"/>
-              <a:t>b_dev</a:t>
-            </a:r>
-            <a:r>
-              <a:rPr lang="en-US" dirty="0"/>
-              <a:t>);</a:t>
-            </a:r>
-          </a:p>
-          <a:p>
-            <a:pPr marL="0" indent="0">
-              <a:buNone/>
-            </a:pPr>
-            <a:endParaRPr lang="en-US" dirty="0"/>
-          </a:p>
-          <a:p>
-            <a:r>
-              <a:rPr lang="en-US" dirty="0"/>
-              <a:t>Why use more than a single block?</a:t>
-            </a:r>
-          </a:p>
-          <a:p>
-            <a:pPr lvl="1"/>
-            <a:r>
-              <a:rPr lang="en-US" dirty="0"/>
-              <a:t>Limited number of threads per block (depends on card being used)</a:t>
-            </a:r>
-          </a:p>
-          <a:p>
-            <a:r>
-              <a:rPr lang="en-US" dirty="0"/>
-              <a:t>Why not use N blocks?</a:t>
-            </a:r>
-          </a:p>
-          <a:p>
-            <a:pPr lvl="1"/>
-            <a:r>
-              <a:rPr lang="en-US" dirty="0"/>
-              <a:t>Threads in block share variables (__shared__) and have barrier (__</a:t>
-            </a:r>
-            <a:r>
-              <a:rPr lang="en-US" dirty="0" err="1"/>
-              <a:t>syncthreads</a:t>
-            </a:r>
-            <a:r>
-              <a:rPr lang="en-US" dirty="0"/>
-              <a:t>())</a:t>
-            </a:r>
-          </a:p>
-          <a:p>
-            <a:pPr lvl="1"/>
-            <a:r>
-              <a:rPr lang="en-US" dirty="0"/>
-              <a:t>Also, technically limited (w/ newer cards, the limit is 2</a:t>
-            </a:r>
-            <a:r>
-              <a:rPr lang="en-US" baseline="30000" dirty="0"/>
-              <a:t>31</a:t>
-            </a:r>
-            <a:r>
-              <a:rPr lang="en-US" dirty="0"/>
-              <a:t> – 1)</a:t>
-            </a:r>
-          </a:p>
-          <a:p>
-            <a:pPr marL="0" indent="0">
-              <a:buNone/>
-            </a:pPr>
-            <a:endParaRPr lang="en-US" dirty="0"/>
-          </a:p>
-          <a:p>
-            <a:pPr marL="0" indent="0">
-              <a:buNone/>
-            </a:pPr>
-            <a:endParaRPr lang="en-US" dirty="0"/>
+            <a:r>
+              <a:rPr lang="en-US" sz="3600" dirty="0"/>
+              <a:t>+</a:t>
+            </a:r>
+          </a:p>
+        </p:txBody>
+      </p:sp>
+      <p:sp>
+        <p:nvSpPr>
+          <p:cNvPr id="8" name="TextBox 7">
+            <a:extLst>
+              <a:ext uri="{FF2B5EF4-FFF2-40B4-BE49-F238E27FC236}">
+                <a16:creationId xmlns:a16="http://schemas.microsoft.com/office/drawing/2014/main" id="{FB3856CC-2C07-EB4F-B20A-58C84379B022}"/>
+              </a:ext>
+            </a:extLst>
+          </p:cNvPr>
+          <p:cNvSpPr txBox="1"/>
+          <p:nvPr/>
+        </p:nvSpPr>
+        <p:spPr>
+          <a:xfrm>
+            <a:off x="6616811" y="3996949"/>
+            <a:ext cx="413896" cy="646331"/>
+          </a:xfrm>
+          <a:prstGeom prst="rect">
+            <a:avLst/>
+          </a:prstGeom>
+          <a:noFill/>
+        </p:spPr>
+        <p:txBody>
+          <a:bodyPr wrap="none" rtlCol="0">
+            <a:spAutoFit/>
+          </a:bodyPr>
+          <a:lstStyle/>
+          <a:p>
+            <a:r>
+              <a:rPr lang="en-US" sz="3600" dirty="0"/>
+              <a:t>=</a:t>
+            </a:r>
           </a:p>
         </p:txBody>
       </p:sp>
     </p:spTree>
     <p:extLst>
       <p:ext uri="{BB962C8B-B14F-4D97-AF65-F5344CB8AC3E}">
-        <p14:creationId xmlns:p14="http://schemas.microsoft.com/office/powerpoint/2010/main" val="1388215843"/>
+        <p14:creationId xmlns:p14="http://schemas.microsoft.com/office/powerpoint/2010/main" val="48202137"/>
       </p:ext>
     </p:extLst>
   </p:cSld>
@@ -4129,6 +4640,3243 @@
             <p:ph type="title"/>
           </p:nvPr>
         </p:nvSpPr>
+        <p:spPr>
+          <a:xfrm>
+            <a:off x="838200" y="365125"/>
+            <a:ext cx="10515600" cy="1325563"/>
+          </a:xfrm>
+        </p:spPr>
+        <p:txBody>
+          <a:bodyPr>
+            <a:normAutofit/>
+          </a:bodyPr>
+          <a:lstStyle/>
+          <a:p>
+            <a:pPr algn="ctr"/>
+            <a:r>
+              <a:rPr lang="en-US" dirty="0"/>
+              <a:t>Adding vectors using CUDA</a:t>
+            </a:r>
+            <a:br>
+              <a:rPr lang="en-US" dirty="0"/>
+            </a:br>
+            <a:r>
+              <a:rPr lang="en-US" sz="2000" dirty="0"/>
+              <a:t>(Not actually fast</a:t>
+            </a:r>
+            <a:r>
+              <a:rPr lang="mr-IN" sz="2000" dirty="0"/>
+              <a:t>…</a:t>
+            </a:r>
+            <a:r>
+              <a:rPr lang="en-US" sz="2000" dirty="0"/>
+              <a:t>)</a:t>
+            </a:r>
+            <a:endParaRPr lang="en-US" dirty="0"/>
+          </a:p>
+        </p:txBody>
+      </p:sp>
+      <p:sp>
+        <p:nvSpPr>
+          <p:cNvPr id="4" name="Subtitle 3"/>
+          <p:cNvSpPr>
+            <a:spLocks noGrp="1"/>
+          </p:cNvSpPr>
+          <p:nvPr>
+            <p:ph idx="1"/>
+          </p:nvPr>
+        </p:nvSpPr>
+        <p:spPr>
+          <a:xfrm>
+            <a:off x="819150" y="1844675"/>
+            <a:ext cx="6896100" cy="4594225"/>
+          </a:xfrm>
+        </p:spPr>
+        <p:txBody>
+          <a:bodyPr>
+            <a:normAutofit fontScale="92500" lnSpcReduction="20000"/>
+          </a:bodyPr>
+          <a:lstStyle/>
+          <a:p>
+            <a:pPr marL="0" indent="0">
+              <a:buNone/>
+            </a:pPr>
+            <a:r>
+              <a:rPr lang="en-US" sz="2400" dirty="0"/>
+              <a:t>int main() {</a:t>
+            </a:r>
+          </a:p>
+          <a:p>
+            <a:pPr marL="0" indent="0">
+              <a:buNone/>
+            </a:pPr>
+            <a:r>
+              <a:rPr lang="en-US" sz="2400" dirty="0"/>
+              <a:t>	int* a;  		//first input array (on host)</a:t>
+            </a:r>
+          </a:p>
+          <a:p>
+            <a:pPr marL="0" indent="0">
+              <a:buNone/>
+            </a:pPr>
+            <a:r>
+              <a:rPr lang="en-US" sz="2400" dirty="0"/>
+              <a:t>	int* </a:t>
+            </a:r>
+            <a:r>
+              <a:rPr lang="en-US" sz="2400" dirty="0" err="1"/>
+              <a:t>a_dev</a:t>
+            </a:r>
+            <a:r>
+              <a:rPr lang="en-US" sz="2400" dirty="0"/>
+              <a:t>;	//first input array (on device)</a:t>
+            </a:r>
+          </a:p>
+          <a:p>
+            <a:pPr marL="0" indent="0">
+              <a:buNone/>
+            </a:pPr>
+            <a:endParaRPr lang="en-US" sz="2400" dirty="0"/>
+          </a:p>
+          <a:p>
+            <a:pPr marL="0" indent="0">
+              <a:buNone/>
+            </a:pPr>
+            <a:r>
+              <a:rPr lang="en-US" sz="2400" dirty="0"/>
+              <a:t>	a = (int*) malloc(N*</a:t>
+            </a:r>
+            <a:r>
+              <a:rPr lang="en-US" sz="2400" dirty="0" err="1"/>
+              <a:t>sizeof</a:t>
+            </a:r>
+            <a:r>
+              <a:rPr lang="en-US" sz="2400" dirty="0"/>
+              <a:t>(int));</a:t>
+            </a:r>
+          </a:p>
+          <a:p>
+            <a:pPr marL="0" indent="0">
+              <a:buNone/>
+            </a:pPr>
+            <a:r>
+              <a:rPr lang="en-US" sz="2400" dirty="0"/>
+              <a:t>	</a:t>
+            </a:r>
+            <a:r>
+              <a:rPr lang="en-US" sz="2400" dirty="0" err="1"/>
+              <a:t>cudaMalloc</a:t>
+            </a:r>
+            <a:r>
+              <a:rPr lang="en-US" sz="2400" dirty="0"/>
+              <a:t>((void**) &amp;</a:t>
+            </a:r>
+            <a:r>
+              <a:rPr lang="en-US" sz="2400" dirty="0" err="1"/>
+              <a:t>a_dev</a:t>
+            </a:r>
+            <a:r>
+              <a:rPr lang="en-US" sz="2400" dirty="0"/>
+              <a:t>, N*</a:t>
+            </a:r>
+            <a:r>
+              <a:rPr lang="en-US" sz="2400" dirty="0" err="1"/>
+              <a:t>sizeof</a:t>
+            </a:r>
+            <a:r>
+              <a:rPr lang="en-US" sz="2400" dirty="0"/>
+              <a:t>(int));</a:t>
+            </a:r>
+          </a:p>
+          <a:p>
+            <a:pPr marL="0" indent="0">
+              <a:buNone/>
+            </a:pPr>
+            <a:endParaRPr lang="en-US" sz="2400" dirty="0"/>
+          </a:p>
+          <a:p>
+            <a:pPr marL="0" indent="0">
+              <a:buNone/>
+            </a:pPr>
+            <a:r>
+              <a:rPr lang="en-US" sz="2400" dirty="0"/>
+              <a:t>	…		//same for b and res</a:t>
+            </a:r>
+          </a:p>
+          <a:p>
+            <a:pPr marL="0" indent="0">
+              <a:buNone/>
+            </a:pPr>
+            <a:endParaRPr lang="en-US" sz="2400" dirty="0"/>
+          </a:p>
+          <a:p>
+            <a:pPr marL="0" indent="0">
+              <a:buNone/>
+            </a:pPr>
+            <a:r>
+              <a:rPr lang="en-US" sz="2400" dirty="0"/>
+              <a:t>	free(a);</a:t>
+            </a:r>
+          </a:p>
+          <a:p>
+            <a:pPr marL="0" indent="0">
+              <a:buNone/>
+            </a:pPr>
+            <a:r>
+              <a:rPr lang="en-US" sz="2400" dirty="0"/>
+              <a:t>	</a:t>
+            </a:r>
+            <a:r>
+              <a:rPr lang="en-US" sz="2400" dirty="0" err="1"/>
+              <a:t>cudaFree</a:t>
+            </a:r>
+            <a:r>
+              <a:rPr lang="en-US" sz="2400" dirty="0"/>
+              <a:t>(</a:t>
+            </a:r>
+            <a:r>
+              <a:rPr lang="en-US" sz="2400" dirty="0" err="1"/>
+              <a:t>a_dev</a:t>
+            </a:r>
+            <a:r>
+              <a:rPr lang="en-US" sz="2400" dirty="0"/>
+              <a:t>);</a:t>
+            </a:r>
+          </a:p>
+          <a:p>
+            <a:pPr marL="0" indent="0">
+              <a:buNone/>
+            </a:pPr>
+            <a:r>
+              <a:rPr lang="en-US" sz="2400" dirty="0"/>
+              <a:t>}</a:t>
+            </a:r>
+          </a:p>
+        </p:txBody>
+      </p:sp>
+      <p:sp>
+        <p:nvSpPr>
+          <p:cNvPr id="9" name="Content Placeholder 2">
+            <a:extLst>
+              <a:ext uri="{FF2B5EF4-FFF2-40B4-BE49-F238E27FC236}">
+                <a16:creationId xmlns:a16="http://schemas.microsoft.com/office/drawing/2014/main" id="{BF09BAD7-B49D-C440-89E9-8685E83BD3D2}"/>
+              </a:ext>
+            </a:extLst>
+          </p:cNvPr>
+          <p:cNvSpPr txBox="1">
+            <a:spLocks/>
+          </p:cNvSpPr>
+          <p:nvPr/>
+        </p:nvSpPr>
+        <p:spPr>
+          <a:xfrm>
+            <a:off x="7772400" y="1844675"/>
+            <a:ext cx="4591050" cy="4578350"/>
+          </a:xfrm>
+          <a:prstGeom prst="rect">
+            <a:avLst/>
+          </a:prstGeom>
+        </p:spPr>
+        <p:txBody>
+          <a:bodyPr vert="horz" lIns="91440" tIns="45720" rIns="91440" bIns="45720" rtlCol="0">
+            <a:normAutofit/>
+          </a:bodyPr>
+          <a:lstStyle>
+            <a:lvl1pPr marL="228600" indent="-228600" algn="l" defTabSz="914400" rtl="0" eaLnBrk="1" latinLnBrk="0" hangingPunct="1">
+              <a:lnSpc>
+                <a:spcPct val="90000"/>
+              </a:lnSpc>
+              <a:spcBef>
+                <a:spcPts val="1000"/>
+              </a:spcBef>
+              <a:buFont typeface="Arial" panose="020B0604020202020204" pitchFamily="34" charset="0"/>
+              <a:buChar char="•"/>
+              <a:defRPr sz="2800" kern="1200">
+                <a:solidFill>
+                  <a:schemeClr val="tx1"/>
+                </a:solidFill>
+                <a:latin typeface="+mn-lt"/>
+                <a:ea typeface="+mn-ea"/>
+                <a:cs typeface="+mn-cs"/>
+              </a:defRPr>
+            </a:lvl1pPr>
+            <a:lvl2pPr marL="685800" indent="-228600" algn="l" defTabSz="914400" rtl="0" eaLnBrk="1" latinLnBrk="0" hangingPunct="1">
+              <a:lnSpc>
+                <a:spcPct val="90000"/>
+              </a:lnSpc>
+              <a:spcBef>
+                <a:spcPts val="500"/>
+              </a:spcBef>
+              <a:buFont typeface="Arial" panose="020B0604020202020204" pitchFamily="34" charset="0"/>
+              <a:buChar char="•"/>
+              <a:defRPr sz="2400" kern="1200">
+                <a:solidFill>
+                  <a:schemeClr val="tx1"/>
+                </a:solidFill>
+                <a:latin typeface="+mn-lt"/>
+                <a:ea typeface="+mn-ea"/>
+                <a:cs typeface="+mn-cs"/>
+              </a:defRPr>
+            </a:lvl2pPr>
+            <a:lvl3pPr marL="1143000" indent="-228600" algn="l" defTabSz="914400" rtl="0" eaLnBrk="1" latinLnBrk="0" hangingPunct="1">
+              <a:lnSpc>
+                <a:spcPct val="90000"/>
+              </a:lnSpc>
+              <a:spcBef>
+                <a:spcPts val="500"/>
+              </a:spcBef>
+              <a:buFont typeface="Arial" panose="020B0604020202020204" pitchFamily="34" charset="0"/>
+              <a:buChar char="•"/>
+              <a:defRPr sz="2000" kern="1200">
+                <a:solidFill>
+                  <a:schemeClr val="tx1"/>
+                </a:solidFill>
+                <a:latin typeface="+mn-lt"/>
+                <a:ea typeface="+mn-ea"/>
+                <a:cs typeface="+mn-cs"/>
+              </a:defRPr>
+            </a:lvl3pPr>
+            <a:lvl4pPr marL="1600200" indent="-228600" algn="l" defTabSz="914400" rtl="0" eaLnBrk="1" latinLnBrk="0" hangingPunct="1">
+              <a:lnSpc>
+                <a:spcPct val="90000"/>
+              </a:lnSpc>
+              <a:spcBef>
+                <a:spcPts val="500"/>
+              </a:spcBef>
+              <a:buFont typeface="Arial" panose="020B0604020202020204" pitchFamily="34" charset="0"/>
+              <a:buChar char="•"/>
+              <a:defRPr sz="1800" kern="1200">
+                <a:solidFill>
+                  <a:schemeClr val="tx1"/>
+                </a:solidFill>
+                <a:latin typeface="+mn-lt"/>
+                <a:ea typeface="+mn-ea"/>
+                <a:cs typeface="+mn-cs"/>
+              </a:defRPr>
+            </a:lvl4pPr>
+            <a:lvl5pPr marL="2057400" indent="-228600" algn="l" defTabSz="914400" rtl="0" eaLnBrk="1" latinLnBrk="0" hangingPunct="1">
+              <a:lnSpc>
+                <a:spcPct val="90000"/>
+              </a:lnSpc>
+              <a:spcBef>
+                <a:spcPts val="500"/>
+              </a:spcBef>
+              <a:buFont typeface="Arial" panose="020B0604020202020204" pitchFamily="34" charset="0"/>
+              <a:buChar char="•"/>
+              <a:defRPr sz="1800" kern="1200">
+                <a:solidFill>
+                  <a:schemeClr val="tx1"/>
+                </a:solidFill>
+                <a:latin typeface="+mn-lt"/>
+                <a:ea typeface="+mn-ea"/>
+                <a:cs typeface="+mn-cs"/>
+              </a:defRPr>
+            </a:lvl5pPr>
+            <a:lvl6pPr marL="2514600" indent="-228600" algn="l" defTabSz="914400" rtl="0" eaLnBrk="1" latinLnBrk="0" hangingPunct="1">
+              <a:lnSpc>
+                <a:spcPct val="90000"/>
+              </a:lnSpc>
+              <a:spcBef>
+                <a:spcPts val="500"/>
+              </a:spcBef>
+              <a:buFont typeface="Arial" panose="020B0604020202020204" pitchFamily="34" charset="0"/>
+              <a:buChar char="•"/>
+              <a:defRPr sz="1800" kern="1200">
+                <a:solidFill>
+                  <a:schemeClr val="tx1"/>
+                </a:solidFill>
+                <a:latin typeface="+mn-lt"/>
+                <a:ea typeface="+mn-ea"/>
+                <a:cs typeface="+mn-cs"/>
+              </a:defRPr>
+            </a:lvl6pPr>
+            <a:lvl7pPr marL="2971800" indent="-228600" algn="l" defTabSz="914400" rtl="0" eaLnBrk="1" latinLnBrk="0" hangingPunct="1">
+              <a:lnSpc>
+                <a:spcPct val="90000"/>
+              </a:lnSpc>
+              <a:spcBef>
+                <a:spcPts val="500"/>
+              </a:spcBef>
+              <a:buFont typeface="Arial" panose="020B0604020202020204" pitchFamily="34" charset="0"/>
+              <a:buChar char="•"/>
+              <a:defRPr sz="1800" kern="1200">
+                <a:solidFill>
+                  <a:schemeClr val="tx1"/>
+                </a:solidFill>
+                <a:latin typeface="+mn-lt"/>
+                <a:ea typeface="+mn-ea"/>
+                <a:cs typeface="+mn-cs"/>
+              </a:defRPr>
+            </a:lvl7pPr>
+            <a:lvl8pPr marL="3429000" indent="-228600" algn="l" defTabSz="914400" rtl="0" eaLnBrk="1" latinLnBrk="0" hangingPunct="1">
+              <a:lnSpc>
+                <a:spcPct val="90000"/>
+              </a:lnSpc>
+              <a:spcBef>
+                <a:spcPts val="500"/>
+              </a:spcBef>
+              <a:buFont typeface="Arial" panose="020B0604020202020204" pitchFamily="34" charset="0"/>
+              <a:buChar char="•"/>
+              <a:defRPr sz="1800" kern="1200">
+                <a:solidFill>
+                  <a:schemeClr val="tx1"/>
+                </a:solidFill>
+                <a:latin typeface="+mn-lt"/>
+                <a:ea typeface="+mn-ea"/>
+                <a:cs typeface="+mn-cs"/>
+              </a:defRPr>
+            </a:lvl8pPr>
+            <a:lvl9pPr marL="3886200" indent="-228600" algn="l" defTabSz="914400" rtl="0" eaLnBrk="1" latinLnBrk="0" hangingPunct="1">
+              <a:lnSpc>
+                <a:spcPct val="90000"/>
+              </a:lnSpc>
+              <a:spcBef>
+                <a:spcPts val="500"/>
+              </a:spcBef>
+              <a:buFont typeface="Arial" panose="020B0604020202020204" pitchFamily="34" charset="0"/>
+              <a:buChar char="•"/>
+              <a:defRPr sz="1800" kern="1200">
+                <a:solidFill>
+                  <a:schemeClr val="tx1"/>
+                </a:solidFill>
+                <a:latin typeface="+mn-lt"/>
+                <a:ea typeface="+mn-ea"/>
+                <a:cs typeface="+mn-cs"/>
+              </a:defRPr>
+            </a:lvl9pPr>
+          </a:lstStyle>
+          <a:p>
+            <a:r>
+              <a:rPr lang="en-US" dirty="0"/>
+              <a:t>In host code:</a:t>
+            </a:r>
+          </a:p>
+          <a:p>
+            <a:pPr lvl="1"/>
+            <a:r>
+              <a:rPr lang="en-US" b="1" u="sng" dirty="0"/>
+              <a:t>Allocate memory on device</a:t>
+            </a:r>
+          </a:p>
+          <a:p>
+            <a:pPr lvl="1"/>
+            <a:r>
+              <a:rPr lang="en-US" dirty="0"/>
+              <a:t>Copy data to device</a:t>
+            </a:r>
+          </a:p>
+          <a:p>
+            <a:pPr lvl="1"/>
+            <a:r>
+              <a:rPr lang="en-US" dirty="0"/>
+              <a:t>Kernel call</a:t>
+            </a:r>
+          </a:p>
+          <a:p>
+            <a:pPr lvl="1"/>
+            <a:r>
+              <a:rPr lang="en-US" dirty="0"/>
+              <a:t>Copy results to host</a:t>
+            </a:r>
+          </a:p>
+          <a:p>
+            <a:pPr lvl="1"/>
+            <a:r>
+              <a:rPr lang="en-US" b="1" u="sng" dirty="0"/>
+              <a:t>Free device memory</a:t>
+            </a:r>
+          </a:p>
+          <a:p>
+            <a:r>
+              <a:rPr lang="en-US" dirty="0"/>
+              <a:t>In device code:</a:t>
+            </a:r>
+          </a:p>
+          <a:p>
+            <a:pPr lvl="1"/>
+            <a:r>
+              <a:rPr lang="en-US" dirty="0"/>
+              <a:t>__global__</a:t>
+            </a:r>
+          </a:p>
+          <a:p>
+            <a:pPr lvl="1"/>
+            <a:r>
+              <a:rPr lang="en-US" dirty="0"/>
+              <a:t>determine thread ID</a:t>
+            </a:r>
+          </a:p>
+          <a:p>
+            <a:pPr lvl="1"/>
+            <a:r>
+              <a:rPr lang="en-US" dirty="0"/>
+              <a:t>bounds check</a:t>
+            </a:r>
+          </a:p>
+        </p:txBody>
+      </p:sp>
+      <p:sp>
+        <p:nvSpPr>
+          <p:cNvPr id="6" name="Rounded Rectangle 5">
+            <a:extLst>
+              <a:ext uri="{FF2B5EF4-FFF2-40B4-BE49-F238E27FC236}">
+                <a16:creationId xmlns:a16="http://schemas.microsoft.com/office/drawing/2014/main" id="{BD928ED3-78EA-834E-A2F9-6A840FE9D344}"/>
+              </a:ext>
+            </a:extLst>
+          </p:cNvPr>
+          <p:cNvSpPr/>
+          <p:nvPr/>
+        </p:nvSpPr>
+        <p:spPr>
+          <a:xfrm>
+            <a:off x="1616574" y="3626492"/>
+            <a:ext cx="5954233" cy="415156"/>
+          </a:xfrm>
+          <a:prstGeom prst="roundRect">
+            <a:avLst/>
+          </a:prstGeom>
+          <a:solidFill>
+            <a:schemeClr val="accent1">
+              <a:alpha val="24624"/>
+            </a:schemeClr>
+          </a:solidFill>
+        </p:spPr>
+        <p:style>
+          <a:lnRef idx="2">
+            <a:schemeClr val="accent1">
+              <a:shade val="50000"/>
+            </a:schemeClr>
+          </a:lnRef>
+          <a:fillRef idx="1">
+            <a:schemeClr val="accent1"/>
+          </a:fillRef>
+          <a:effectRef idx="0">
+            <a:schemeClr val="accent1"/>
+          </a:effectRef>
+          <a:fontRef idx="minor">
+            <a:schemeClr val="lt1"/>
+          </a:fontRef>
+        </p:style>
+        <p:txBody>
+          <a:bodyPr rtlCol="0" anchor="ctr"/>
+          <a:lstStyle/>
+          <a:p>
+            <a:pPr algn="ctr"/>
+            <a:endParaRPr lang="en-US"/>
+          </a:p>
+        </p:txBody>
+      </p:sp>
+      <p:sp>
+        <p:nvSpPr>
+          <p:cNvPr id="7" name="Rounded Rectangle 6">
+            <a:extLst>
+              <a:ext uri="{FF2B5EF4-FFF2-40B4-BE49-F238E27FC236}">
+                <a16:creationId xmlns:a16="http://schemas.microsoft.com/office/drawing/2014/main" id="{C7DBA5B3-B6EC-F84D-9FC3-B09C908A6DFB}"/>
+              </a:ext>
+            </a:extLst>
+          </p:cNvPr>
+          <p:cNvSpPr/>
+          <p:nvPr/>
+        </p:nvSpPr>
+        <p:spPr>
+          <a:xfrm>
+            <a:off x="1616574" y="5408309"/>
+            <a:ext cx="5954233" cy="415156"/>
+          </a:xfrm>
+          <a:prstGeom prst="roundRect">
+            <a:avLst/>
+          </a:prstGeom>
+          <a:solidFill>
+            <a:schemeClr val="accent1">
+              <a:alpha val="24624"/>
+            </a:schemeClr>
+          </a:solidFill>
+        </p:spPr>
+        <p:style>
+          <a:lnRef idx="2">
+            <a:schemeClr val="accent1">
+              <a:shade val="50000"/>
+            </a:schemeClr>
+          </a:lnRef>
+          <a:fillRef idx="1">
+            <a:schemeClr val="accent1"/>
+          </a:fillRef>
+          <a:effectRef idx="0">
+            <a:schemeClr val="accent1"/>
+          </a:effectRef>
+          <a:fontRef idx="minor">
+            <a:schemeClr val="lt1"/>
+          </a:fontRef>
+        </p:style>
+        <p:txBody>
+          <a:bodyPr rtlCol="0" anchor="ctr"/>
+          <a:lstStyle/>
+          <a:p>
+            <a:pPr algn="ctr"/>
+            <a:endParaRPr lang="en-US"/>
+          </a:p>
+        </p:txBody>
+      </p:sp>
+      <p:cxnSp>
+        <p:nvCxnSpPr>
+          <p:cNvPr id="8" name="Straight Arrow Connector 7">
+            <a:extLst>
+              <a:ext uri="{FF2B5EF4-FFF2-40B4-BE49-F238E27FC236}">
+                <a16:creationId xmlns:a16="http://schemas.microsoft.com/office/drawing/2014/main" id="{38B09DA6-0E63-0640-AAB9-6EEE46D31A63}"/>
+              </a:ext>
+            </a:extLst>
+          </p:cNvPr>
+          <p:cNvCxnSpPr>
+            <a:cxnSpLocks/>
+          </p:cNvCxnSpPr>
+          <p:nvPr/>
+        </p:nvCxnSpPr>
+        <p:spPr>
+          <a:xfrm flipH="1">
+            <a:off x="7570807" y="2487168"/>
+            <a:ext cx="786810" cy="1139324"/>
+          </a:xfrm>
+          <a:prstGeom prst="straightConnector1">
+            <a:avLst/>
+          </a:prstGeom>
+          <a:ln w="38100">
+            <a:headEnd w="lg" len="lg"/>
+            <a:tailEnd type="triangle"/>
+          </a:ln>
+        </p:spPr>
+        <p:style>
+          <a:lnRef idx="1">
+            <a:schemeClr val="accent1"/>
+          </a:lnRef>
+          <a:fillRef idx="0">
+            <a:schemeClr val="accent1"/>
+          </a:fillRef>
+          <a:effectRef idx="0">
+            <a:schemeClr val="accent1"/>
+          </a:effectRef>
+          <a:fontRef idx="minor">
+            <a:schemeClr val="tx1"/>
+          </a:fontRef>
+        </p:style>
+      </p:cxnSp>
+      <p:cxnSp>
+        <p:nvCxnSpPr>
+          <p:cNvPr id="13" name="Straight Arrow Connector 12">
+            <a:extLst>
+              <a:ext uri="{FF2B5EF4-FFF2-40B4-BE49-F238E27FC236}">
+                <a16:creationId xmlns:a16="http://schemas.microsoft.com/office/drawing/2014/main" id="{A4A1F17D-9CAD-D64D-BCC1-0A2ABB1540C8}"/>
+              </a:ext>
+            </a:extLst>
+          </p:cNvPr>
+          <p:cNvCxnSpPr>
+            <a:cxnSpLocks/>
+          </p:cNvCxnSpPr>
+          <p:nvPr/>
+        </p:nvCxnSpPr>
+        <p:spPr>
+          <a:xfrm flipH="1">
+            <a:off x="7570807" y="4041649"/>
+            <a:ext cx="786811" cy="1366660"/>
+          </a:xfrm>
+          <a:prstGeom prst="straightConnector1">
+            <a:avLst/>
+          </a:prstGeom>
+          <a:ln w="38100">
+            <a:headEnd w="lg" len="lg"/>
+            <a:tailEnd type="triangle"/>
+          </a:ln>
+        </p:spPr>
+        <p:style>
+          <a:lnRef idx="1">
+            <a:schemeClr val="accent1"/>
+          </a:lnRef>
+          <a:fillRef idx="0">
+            <a:schemeClr val="accent1"/>
+          </a:fillRef>
+          <a:effectRef idx="0">
+            <a:schemeClr val="accent1"/>
+          </a:effectRef>
+          <a:fontRef idx="minor">
+            <a:schemeClr val="tx1"/>
+          </a:fontRef>
+        </p:style>
+      </p:cxnSp>
+    </p:spTree>
+    <p:extLst>
+      <p:ext uri="{BB962C8B-B14F-4D97-AF65-F5344CB8AC3E}">
+        <p14:creationId xmlns:p14="http://schemas.microsoft.com/office/powerpoint/2010/main" val="1777577381"/>
+      </p:ext>
+    </p:extLst>
+  </p:cSld>
+  <p:clrMapOvr>
+    <a:masterClrMapping/>
+  </p:clrMapOvr>
+</p:sld>
+</file>
+
+<file path=ppt/slides/slide12.xml><?xml version="1.0" encoding="utf-8"?>
+<p:sld xmlns:a="http://schemas.openxmlformats.org/drawingml/2006/main" xmlns:r="http://schemas.openxmlformats.org/officeDocument/2006/relationships" xmlns:p="http://schemas.openxmlformats.org/presentationml/2006/main">
+  <p:cSld>
+    <p:spTree>
+      <p:nvGrpSpPr>
+        <p:cNvPr id="1" name=""/>
+        <p:cNvGrpSpPr/>
+        <p:nvPr/>
+      </p:nvGrpSpPr>
+      <p:grpSpPr>
+        <a:xfrm>
+          <a:off x="0" y="0"/>
+          <a:ext cx="0" cy="0"/>
+          <a:chOff x="0" y="0"/>
+          <a:chExt cx="0" cy="0"/>
+        </a:xfrm>
+      </p:grpSpPr>
+      <p:sp>
+        <p:nvSpPr>
+          <p:cNvPr id="2" name="Title 1"/>
+          <p:cNvSpPr>
+            <a:spLocks noGrp="1"/>
+          </p:cNvSpPr>
+          <p:nvPr>
+            <p:ph type="title"/>
+          </p:nvPr>
+        </p:nvSpPr>
+        <p:spPr>
+          <a:xfrm>
+            <a:off x="838200" y="365125"/>
+            <a:ext cx="10515600" cy="1325563"/>
+          </a:xfrm>
+        </p:spPr>
+        <p:txBody>
+          <a:bodyPr>
+            <a:normAutofit/>
+          </a:bodyPr>
+          <a:lstStyle/>
+          <a:p>
+            <a:pPr algn="ctr"/>
+            <a:r>
+              <a:rPr lang="en-US" dirty="0"/>
+              <a:t>Adding vectors using CUDA</a:t>
+            </a:r>
+            <a:br>
+              <a:rPr lang="en-US" dirty="0"/>
+            </a:br>
+            <a:r>
+              <a:rPr lang="en-US" sz="2000" dirty="0"/>
+              <a:t>(Not actually fast</a:t>
+            </a:r>
+            <a:r>
+              <a:rPr lang="mr-IN" sz="2000" dirty="0"/>
+              <a:t>…</a:t>
+            </a:r>
+            <a:r>
+              <a:rPr lang="en-US" sz="2000" dirty="0"/>
+              <a:t>)</a:t>
+            </a:r>
+            <a:endParaRPr lang="en-US" dirty="0"/>
+          </a:p>
+        </p:txBody>
+      </p:sp>
+      <p:sp>
+        <p:nvSpPr>
+          <p:cNvPr id="4" name="Subtitle 3"/>
+          <p:cNvSpPr>
+            <a:spLocks noGrp="1"/>
+          </p:cNvSpPr>
+          <p:nvPr>
+            <p:ph idx="1"/>
+          </p:nvPr>
+        </p:nvSpPr>
+        <p:spPr>
+          <a:xfrm>
+            <a:off x="819150" y="1844675"/>
+            <a:ext cx="6896100" cy="4594225"/>
+          </a:xfrm>
+        </p:spPr>
+        <p:txBody>
+          <a:bodyPr>
+            <a:normAutofit fontScale="92500" lnSpcReduction="10000"/>
+          </a:bodyPr>
+          <a:lstStyle/>
+          <a:p>
+            <a:pPr marL="0" indent="0">
+              <a:buNone/>
+            </a:pPr>
+            <a:r>
+              <a:rPr lang="en-US" sz="2400" dirty="0"/>
+              <a:t>int main() {</a:t>
+            </a:r>
+          </a:p>
+          <a:p>
+            <a:pPr marL="0" indent="0">
+              <a:buNone/>
+            </a:pPr>
+            <a:r>
+              <a:rPr lang="en-US" sz="2400" dirty="0"/>
+              <a:t>	…</a:t>
+            </a:r>
+            <a:r>
+              <a:rPr lang="en-US" dirty="0"/>
+              <a:t> </a:t>
+            </a:r>
+          </a:p>
+          <a:p>
+            <a:pPr marL="0" indent="0">
+              <a:buNone/>
+            </a:pPr>
+            <a:r>
+              <a:rPr lang="en-US" dirty="0"/>
+              <a:t>	cudaMemcpy(</a:t>
+            </a:r>
+            <a:r>
+              <a:rPr lang="en-US" dirty="0" err="1"/>
+              <a:t>a_dev</a:t>
+            </a:r>
+            <a:r>
+              <a:rPr lang="en-US" dirty="0"/>
+              <a:t>, a, N*</a:t>
+            </a:r>
+            <a:r>
+              <a:rPr lang="en-US" dirty="0" err="1"/>
+              <a:t>sizeof</a:t>
+            </a:r>
+            <a:r>
+              <a:rPr lang="en-US" dirty="0"/>
+              <a:t>(int), 			</a:t>
+            </a:r>
+            <a:r>
+              <a:rPr lang="en-US" dirty="0" err="1"/>
+              <a:t>cudaMemcpyHostToDevice</a:t>
+            </a:r>
+            <a:r>
+              <a:rPr lang="en-US" dirty="0"/>
+              <a:t>)); </a:t>
+            </a:r>
+          </a:p>
+          <a:p>
+            <a:pPr marL="0" indent="0">
+              <a:buNone/>
+            </a:pPr>
+            <a:endParaRPr lang="en-US" dirty="0"/>
+          </a:p>
+          <a:p>
+            <a:pPr marL="0" indent="0">
+              <a:buNone/>
+            </a:pPr>
+            <a:r>
+              <a:rPr lang="en-US" dirty="0"/>
+              <a:t>	…</a:t>
+            </a:r>
+          </a:p>
+          <a:p>
+            <a:pPr marL="0" indent="0">
+              <a:buNone/>
+            </a:pPr>
+            <a:endParaRPr lang="en-US" dirty="0"/>
+          </a:p>
+          <a:p>
+            <a:pPr marL="0" indent="0">
+              <a:buNone/>
+            </a:pPr>
+            <a:r>
+              <a:rPr lang="en-US" dirty="0"/>
+              <a:t>	cudaMemcpy(res, </a:t>
+            </a:r>
+            <a:r>
+              <a:rPr lang="en-US" dirty="0" err="1"/>
+              <a:t>res_dev</a:t>
+            </a:r>
+            <a:r>
+              <a:rPr lang="en-US" dirty="0"/>
+              <a:t>, N*</a:t>
+            </a:r>
+            <a:r>
+              <a:rPr lang="en-US" dirty="0" err="1"/>
+              <a:t>sizeof</a:t>
+            </a:r>
+            <a:r>
+              <a:rPr lang="en-US" dirty="0"/>
+              <a:t>(int</a:t>
+            </a:r>
+            <a:r>
+              <a:rPr lang="en-US"/>
+              <a:t>), 		cudaMemcpyDeviceToHost</a:t>
+            </a:r>
+            <a:r>
+              <a:rPr lang="en-US" dirty="0"/>
+              <a:t>)</a:t>
+            </a:r>
+          </a:p>
+          <a:p>
+            <a:pPr marL="0" indent="0">
+              <a:buNone/>
+            </a:pPr>
+            <a:r>
+              <a:rPr lang="en-US" dirty="0"/>
+              <a:t>	…</a:t>
+            </a:r>
+          </a:p>
+          <a:p>
+            <a:pPr marL="0" indent="0">
+              <a:buNone/>
+            </a:pPr>
+            <a:r>
+              <a:rPr lang="en-US" dirty="0"/>
+              <a:t>}</a:t>
+            </a:r>
+          </a:p>
+        </p:txBody>
+      </p:sp>
+      <p:sp>
+        <p:nvSpPr>
+          <p:cNvPr id="9" name="Content Placeholder 2">
+            <a:extLst>
+              <a:ext uri="{FF2B5EF4-FFF2-40B4-BE49-F238E27FC236}">
+                <a16:creationId xmlns:a16="http://schemas.microsoft.com/office/drawing/2014/main" id="{BF09BAD7-B49D-C440-89E9-8685E83BD3D2}"/>
+              </a:ext>
+            </a:extLst>
+          </p:cNvPr>
+          <p:cNvSpPr txBox="1">
+            <a:spLocks/>
+          </p:cNvSpPr>
+          <p:nvPr/>
+        </p:nvSpPr>
+        <p:spPr>
+          <a:xfrm>
+            <a:off x="7772400" y="1844675"/>
+            <a:ext cx="4591050" cy="4578350"/>
+          </a:xfrm>
+          <a:prstGeom prst="rect">
+            <a:avLst/>
+          </a:prstGeom>
+        </p:spPr>
+        <p:txBody>
+          <a:bodyPr vert="horz" lIns="91440" tIns="45720" rIns="91440" bIns="45720" rtlCol="0">
+            <a:normAutofit/>
+          </a:bodyPr>
+          <a:lstStyle>
+            <a:lvl1pPr marL="228600" indent="-228600" algn="l" defTabSz="914400" rtl="0" eaLnBrk="1" latinLnBrk="0" hangingPunct="1">
+              <a:lnSpc>
+                <a:spcPct val="90000"/>
+              </a:lnSpc>
+              <a:spcBef>
+                <a:spcPts val="1000"/>
+              </a:spcBef>
+              <a:buFont typeface="Arial" panose="020B0604020202020204" pitchFamily="34" charset="0"/>
+              <a:buChar char="•"/>
+              <a:defRPr sz="2800" kern="1200">
+                <a:solidFill>
+                  <a:schemeClr val="tx1"/>
+                </a:solidFill>
+                <a:latin typeface="+mn-lt"/>
+                <a:ea typeface="+mn-ea"/>
+                <a:cs typeface="+mn-cs"/>
+              </a:defRPr>
+            </a:lvl1pPr>
+            <a:lvl2pPr marL="685800" indent="-228600" algn="l" defTabSz="914400" rtl="0" eaLnBrk="1" latinLnBrk="0" hangingPunct="1">
+              <a:lnSpc>
+                <a:spcPct val="90000"/>
+              </a:lnSpc>
+              <a:spcBef>
+                <a:spcPts val="500"/>
+              </a:spcBef>
+              <a:buFont typeface="Arial" panose="020B0604020202020204" pitchFamily="34" charset="0"/>
+              <a:buChar char="•"/>
+              <a:defRPr sz="2400" kern="1200">
+                <a:solidFill>
+                  <a:schemeClr val="tx1"/>
+                </a:solidFill>
+                <a:latin typeface="+mn-lt"/>
+                <a:ea typeface="+mn-ea"/>
+                <a:cs typeface="+mn-cs"/>
+              </a:defRPr>
+            </a:lvl2pPr>
+            <a:lvl3pPr marL="1143000" indent="-228600" algn="l" defTabSz="914400" rtl="0" eaLnBrk="1" latinLnBrk="0" hangingPunct="1">
+              <a:lnSpc>
+                <a:spcPct val="90000"/>
+              </a:lnSpc>
+              <a:spcBef>
+                <a:spcPts val="500"/>
+              </a:spcBef>
+              <a:buFont typeface="Arial" panose="020B0604020202020204" pitchFamily="34" charset="0"/>
+              <a:buChar char="•"/>
+              <a:defRPr sz="2000" kern="1200">
+                <a:solidFill>
+                  <a:schemeClr val="tx1"/>
+                </a:solidFill>
+                <a:latin typeface="+mn-lt"/>
+                <a:ea typeface="+mn-ea"/>
+                <a:cs typeface="+mn-cs"/>
+              </a:defRPr>
+            </a:lvl3pPr>
+            <a:lvl4pPr marL="1600200" indent="-228600" algn="l" defTabSz="914400" rtl="0" eaLnBrk="1" latinLnBrk="0" hangingPunct="1">
+              <a:lnSpc>
+                <a:spcPct val="90000"/>
+              </a:lnSpc>
+              <a:spcBef>
+                <a:spcPts val="500"/>
+              </a:spcBef>
+              <a:buFont typeface="Arial" panose="020B0604020202020204" pitchFamily="34" charset="0"/>
+              <a:buChar char="•"/>
+              <a:defRPr sz="1800" kern="1200">
+                <a:solidFill>
+                  <a:schemeClr val="tx1"/>
+                </a:solidFill>
+                <a:latin typeface="+mn-lt"/>
+                <a:ea typeface="+mn-ea"/>
+                <a:cs typeface="+mn-cs"/>
+              </a:defRPr>
+            </a:lvl4pPr>
+            <a:lvl5pPr marL="2057400" indent="-228600" algn="l" defTabSz="914400" rtl="0" eaLnBrk="1" latinLnBrk="0" hangingPunct="1">
+              <a:lnSpc>
+                <a:spcPct val="90000"/>
+              </a:lnSpc>
+              <a:spcBef>
+                <a:spcPts val="500"/>
+              </a:spcBef>
+              <a:buFont typeface="Arial" panose="020B0604020202020204" pitchFamily="34" charset="0"/>
+              <a:buChar char="•"/>
+              <a:defRPr sz="1800" kern="1200">
+                <a:solidFill>
+                  <a:schemeClr val="tx1"/>
+                </a:solidFill>
+                <a:latin typeface="+mn-lt"/>
+                <a:ea typeface="+mn-ea"/>
+                <a:cs typeface="+mn-cs"/>
+              </a:defRPr>
+            </a:lvl5pPr>
+            <a:lvl6pPr marL="2514600" indent="-228600" algn="l" defTabSz="914400" rtl="0" eaLnBrk="1" latinLnBrk="0" hangingPunct="1">
+              <a:lnSpc>
+                <a:spcPct val="90000"/>
+              </a:lnSpc>
+              <a:spcBef>
+                <a:spcPts val="500"/>
+              </a:spcBef>
+              <a:buFont typeface="Arial" panose="020B0604020202020204" pitchFamily="34" charset="0"/>
+              <a:buChar char="•"/>
+              <a:defRPr sz="1800" kern="1200">
+                <a:solidFill>
+                  <a:schemeClr val="tx1"/>
+                </a:solidFill>
+                <a:latin typeface="+mn-lt"/>
+                <a:ea typeface="+mn-ea"/>
+                <a:cs typeface="+mn-cs"/>
+              </a:defRPr>
+            </a:lvl6pPr>
+            <a:lvl7pPr marL="2971800" indent="-228600" algn="l" defTabSz="914400" rtl="0" eaLnBrk="1" latinLnBrk="0" hangingPunct="1">
+              <a:lnSpc>
+                <a:spcPct val="90000"/>
+              </a:lnSpc>
+              <a:spcBef>
+                <a:spcPts val="500"/>
+              </a:spcBef>
+              <a:buFont typeface="Arial" panose="020B0604020202020204" pitchFamily="34" charset="0"/>
+              <a:buChar char="•"/>
+              <a:defRPr sz="1800" kern="1200">
+                <a:solidFill>
+                  <a:schemeClr val="tx1"/>
+                </a:solidFill>
+                <a:latin typeface="+mn-lt"/>
+                <a:ea typeface="+mn-ea"/>
+                <a:cs typeface="+mn-cs"/>
+              </a:defRPr>
+            </a:lvl7pPr>
+            <a:lvl8pPr marL="3429000" indent="-228600" algn="l" defTabSz="914400" rtl="0" eaLnBrk="1" latinLnBrk="0" hangingPunct="1">
+              <a:lnSpc>
+                <a:spcPct val="90000"/>
+              </a:lnSpc>
+              <a:spcBef>
+                <a:spcPts val="500"/>
+              </a:spcBef>
+              <a:buFont typeface="Arial" panose="020B0604020202020204" pitchFamily="34" charset="0"/>
+              <a:buChar char="•"/>
+              <a:defRPr sz="1800" kern="1200">
+                <a:solidFill>
+                  <a:schemeClr val="tx1"/>
+                </a:solidFill>
+                <a:latin typeface="+mn-lt"/>
+                <a:ea typeface="+mn-ea"/>
+                <a:cs typeface="+mn-cs"/>
+              </a:defRPr>
+            </a:lvl8pPr>
+            <a:lvl9pPr marL="3886200" indent="-228600" algn="l" defTabSz="914400" rtl="0" eaLnBrk="1" latinLnBrk="0" hangingPunct="1">
+              <a:lnSpc>
+                <a:spcPct val="90000"/>
+              </a:lnSpc>
+              <a:spcBef>
+                <a:spcPts val="500"/>
+              </a:spcBef>
+              <a:buFont typeface="Arial" panose="020B0604020202020204" pitchFamily="34" charset="0"/>
+              <a:buChar char="•"/>
+              <a:defRPr sz="1800" kern="1200">
+                <a:solidFill>
+                  <a:schemeClr val="tx1"/>
+                </a:solidFill>
+                <a:latin typeface="+mn-lt"/>
+                <a:ea typeface="+mn-ea"/>
+                <a:cs typeface="+mn-cs"/>
+              </a:defRPr>
+            </a:lvl9pPr>
+          </a:lstStyle>
+          <a:p>
+            <a:r>
+              <a:rPr lang="en-US" dirty="0"/>
+              <a:t>In host code:</a:t>
+            </a:r>
+          </a:p>
+          <a:p>
+            <a:pPr lvl="1"/>
+            <a:r>
+              <a:rPr lang="en-US" dirty="0"/>
+              <a:t>Allocate memory on device</a:t>
+            </a:r>
+          </a:p>
+          <a:p>
+            <a:pPr lvl="1"/>
+            <a:r>
+              <a:rPr lang="en-US" b="1" u="sng" dirty="0"/>
+              <a:t>Copy data to device</a:t>
+            </a:r>
+          </a:p>
+          <a:p>
+            <a:pPr lvl="1"/>
+            <a:r>
+              <a:rPr lang="en-US" dirty="0"/>
+              <a:t>Kernel call</a:t>
+            </a:r>
+          </a:p>
+          <a:p>
+            <a:pPr lvl="1"/>
+            <a:r>
+              <a:rPr lang="en-US" b="1" u="sng" dirty="0"/>
+              <a:t>Copy results to host</a:t>
+            </a:r>
+          </a:p>
+          <a:p>
+            <a:pPr lvl="1"/>
+            <a:r>
+              <a:rPr lang="en-US" dirty="0"/>
+              <a:t>Free device memory</a:t>
+            </a:r>
+          </a:p>
+          <a:p>
+            <a:r>
+              <a:rPr lang="en-US" dirty="0"/>
+              <a:t>In device code:</a:t>
+            </a:r>
+          </a:p>
+          <a:p>
+            <a:pPr lvl="1"/>
+            <a:r>
+              <a:rPr lang="en-US" dirty="0"/>
+              <a:t>__global__</a:t>
+            </a:r>
+          </a:p>
+          <a:p>
+            <a:pPr lvl="1"/>
+            <a:r>
+              <a:rPr lang="en-US" dirty="0"/>
+              <a:t>determine thread ID</a:t>
+            </a:r>
+          </a:p>
+          <a:p>
+            <a:pPr lvl="1"/>
+            <a:r>
+              <a:rPr lang="en-US" dirty="0"/>
+              <a:t>bounds check</a:t>
+            </a:r>
+          </a:p>
+        </p:txBody>
+      </p:sp>
+      <p:sp>
+        <p:nvSpPr>
+          <p:cNvPr id="5" name="Rounded Rectangle 4">
+            <a:extLst>
+              <a:ext uri="{FF2B5EF4-FFF2-40B4-BE49-F238E27FC236}">
+                <a16:creationId xmlns:a16="http://schemas.microsoft.com/office/drawing/2014/main" id="{1F8F02DA-3A2A-E643-AE35-1931D38EED96}"/>
+              </a:ext>
+            </a:extLst>
+          </p:cNvPr>
+          <p:cNvSpPr/>
+          <p:nvPr/>
+        </p:nvSpPr>
+        <p:spPr>
+          <a:xfrm>
+            <a:off x="1451982" y="2630495"/>
+            <a:ext cx="5954233" cy="798505"/>
+          </a:xfrm>
+          <a:prstGeom prst="roundRect">
+            <a:avLst/>
+          </a:prstGeom>
+          <a:solidFill>
+            <a:schemeClr val="accent1">
+              <a:alpha val="24624"/>
+            </a:schemeClr>
+          </a:solidFill>
+        </p:spPr>
+        <p:style>
+          <a:lnRef idx="2">
+            <a:schemeClr val="accent1">
+              <a:shade val="50000"/>
+            </a:schemeClr>
+          </a:lnRef>
+          <a:fillRef idx="1">
+            <a:schemeClr val="accent1"/>
+          </a:fillRef>
+          <a:effectRef idx="0">
+            <a:schemeClr val="accent1"/>
+          </a:effectRef>
+          <a:fontRef idx="minor">
+            <a:schemeClr val="lt1"/>
+          </a:fontRef>
+        </p:style>
+        <p:txBody>
+          <a:bodyPr rtlCol="0" anchor="ctr"/>
+          <a:lstStyle/>
+          <a:p>
+            <a:pPr algn="ctr"/>
+            <a:endParaRPr lang="en-US"/>
+          </a:p>
+        </p:txBody>
+      </p:sp>
+      <p:sp>
+        <p:nvSpPr>
+          <p:cNvPr id="6" name="Rounded Rectangle 5">
+            <a:extLst>
+              <a:ext uri="{FF2B5EF4-FFF2-40B4-BE49-F238E27FC236}">
+                <a16:creationId xmlns:a16="http://schemas.microsoft.com/office/drawing/2014/main" id="{D9889EE6-F005-034C-93B7-E6D92361F476}"/>
+              </a:ext>
+            </a:extLst>
+          </p:cNvPr>
+          <p:cNvSpPr/>
+          <p:nvPr/>
+        </p:nvSpPr>
+        <p:spPr>
+          <a:xfrm>
+            <a:off x="1451982" y="4721423"/>
+            <a:ext cx="5954233" cy="798505"/>
+          </a:xfrm>
+          <a:prstGeom prst="roundRect">
+            <a:avLst/>
+          </a:prstGeom>
+          <a:solidFill>
+            <a:schemeClr val="accent1">
+              <a:alpha val="24624"/>
+            </a:schemeClr>
+          </a:solidFill>
+        </p:spPr>
+        <p:style>
+          <a:lnRef idx="2">
+            <a:schemeClr val="accent1">
+              <a:shade val="50000"/>
+            </a:schemeClr>
+          </a:lnRef>
+          <a:fillRef idx="1">
+            <a:schemeClr val="accent1"/>
+          </a:fillRef>
+          <a:effectRef idx="0">
+            <a:schemeClr val="accent1"/>
+          </a:effectRef>
+          <a:fontRef idx="minor">
+            <a:schemeClr val="lt1"/>
+          </a:fontRef>
+        </p:style>
+        <p:txBody>
+          <a:bodyPr rtlCol="0" anchor="ctr"/>
+          <a:lstStyle/>
+          <a:p>
+            <a:pPr algn="ctr"/>
+            <a:endParaRPr lang="en-US"/>
+          </a:p>
+        </p:txBody>
+      </p:sp>
+      <p:cxnSp>
+        <p:nvCxnSpPr>
+          <p:cNvPr id="7" name="Straight Arrow Connector 6">
+            <a:extLst>
+              <a:ext uri="{FF2B5EF4-FFF2-40B4-BE49-F238E27FC236}">
+                <a16:creationId xmlns:a16="http://schemas.microsoft.com/office/drawing/2014/main" id="{016FE88D-C3EB-844F-85C9-CA1C1EEBF1A0}"/>
+              </a:ext>
+            </a:extLst>
+          </p:cNvPr>
+          <p:cNvCxnSpPr/>
+          <p:nvPr/>
+        </p:nvCxnSpPr>
+        <p:spPr>
+          <a:xfrm flipH="1">
+            <a:off x="7281672" y="2880749"/>
+            <a:ext cx="981456" cy="0"/>
+          </a:xfrm>
+          <a:prstGeom prst="straightConnector1">
+            <a:avLst/>
+          </a:prstGeom>
+          <a:ln w="38100">
+            <a:headEnd w="lg" len="lg"/>
+            <a:tailEnd type="triangle"/>
+          </a:ln>
+        </p:spPr>
+        <p:style>
+          <a:lnRef idx="1">
+            <a:schemeClr val="accent1"/>
+          </a:lnRef>
+          <a:fillRef idx="0">
+            <a:schemeClr val="accent1"/>
+          </a:fillRef>
+          <a:effectRef idx="0">
+            <a:schemeClr val="accent1"/>
+          </a:effectRef>
+          <a:fontRef idx="minor">
+            <a:schemeClr val="tx1"/>
+          </a:fontRef>
+        </p:style>
+      </p:cxnSp>
+      <p:cxnSp>
+        <p:nvCxnSpPr>
+          <p:cNvPr id="10" name="Straight Arrow Connector 9">
+            <a:extLst>
+              <a:ext uri="{FF2B5EF4-FFF2-40B4-BE49-F238E27FC236}">
+                <a16:creationId xmlns:a16="http://schemas.microsoft.com/office/drawing/2014/main" id="{37503E96-F4C9-CD47-9611-793573319CB4}"/>
+              </a:ext>
+            </a:extLst>
+          </p:cNvPr>
+          <p:cNvCxnSpPr>
+            <a:cxnSpLocks/>
+          </p:cNvCxnSpPr>
+          <p:nvPr/>
+        </p:nvCxnSpPr>
+        <p:spPr>
+          <a:xfrm flipH="1">
+            <a:off x="7281672" y="3654941"/>
+            <a:ext cx="1005840" cy="1209667"/>
+          </a:xfrm>
+          <a:prstGeom prst="straightConnector1">
+            <a:avLst/>
+          </a:prstGeom>
+          <a:ln w="38100">
+            <a:headEnd w="lg" len="lg"/>
+            <a:tailEnd type="triangle"/>
+          </a:ln>
+        </p:spPr>
+        <p:style>
+          <a:lnRef idx="1">
+            <a:schemeClr val="accent1"/>
+          </a:lnRef>
+          <a:fillRef idx="0">
+            <a:schemeClr val="accent1"/>
+          </a:fillRef>
+          <a:effectRef idx="0">
+            <a:schemeClr val="accent1"/>
+          </a:effectRef>
+          <a:fontRef idx="minor">
+            <a:schemeClr val="tx1"/>
+          </a:fontRef>
+        </p:style>
+      </p:cxnSp>
+    </p:spTree>
+    <p:extLst>
+      <p:ext uri="{BB962C8B-B14F-4D97-AF65-F5344CB8AC3E}">
+        <p14:creationId xmlns:p14="http://schemas.microsoft.com/office/powerpoint/2010/main" val="3540615832"/>
+      </p:ext>
+    </p:extLst>
+  </p:cSld>
+  <p:clrMapOvr>
+    <a:masterClrMapping/>
+  </p:clrMapOvr>
+</p:sld>
+</file>
+
+<file path=ppt/slides/slide13.xml><?xml version="1.0" encoding="utf-8"?>
+<p:sld xmlns:a="http://schemas.openxmlformats.org/drawingml/2006/main" xmlns:r="http://schemas.openxmlformats.org/officeDocument/2006/relationships" xmlns:p="http://schemas.openxmlformats.org/presentationml/2006/main">
+  <p:cSld>
+    <p:spTree>
+      <p:nvGrpSpPr>
+        <p:cNvPr id="1" name=""/>
+        <p:cNvGrpSpPr/>
+        <p:nvPr/>
+      </p:nvGrpSpPr>
+      <p:grpSpPr>
+        <a:xfrm>
+          <a:off x="0" y="0"/>
+          <a:ext cx="0" cy="0"/>
+          <a:chOff x="0" y="0"/>
+          <a:chExt cx="0" cy="0"/>
+        </a:xfrm>
+      </p:grpSpPr>
+      <p:sp>
+        <p:nvSpPr>
+          <p:cNvPr id="2" name="Title 1"/>
+          <p:cNvSpPr>
+            <a:spLocks noGrp="1"/>
+          </p:cNvSpPr>
+          <p:nvPr>
+            <p:ph type="title"/>
+          </p:nvPr>
+        </p:nvSpPr>
+        <p:spPr>
+          <a:xfrm>
+            <a:off x="838200" y="365125"/>
+            <a:ext cx="10515600" cy="1325563"/>
+          </a:xfrm>
+        </p:spPr>
+        <p:txBody>
+          <a:bodyPr>
+            <a:normAutofit/>
+          </a:bodyPr>
+          <a:lstStyle/>
+          <a:p>
+            <a:pPr algn="ctr"/>
+            <a:r>
+              <a:rPr lang="en-US" dirty="0"/>
+              <a:t>Adding vectors using CUDA</a:t>
+            </a:r>
+            <a:br>
+              <a:rPr lang="en-US" dirty="0"/>
+            </a:br>
+            <a:r>
+              <a:rPr lang="en-US" sz="2000" dirty="0"/>
+              <a:t>(Not actually fast</a:t>
+            </a:r>
+            <a:r>
+              <a:rPr lang="mr-IN" sz="2000" dirty="0"/>
+              <a:t>…</a:t>
+            </a:r>
+            <a:r>
+              <a:rPr lang="en-US" sz="2000" dirty="0"/>
+              <a:t>)</a:t>
+            </a:r>
+            <a:endParaRPr lang="en-US" dirty="0"/>
+          </a:p>
+        </p:txBody>
+      </p:sp>
+      <p:sp>
+        <p:nvSpPr>
+          <p:cNvPr id="4" name="Subtitle 3"/>
+          <p:cNvSpPr>
+            <a:spLocks noGrp="1"/>
+          </p:cNvSpPr>
+          <p:nvPr>
+            <p:ph idx="1"/>
+          </p:nvPr>
+        </p:nvSpPr>
+        <p:spPr>
+          <a:xfrm>
+            <a:off x="819150" y="1844675"/>
+            <a:ext cx="6896100" cy="4594225"/>
+          </a:xfrm>
+        </p:spPr>
+        <p:txBody>
+          <a:bodyPr>
+            <a:normAutofit/>
+          </a:bodyPr>
+          <a:lstStyle/>
+          <a:p>
+            <a:pPr marL="0" indent="0">
+              <a:buNone/>
+            </a:pPr>
+            <a:r>
+              <a:rPr lang="en-US" sz="2400" dirty="0"/>
+              <a:t>int main() {</a:t>
+            </a:r>
+          </a:p>
+          <a:p>
+            <a:pPr marL="0" indent="0">
+              <a:buNone/>
+            </a:pPr>
+            <a:r>
+              <a:rPr lang="en-US" sz="2400" dirty="0"/>
+              <a:t>	…</a:t>
+            </a:r>
+            <a:r>
+              <a:rPr lang="en-US" dirty="0"/>
+              <a:t> </a:t>
+            </a:r>
+          </a:p>
+          <a:p>
+            <a:pPr marL="0" indent="0">
+              <a:buNone/>
+            </a:pPr>
+            <a:r>
+              <a:rPr lang="en-US" dirty="0"/>
+              <a:t>	</a:t>
+            </a:r>
+            <a:r>
+              <a:rPr lang="en-US" sz="2000" dirty="0"/>
+              <a:t>int threads = 512;                   //# threads per block</a:t>
+            </a:r>
+          </a:p>
+          <a:p>
+            <a:pPr marL="0" indent="0">
+              <a:buNone/>
+            </a:pPr>
+            <a:r>
+              <a:rPr lang="en-US" sz="2000" dirty="0"/>
+              <a:t>	int blocks  = (N+threads-1)/threads; </a:t>
+            </a:r>
+          </a:p>
+          <a:p>
+            <a:pPr marL="0" indent="0">
+              <a:buNone/>
+            </a:pPr>
+            <a:r>
+              <a:rPr lang="en-US" sz="2000" dirty="0"/>
+              <a:t>			//# blocks (N/threads rounded up)</a:t>
+            </a:r>
+          </a:p>
+          <a:p>
+            <a:pPr marL="0" indent="0">
+              <a:buNone/>
+            </a:pPr>
+            <a:endParaRPr lang="en-US" sz="2000" dirty="0"/>
+          </a:p>
+          <a:p>
+            <a:pPr marL="0" indent="0">
+              <a:buNone/>
+            </a:pPr>
+            <a:r>
+              <a:rPr lang="en-US" sz="2000" dirty="0"/>
+              <a:t>	kernel&lt;&lt;&lt;</a:t>
+            </a:r>
+            <a:r>
+              <a:rPr lang="en-US" sz="2000" dirty="0" err="1"/>
+              <a:t>blocks,threads</a:t>
+            </a:r>
+            <a:r>
+              <a:rPr lang="en-US" sz="2000" dirty="0"/>
+              <a:t>&gt;&gt;&gt;(</a:t>
+            </a:r>
+            <a:r>
+              <a:rPr lang="en-US" sz="2000" dirty="0" err="1"/>
+              <a:t>res_dev</a:t>
+            </a:r>
+            <a:r>
+              <a:rPr lang="en-US" sz="2000" dirty="0"/>
+              <a:t>, </a:t>
+            </a:r>
+            <a:r>
+              <a:rPr lang="en-US" sz="2000" dirty="0" err="1"/>
+              <a:t>a_dev</a:t>
+            </a:r>
+            <a:r>
+              <a:rPr lang="en-US" sz="2000" dirty="0"/>
+              <a:t>, </a:t>
+            </a:r>
+            <a:r>
+              <a:rPr lang="en-US" sz="2000" dirty="0" err="1"/>
+              <a:t>b_dev</a:t>
+            </a:r>
+            <a:r>
+              <a:rPr lang="en-US" sz="2000" dirty="0"/>
+              <a:t>);</a:t>
+            </a:r>
+          </a:p>
+          <a:p>
+            <a:pPr marL="0" indent="0">
+              <a:buNone/>
+            </a:pPr>
+            <a:r>
+              <a:rPr lang="en-US" dirty="0"/>
+              <a:t>	…</a:t>
+            </a:r>
+          </a:p>
+          <a:p>
+            <a:pPr marL="0" indent="0">
+              <a:buNone/>
+            </a:pPr>
+            <a:r>
+              <a:rPr lang="en-US" dirty="0"/>
+              <a:t>}</a:t>
+            </a:r>
+          </a:p>
+        </p:txBody>
+      </p:sp>
+      <p:sp>
+        <p:nvSpPr>
+          <p:cNvPr id="9" name="Content Placeholder 2">
+            <a:extLst>
+              <a:ext uri="{FF2B5EF4-FFF2-40B4-BE49-F238E27FC236}">
+                <a16:creationId xmlns:a16="http://schemas.microsoft.com/office/drawing/2014/main" id="{BF09BAD7-B49D-C440-89E9-8685E83BD3D2}"/>
+              </a:ext>
+            </a:extLst>
+          </p:cNvPr>
+          <p:cNvSpPr txBox="1">
+            <a:spLocks/>
+          </p:cNvSpPr>
+          <p:nvPr/>
+        </p:nvSpPr>
+        <p:spPr>
+          <a:xfrm>
+            <a:off x="7772400" y="1844675"/>
+            <a:ext cx="4591050" cy="4578350"/>
+          </a:xfrm>
+          <a:prstGeom prst="rect">
+            <a:avLst/>
+          </a:prstGeom>
+        </p:spPr>
+        <p:txBody>
+          <a:bodyPr vert="horz" lIns="91440" tIns="45720" rIns="91440" bIns="45720" rtlCol="0">
+            <a:normAutofit/>
+          </a:bodyPr>
+          <a:lstStyle>
+            <a:lvl1pPr marL="228600" indent="-228600" algn="l" defTabSz="914400" rtl="0" eaLnBrk="1" latinLnBrk="0" hangingPunct="1">
+              <a:lnSpc>
+                <a:spcPct val="90000"/>
+              </a:lnSpc>
+              <a:spcBef>
+                <a:spcPts val="1000"/>
+              </a:spcBef>
+              <a:buFont typeface="Arial" panose="020B0604020202020204" pitchFamily="34" charset="0"/>
+              <a:buChar char="•"/>
+              <a:defRPr sz="2800" kern="1200">
+                <a:solidFill>
+                  <a:schemeClr val="tx1"/>
+                </a:solidFill>
+                <a:latin typeface="+mn-lt"/>
+                <a:ea typeface="+mn-ea"/>
+                <a:cs typeface="+mn-cs"/>
+              </a:defRPr>
+            </a:lvl1pPr>
+            <a:lvl2pPr marL="685800" indent="-228600" algn="l" defTabSz="914400" rtl="0" eaLnBrk="1" latinLnBrk="0" hangingPunct="1">
+              <a:lnSpc>
+                <a:spcPct val="90000"/>
+              </a:lnSpc>
+              <a:spcBef>
+                <a:spcPts val="500"/>
+              </a:spcBef>
+              <a:buFont typeface="Arial" panose="020B0604020202020204" pitchFamily="34" charset="0"/>
+              <a:buChar char="•"/>
+              <a:defRPr sz="2400" kern="1200">
+                <a:solidFill>
+                  <a:schemeClr val="tx1"/>
+                </a:solidFill>
+                <a:latin typeface="+mn-lt"/>
+                <a:ea typeface="+mn-ea"/>
+                <a:cs typeface="+mn-cs"/>
+              </a:defRPr>
+            </a:lvl2pPr>
+            <a:lvl3pPr marL="1143000" indent="-228600" algn="l" defTabSz="914400" rtl="0" eaLnBrk="1" latinLnBrk="0" hangingPunct="1">
+              <a:lnSpc>
+                <a:spcPct val="90000"/>
+              </a:lnSpc>
+              <a:spcBef>
+                <a:spcPts val="500"/>
+              </a:spcBef>
+              <a:buFont typeface="Arial" panose="020B0604020202020204" pitchFamily="34" charset="0"/>
+              <a:buChar char="•"/>
+              <a:defRPr sz="2000" kern="1200">
+                <a:solidFill>
+                  <a:schemeClr val="tx1"/>
+                </a:solidFill>
+                <a:latin typeface="+mn-lt"/>
+                <a:ea typeface="+mn-ea"/>
+                <a:cs typeface="+mn-cs"/>
+              </a:defRPr>
+            </a:lvl3pPr>
+            <a:lvl4pPr marL="1600200" indent="-228600" algn="l" defTabSz="914400" rtl="0" eaLnBrk="1" latinLnBrk="0" hangingPunct="1">
+              <a:lnSpc>
+                <a:spcPct val="90000"/>
+              </a:lnSpc>
+              <a:spcBef>
+                <a:spcPts val="500"/>
+              </a:spcBef>
+              <a:buFont typeface="Arial" panose="020B0604020202020204" pitchFamily="34" charset="0"/>
+              <a:buChar char="•"/>
+              <a:defRPr sz="1800" kern="1200">
+                <a:solidFill>
+                  <a:schemeClr val="tx1"/>
+                </a:solidFill>
+                <a:latin typeface="+mn-lt"/>
+                <a:ea typeface="+mn-ea"/>
+                <a:cs typeface="+mn-cs"/>
+              </a:defRPr>
+            </a:lvl4pPr>
+            <a:lvl5pPr marL="2057400" indent="-228600" algn="l" defTabSz="914400" rtl="0" eaLnBrk="1" latinLnBrk="0" hangingPunct="1">
+              <a:lnSpc>
+                <a:spcPct val="90000"/>
+              </a:lnSpc>
+              <a:spcBef>
+                <a:spcPts val="500"/>
+              </a:spcBef>
+              <a:buFont typeface="Arial" panose="020B0604020202020204" pitchFamily="34" charset="0"/>
+              <a:buChar char="•"/>
+              <a:defRPr sz="1800" kern="1200">
+                <a:solidFill>
+                  <a:schemeClr val="tx1"/>
+                </a:solidFill>
+                <a:latin typeface="+mn-lt"/>
+                <a:ea typeface="+mn-ea"/>
+                <a:cs typeface="+mn-cs"/>
+              </a:defRPr>
+            </a:lvl5pPr>
+            <a:lvl6pPr marL="2514600" indent="-228600" algn="l" defTabSz="914400" rtl="0" eaLnBrk="1" latinLnBrk="0" hangingPunct="1">
+              <a:lnSpc>
+                <a:spcPct val="90000"/>
+              </a:lnSpc>
+              <a:spcBef>
+                <a:spcPts val="500"/>
+              </a:spcBef>
+              <a:buFont typeface="Arial" panose="020B0604020202020204" pitchFamily="34" charset="0"/>
+              <a:buChar char="•"/>
+              <a:defRPr sz="1800" kern="1200">
+                <a:solidFill>
+                  <a:schemeClr val="tx1"/>
+                </a:solidFill>
+                <a:latin typeface="+mn-lt"/>
+                <a:ea typeface="+mn-ea"/>
+                <a:cs typeface="+mn-cs"/>
+              </a:defRPr>
+            </a:lvl6pPr>
+            <a:lvl7pPr marL="2971800" indent="-228600" algn="l" defTabSz="914400" rtl="0" eaLnBrk="1" latinLnBrk="0" hangingPunct="1">
+              <a:lnSpc>
+                <a:spcPct val="90000"/>
+              </a:lnSpc>
+              <a:spcBef>
+                <a:spcPts val="500"/>
+              </a:spcBef>
+              <a:buFont typeface="Arial" panose="020B0604020202020204" pitchFamily="34" charset="0"/>
+              <a:buChar char="•"/>
+              <a:defRPr sz="1800" kern="1200">
+                <a:solidFill>
+                  <a:schemeClr val="tx1"/>
+                </a:solidFill>
+                <a:latin typeface="+mn-lt"/>
+                <a:ea typeface="+mn-ea"/>
+                <a:cs typeface="+mn-cs"/>
+              </a:defRPr>
+            </a:lvl7pPr>
+            <a:lvl8pPr marL="3429000" indent="-228600" algn="l" defTabSz="914400" rtl="0" eaLnBrk="1" latinLnBrk="0" hangingPunct="1">
+              <a:lnSpc>
+                <a:spcPct val="90000"/>
+              </a:lnSpc>
+              <a:spcBef>
+                <a:spcPts val="500"/>
+              </a:spcBef>
+              <a:buFont typeface="Arial" panose="020B0604020202020204" pitchFamily="34" charset="0"/>
+              <a:buChar char="•"/>
+              <a:defRPr sz="1800" kern="1200">
+                <a:solidFill>
+                  <a:schemeClr val="tx1"/>
+                </a:solidFill>
+                <a:latin typeface="+mn-lt"/>
+                <a:ea typeface="+mn-ea"/>
+                <a:cs typeface="+mn-cs"/>
+              </a:defRPr>
+            </a:lvl8pPr>
+            <a:lvl9pPr marL="3886200" indent="-228600" algn="l" defTabSz="914400" rtl="0" eaLnBrk="1" latinLnBrk="0" hangingPunct="1">
+              <a:lnSpc>
+                <a:spcPct val="90000"/>
+              </a:lnSpc>
+              <a:spcBef>
+                <a:spcPts val="500"/>
+              </a:spcBef>
+              <a:buFont typeface="Arial" panose="020B0604020202020204" pitchFamily="34" charset="0"/>
+              <a:buChar char="•"/>
+              <a:defRPr sz="1800" kern="1200">
+                <a:solidFill>
+                  <a:schemeClr val="tx1"/>
+                </a:solidFill>
+                <a:latin typeface="+mn-lt"/>
+                <a:ea typeface="+mn-ea"/>
+                <a:cs typeface="+mn-cs"/>
+              </a:defRPr>
+            </a:lvl9pPr>
+          </a:lstStyle>
+          <a:p>
+            <a:r>
+              <a:rPr lang="en-US" dirty="0"/>
+              <a:t>In host code:</a:t>
+            </a:r>
+          </a:p>
+          <a:p>
+            <a:pPr lvl="1"/>
+            <a:r>
+              <a:rPr lang="en-US" dirty="0"/>
+              <a:t>Allocate memory on device</a:t>
+            </a:r>
+          </a:p>
+          <a:p>
+            <a:pPr lvl="1"/>
+            <a:r>
+              <a:rPr lang="en-US" dirty="0"/>
+              <a:t>Copy data to device</a:t>
+            </a:r>
+          </a:p>
+          <a:p>
+            <a:pPr lvl="1"/>
+            <a:r>
+              <a:rPr lang="en-US" b="1" u="sng" dirty="0"/>
+              <a:t>Kernel call</a:t>
+            </a:r>
+          </a:p>
+          <a:p>
+            <a:pPr lvl="1"/>
+            <a:r>
+              <a:rPr lang="en-US" dirty="0"/>
+              <a:t>Copy results to host</a:t>
+            </a:r>
+          </a:p>
+          <a:p>
+            <a:pPr lvl="1"/>
+            <a:r>
+              <a:rPr lang="en-US" dirty="0"/>
+              <a:t>Free device memory</a:t>
+            </a:r>
+          </a:p>
+          <a:p>
+            <a:r>
+              <a:rPr lang="en-US" dirty="0"/>
+              <a:t>In device code:</a:t>
+            </a:r>
+          </a:p>
+          <a:p>
+            <a:pPr lvl="1"/>
+            <a:r>
+              <a:rPr lang="en-US" dirty="0"/>
+              <a:t>__global__</a:t>
+            </a:r>
+          </a:p>
+          <a:p>
+            <a:pPr lvl="1"/>
+            <a:r>
+              <a:rPr lang="en-US" dirty="0"/>
+              <a:t>determine thread ID</a:t>
+            </a:r>
+          </a:p>
+          <a:p>
+            <a:pPr lvl="1"/>
+            <a:r>
+              <a:rPr lang="en-US" dirty="0"/>
+              <a:t>bounds check</a:t>
+            </a:r>
+          </a:p>
+        </p:txBody>
+      </p:sp>
+      <p:sp>
+        <p:nvSpPr>
+          <p:cNvPr id="5" name="Rounded Rectangle 4">
+            <a:extLst>
+              <a:ext uri="{FF2B5EF4-FFF2-40B4-BE49-F238E27FC236}">
+                <a16:creationId xmlns:a16="http://schemas.microsoft.com/office/drawing/2014/main" id="{D8C0168C-E815-4E4F-9D91-32CAB3E7E434}"/>
+              </a:ext>
+            </a:extLst>
+          </p:cNvPr>
+          <p:cNvSpPr/>
+          <p:nvPr/>
+        </p:nvSpPr>
+        <p:spPr>
+          <a:xfrm>
+            <a:off x="1561710" y="2874335"/>
+            <a:ext cx="5954233" cy="2136577"/>
+          </a:xfrm>
+          <a:prstGeom prst="roundRect">
+            <a:avLst/>
+          </a:prstGeom>
+          <a:solidFill>
+            <a:schemeClr val="accent1">
+              <a:alpha val="24624"/>
+            </a:schemeClr>
+          </a:solidFill>
+        </p:spPr>
+        <p:style>
+          <a:lnRef idx="2">
+            <a:schemeClr val="accent1">
+              <a:shade val="50000"/>
+            </a:schemeClr>
+          </a:lnRef>
+          <a:fillRef idx="1">
+            <a:schemeClr val="accent1"/>
+          </a:fillRef>
+          <a:effectRef idx="0">
+            <a:schemeClr val="accent1"/>
+          </a:effectRef>
+          <a:fontRef idx="minor">
+            <a:schemeClr val="lt1"/>
+          </a:fontRef>
+        </p:style>
+        <p:txBody>
+          <a:bodyPr rtlCol="0" anchor="ctr"/>
+          <a:lstStyle/>
+          <a:p>
+            <a:pPr algn="ctr"/>
+            <a:endParaRPr lang="en-US"/>
+          </a:p>
+        </p:txBody>
+      </p:sp>
+    </p:spTree>
+    <p:extLst>
+      <p:ext uri="{BB962C8B-B14F-4D97-AF65-F5344CB8AC3E}">
+        <p14:creationId xmlns:p14="http://schemas.microsoft.com/office/powerpoint/2010/main" val="3889617676"/>
+      </p:ext>
+    </p:extLst>
+  </p:cSld>
+  <p:clrMapOvr>
+    <a:masterClrMapping/>
+  </p:clrMapOvr>
+</p:sld>
+</file>
+
+<file path=ppt/slides/slide14.xml><?xml version="1.0" encoding="utf-8"?>
+<p:sld xmlns:a="http://schemas.openxmlformats.org/drawingml/2006/main" xmlns:r="http://schemas.openxmlformats.org/officeDocument/2006/relationships" xmlns:p="http://schemas.openxmlformats.org/presentationml/2006/main">
+  <p:cSld>
+    <p:spTree>
+      <p:nvGrpSpPr>
+        <p:cNvPr id="1" name=""/>
+        <p:cNvGrpSpPr/>
+        <p:nvPr/>
+      </p:nvGrpSpPr>
+      <p:grpSpPr>
+        <a:xfrm>
+          <a:off x="0" y="0"/>
+          <a:ext cx="0" cy="0"/>
+          <a:chOff x="0" y="0"/>
+          <a:chExt cx="0" cy="0"/>
+        </a:xfrm>
+      </p:grpSpPr>
+      <p:sp>
+        <p:nvSpPr>
+          <p:cNvPr id="2" name="Title 1"/>
+          <p:cNvSpPr>
+            <a:spLocks noGrp="1"/>
+          </p:cNvSpPr>
+          <p:nvPr>
+            <p:ph type="title"/>
+          </p:nvPr>
+        </p:nvSpPr>
+        <p:spPr>
+          <a:xfrm>
+            <a:off x="838200" y="365125"/>
+            <a:ext cx="10515600" cy="1325563"/>
+          </a:xfrm>
+        </p:spPr>
+        <p:txBody>
+          <a:bodyPr>
+            <a:normAutofit/>
+          </a:bodyPr>
+          <a:lstStyle/>
+          <a:p>
+            <a:pPr algn="ctr"/>
+            <a:r>
+              <a:rPr lang="en-US" dirty="0"/>
+              <a:t>Adding vectors using CUDA</a:t>
+            </a:r>
+            <a:br>
+              <a:rPr lang="en-US" dirty="0"/>
+            </a:br>
+            <a:r>
+              <a:rPr lang="en-US" sz="2000" dirty="0"/>
+              <a:t>(Not actually fast</a:t>
+            </a:r>
+            <a:r>
+              <a:rPr lang="mr-IN" sz="2000" dirty="0"/>
+              <a:t>…</a:t>
+            </a:r>
+            <a:r>
+              <a:rPr lang="en-US" sz="2000" dirty="0"/>
+              <a:t>)</a:t>
+            </a:r>
+            <a:endParaRPr lang="en-US" dirty="0"/>
+          </a:p>
+        </p:txBody>
+      </p:sp>
+      <p:sp>
+        <p:nvSpPr>
+          <p:cNvPr id="4" name="Subtitle 3"/>
+          <p:cNvSpPr>
+            <a:spLocks noGrp="1"/>
+          </p:cNvSpPr>
+          <p:nvPr>
+            <p:ph idx="1"/>
+          </p:nvPr>
+        </p:nvSpPr>
+        <p:spPr>
+          <a:xfrm>
+            <a:off x="819150" y="1844675"/>
+            <a:ext cx="6896100" cy="4594225"/>
+          </a:xfrm>
+        </p:spPr>
+        <p:txBody>
+          <a:bodyPr>
+            <a:normAutofit/>
+          </a:bodyPr>
+          <a:lstStyle/>
+          <a:p>
+            <a:pPr marL="0" indent="0">
+              <a:buNone/>
+            </a:pPr>
+            <a:r>
+              <a:rPr lang="en-US" sz="2400" dirty="0"/>
+              <a:t>__global__ void kernel(int* res, int* a, int* b) {</a:t>
+            </a:r>
+          </a:p>
+          <a:p>
+            <a:pPr marL="0" indent="0">
+              <a:buNone/>
+            </a:pPr>
+            <a:r>
+              <a:rPr lang="en-US" sz="2400" dirty="0"/>
+              <a:t>     //sets res[</a:t>
+            </a:r>
+            <a:r>
+              <a:rPr lang="en-US" sz="2400" dirty="0" err="1"/>
+              <a:t>i</a:t>
+            </a:r>
+            <a:r>
+              <a:rPr lang="en-US" sz="2400" dirty="0"/>
+              <a:t>] = a[</a:t>
+            </a:r>
+            <a:r>
+              <a:rPr lang="en-US" sz="2400" dirty="0" err="1"/>
+              <a:t>i</a:t>
+            </a:r>
+            <a:r>
+              <a:rPr lang="en-US" sz="2400" dirty="0"/>
+              <a:t>] + b[</a:t>
+            </a:r>
+            <a:r>
+              <a:rPr lang="en-US" sz="2400" dirty="0" err="1"/>
+              <a:t>i</a:t>
+            </a:r>
+            <a:r>
+              <a:rPr lang="en-US" sz="2400" dirty="0"/>
+              <a:t>]</a:t>
+            </a:r>
+          </a:p>
+          <a:p>
+            <a:pPr marL="0" indent="0">
+              <a:buNone/>
+            </a:pPr>
+            <a:r>
+              <a:rPr lang="en-US" sz="2400" dirty="0"/>
+              <a:t>     //each thread is responsible for one value of </a:t>
+            </a:r>
+            <a:r>
+              <a:rPr lang="en-US" sz="2400" dirty="0" err="1"/>
+              <a:t>i</a:t>
+            </a:r>
+            <a:br>
+              <a:rPr lang="en-US" sz="2400" dirty="0"/>
+            </a:br>
+            <a:endParaRPr lang="en-US" sz="2400" dirty="0"/>
+          </a:p>
+          <a:p>
+            <a:pPr marL="0" indent="0">
+              <a:buNone/>
+            </a:pPr>
+            <a:r>
+              <a:rPr lang="en-US" sz="2400" dirty="0"/>
+              <a:t>    int </a:t>
+            </a:r>
+            <a:r>
+              <a:rPr lang="en-US" sz="2400" dirty="0" err="1"/>
+              <a:t>thread_id</a:t>
+            </a:r>
+            <a:r>
+              <a:rPr lang="en-US" sz="2400" dirty="0"/>
+              <a:t> = </a:t>
+            </a:r>
+            <a:r>
+              <a:rPr lang="en-US" sz="2400" dirty="0" err="1"/>
+              <a:t>threadIdx.x</a:t>
+            </a:r>
+            <a:r>
+              <a:rPr lang="en-US" sz="2400" dirty="0"/>
+              <a:t> + </a:t>
+            </a:r>
+            <a:r>
+              <a:rPr lang="en-US" sz="2400" dirty="0" err="1"/>
+              <a:t>blockIdx.x</a:t>
+            </a:r>
+            <a:r>
+              <a:rPr lang="en-US" sz="2400" dirty="0"/>
+              <a:t>*</a:t>
+            </a:r>
+            <a:r>
+              <a:rPr lang="en-US" sz="2400" dirty="0" err="1"/>
+              <a:t>blockDim.x</a:t>
+            </a:r>
+            <a:r>
+              <a:rPr lang="en-US" sz="2400" dirty="0"/>
+              <a:t>;</a:t>
+            </a:r>
+          </a:p>
+          <a:p>
+            <a:pPr marL="0" indent="0">
+              <a:buNone/>
+            </a:pPr>
+            <a:endParaRPr lang="en-US" sz="2400" dirty="0"/>
+          </a:p>
+          <a:p>
+            <a:pPr marL="0" indent="0">
+              <a:buNone/>
+            </a:pPr>
+            <a:r>
+              <a:rPr lang="en-US" sz="2400" dirty="0"/>
+              <a:t>    if(</a:t>
+            </a:r>
+            <a:r>
+              <a:rPr lang="en-US" sz="2400" dirty="0" err="1"/>
+              <a:t>thread_id</a:t>
+            </a:r>
+            <a:r>
+              <a:rPr lang="en-US" sz="2400" dirty="0"/>
+              <a:t> &lt; N) {</a:t>
+            </a:r>
+          </a:p>
+          <a:p>
+            <a:pPr marL="0" indent="0">
+              <a:buNone/>
+            </a:pPr>
+            <a:r>
+              <a:rPr lang="en-US" sz="2400" dirty="0"/>
+              <a:t>         res[</a:t>
+            </a:r>
+            <a:r>
+              <a:rPr lang="en-US" sz="2400" dirty="0" err="1"/>
+              <a:t>thread_id</a:t>
+            </a:r>
+            <a:r>
+              <a:rPr lang="en-US" sz="2400" dirty="0"/>
+              <a:t>] = a[</a:t>
+            </a:r>
+            <a:r>
+              <a:rPr lang="en-US" sz="2400" dirty="0" err="1"/>
+              <a:t>thread_id</a:t>
+            </a:r>
+            <a:r>
+              <a:rPr lang="en-US" sz="2400" dirty="0"/>
+              <a:t>] + b[</a:t>
+            </a:r>
+            <a:r>
+              <a:rPr lang="en-US" sz="2400" dirty="0" err="1"/>
+              <a:t>thread_id</a:t>
+            </a:r>
+            <a:r>
+              <a:rPr lang="en-US" sz="2400" dirty="0"/>
+              <a:t>];</a:t>
+            </a:r>
+          </a:p>
+          <a:p>
+            <a:pPr marL="0" indent="0">
+              <a:buNone/>
+            </a:pPr>
+            <a:r>
+              <a:rPr lang="en-US" sz="2400" dirty="0"/>
+              <a:t>    }</a:t>
+            </a:r>
+          </a:p>
+          <a:p>
+            <a:pPr marL="0" indent="0">
+              <a:buNone/>
+            </a:pPr>
+            <a:r>
+              <a:rPr lang="en-US" sz="2400" dirty="0"/>
+              <a:t>}</a:t>
+            </a:r>
+          </a:p>
+        </p:txBody>
+      </p:sp>
+      <p:sp>
+        <p:nvSpPr>
+          <p:cNvPr id="9" name="Content Placeholder 2">
+            <a:extLst>
+              <a:ext uri="{FF2B5EF4-FFF2-40B4-BE49-F238E27FC236}">
+                <a16:creationId xmlns:a16="http://schemas.microsoft.com/office/drawing/2014/main" id="{BF09BAD7-B49D-C440-89E9-8685E83BD3D2}"/>
+              </a:ext>
+            </a:extLst>
+          </p:cNvPr>
+          <p:cNvSpPr txBox="1">
+            <a:spLocks/>
+          </p:cNvSpPr>
+          <p:nvPr/>
+        </p:nvSpPr>
+        <p:spPr>
+          <a:xfrm>
+            <a:off x="7772400" y="1844675"/>
+            <a:ext cx="4591050" cy="4578350"/>
+          </a:xfrm>
+          <a:prstGeom prst="rect">
+            <a:avLst/>
+          </a:prstGeom>
+        </p:spPr>
+        <p:txBody>
+          <a:bodyPr vert="horz" lIns="91440" tIns="45720" rIns="91440" bIns="45720" rtlCol="0">
+            <a:normAutofit/>
+          </a:bodyPr>
+          <a:lstStyle>
+            <a:lvl1pPr marL="228600" indent="-228600" algn="l" defTabSz="914400" rtl="0" eaLnBrk="1" latinLnBrk="0" hangingPunct="1">
+              <a:lnSpc>
+                <a:spcPct val="90000"/>
+              </a:lnSpc>
+              <a:spcBef>
+                <a:spcPts val="1000"/>
+              </a:spcBef>
+              <a:buFont typeface="Arial" panose="020B0604020202020204" pitchFamily="34" charset="0"/>
+              <a:buChar char="•"/>
+              <a:defRPr sz="2800" kern="1200">
+                <a:solidFill>
+                  <a:schemeClr val="tx1"/>
+                </a:solidFill>
+                <a:latin typeface="+mn-lt"/>
+                <a:ea typeface="+mn-ea"/>
+                <a:cs typeface="+mn-cs"/>
+              </a:defRPr>
+            </a:lvl1pPr>
+            <a:lvl2pPr marL="685800" indent="-228600" algn="l" defTabSz="914400" rtl="0" eaLnBrk="1" latinLnBrk="0" hangingPunct="1">
+              <a:lnSpc>
+                <a:spcPct val="90000"/>
+              </a:lnSpc>
+              <a:spcBef>
+                <a:spcPts val="500"/>
+              </a:spcBef>
+              <a:buFont typeface="Arial" panose="020B0604020202020204" pitchFamily="34" charset="0"/>
+              <a:buChar char="•"/>
+              <a:defRPr sz="2400" kern="1200">
+                <a:solidFill>
+                  <a:schemeClr val="tx1"/>
+                </a:solidFill>
+                <a:latin typeface="+mn-lt"/>
+                <a:ea typeface="+mn-ea"/>
+                <a:cs typeface="+mn-cs"/>
+              </a:defRPr>
+            </a:lvl2pPr>
+            <a:lvl3pPr marL="1143000" indent="-228600" algn="l" defTabSz="914400" rtl="0" eaLnBrk="1" latinLnBrk="0" hangingPunct="1">
+              <a:lnSpc>
+                <a:spcPct val="90000"/>
+              </a:lnSpc>
+              <a:spcBef>
+                <a:spcPts val="500"/>
+              </a:spcBef>
+              <a:buFont typeface="Arial" panose="020B0604020202020204" pitchFamily="34" charset="0"/>
+              <a:buChar char="•"/>
+              <a:defRPr sz="2000" kern="1200">
+                <a:solidFill>
+                  <a:schemeClr val="tx1"/>
+                </a:solidFill>
+                <a:latin typeface="+mn-lt"/>
+                <a:ea typeface="+mn-ea"/>
+                <a:cs typeface="+mn-cs"/>
+              </a:defRPr>
+            </a:lvl3pPr>
+            <a:lvl4pPr marL="1600200" indent="-228600" algn="l" defTabSz="914400" rtl="0" eaLnBrk="1" latinLnBrk="0" hangingPunct="1">
+              <a:lnSpc>
+                <a:spcPct val="90000"/>
+              </a:lnSpc>
+              <a:spcBef>
+                <a:spcPts val="500"/>
+              </a:spcBef>
+              <a:buFont typeface="Arial" panose="020B0604020202020204" pitchFamily="34" charset="0"/>
+              <a:buChar char="•"/>
+              <a:defRPr sz="1800" kern="1200">
+                <a:solidFill>
+                  <a:schemeClr val="tx1"/>
+                </a:solidFill>
+                <a:latin typeface="+mn-lt"/>
+                <a:ea typeface="+mn-ea"/>
+                <a:cs typeface="+mn-cs"/>
+              </a:defRPr>
+            </a:lvl4pPr>
+            <a:lvl5pPr marL="2057400" indent="-228600" algn="l" defTabSz="914400" rtl="0" eaLnBrk="1" latinLnBrk="0" hangingPunct="1">
+              <a:lnSpc>
+                <a:spcPct val="90000"/>
+              </a:lnSpc>
+              <a:spcBef>
+                <a:spcPts val="500"/>
+              </a:spcBef>
+              <a:buFont typeface="Arial" panose="020B0604020202020204" pitchFamily="34" charset="0"/>
+              <a:buChar char="•"/>
+              <a:defRPr sz="1800" kern="1200">
+                <a:solidFill>
+                  <a:schemeClr val="tx1"/>
+                </a:solidFill>
+                <a:latin typeface="+mn-lt"/>
+                <a:ea typeface="+mn-ea"/>
+                <a:cs typeface="+mn-cs"/>
+              </a:defRPr>
+            </a:lvl5pPr>
+            <a:lvl6pPr marL="2514600" indent="-228600" algn="l" defTabSz="914400" rtl="0" eaLnBrk="1" latinLnBrk="0" hangingPunct="1">
+              <a:lnSpc>
+                <a:spcPct val="90000"/>
+              </a:lnSpc>
+              <a:spcBef>
+                <a:spcPts val="500"/>
+              </a:spcBef>
+              <a:buFont typeface="Arial" panose="020B0604020202020204" pitchFamily="34" charset="0"/>
+              <a:buChar char="•"/>
+              <a:defRPr sz="1800" kern="1200">
+                <a:solidFill>
+                  <a:schemeClr val="tx1"/>
+                </a:solidFill>
+                <a:latin typeface="+mn-lt"/>
+                <a:ea typeface="+mn-ea"/>
+                <a:cs typeface="+mn-cs"/>
+              </a:defRPr>
+            </a:lvl6pPr>
+            <a:lvl7pPr marL="2971800" indent="-228600" algn="l" defTabSz="914400" rtl="0" eaLnBrk="1" latinLnBrk="0" hangingPunct="1">
+              <a:lnSpc>
+                <a:spcPct val="90000"/>
+              </a:lnSpc>
+              <a:spcBef>
+                <a:spcPts val="500"/>
+              </a:spcBef>
+              <a:buFont typeface="Arial" panose="020B0604020202020204" pitchFamily="34" charset="0"/>
+              <a:buChar char="•"/>
+              <a:defRPr sz="1800" kern="1200">
+                <a:solidFill>
+                  <a:schemeClr val="tx1"/>
+                </a:solidFill>
+                <a:latin typeface="+mn-lt"/>
+                <a:ea typeface="+mn-ea"/>
+                <a:cs typeface="+mn-cs"/>
+              </a:defRPr>
+            </a:lvl7pPr>
+            <a:lvl8pPr marL="3429000" indent="-228600" algn="l" defTabSz="914400" rtl="0" eaLnBrk="1" latinLnBrk="0" hangingPunct="1">
+              <a:lnSpc>
+                <a:spcPct val="90000"/>
+              </a:lnSpc>
+              <a:spcBef>
+                <a:spcPts val="500"/>
+              </a:spcBef>
+              <a:buFont typeface="Arial" panose="020B0604020202020204" pitchFamily="34" charset="0"/>
+              <a:buChar char="•"/>
+              <a:defRPr sz="1800" kern="1200">
+                <a:solidFill>
+                  <a:schemeClr val="tx1"/>
+                </a:solidFill>
+                <a:latin typeface="+mn-lt"/>
+                <a:ea typeface="+mn-ea"/>
+                <a:cs typeface="+mn-cs"/>
+              </a:defRPr>
+            </a:lvl8pPr>
+            <a:lvl9pPr marL="3886200" indent="-228600" algn="l" defTabSz="914400" rtl="0" eaLnBrk="1" latinLnBrk="0" hangingPunct="1">
+              <a:lnSpc>
+                <a:spcPct val="90000"/>
+              </a:lnSpc>
+              <a:spcBef>
+                <a:spcPts val="500"/>
+              </a:spcBef>
+              <a:buFont typeface="Arial" panose="020B0604020202020204" pitchFamily="34" charset="0"/>
+              <a:buChar char="•"/>
+              <a:defRPr sz="1800" kern="1200">
+                <a:solidFill>
+                  <a:schemeClr val="tx1"/>
+                </a:solidFill>
+                <a:latin typeface="+mn-lt"/>
+                <a:ea typeface="+mn-ea"/>
+                <a:cs typeface="+mn-cs"/>
+              </a:defRPr>
+            </a:lvl9pPr>
+          </a:lstStyle>
+          <a:p>
+            <a:r>
+              <a:rPr lang="en-US" dirty="0"/>
+              <a:t>In host code:</a:t>
+            </a:r>
+          </a:p>
+          <a:p>
+            <a:pPr lvl="1"/>
+            <a:r>
+              <a:rPr lang="en-US" dirty="0"/>
+              <a:t>Allocate memory on device</a:t>
+            </a:r>
+          </a:p>
+          <a:p>
+            <a:pPr lvl="1"/>
+            <a:r>
+              <a:rPr lang="en-US" dirty="0"/>
+              <a:t>Copy data to device</a:t>
+            </a:r>
+          </a:p>
+          <a:p>
+            <a:pPr lvl="1"/>
+            <a:r>
+              <a:rPr lang="en-US" dirty="0"/>
+              <a:t>Kernel call</a:t>
+            </a:r>
+          </a:p>
+          <a:p>
+            <a:pPr lvl="1"/>
+            <a:r>
+              <a:rPr lang="en-US" dirty="0"/>
+              <a:t>Copy results to host</a:t>
+            </a:r>
+          </a:p>
+          <a:p>
+            <a:pPr lvl="1"/>
+            <a:r>
+              <a:rPr lang="en-US" dirty="0"/>
+              <a:t>Free device memory</a:t>
+            </a:r>
+          </a:p>
+          <a:p>
+            <a:r>
+              <a:rPr lang="en-US" dirty="0"/>
+              <a:t>In device code:</a:t>
+            </a:r>
+          </a:p>
+          <a:p>
+            <a:pPr lvl="1"/>
+            <a:r>
+              <a:rPr lang="en-US" b="1" dirty="0"/>
+              <a:t>__global__</a:t>
+            </a:r>
+          </a:p>
+          <a:p>
+            <a:pPr lvl="1"/>
+            <a:r>
+              <a:rPr lang="en-US" b="1" dirty="0"/>
+              <a:t>determine thread ID</a:t>
+            </a:r>
+          </a:p>
+          <a:p>
+            <a:pPr lvl="1"/>
+            <a:r>
+              <a:rPr lang="en-US" b="1" dirty="0"/>
+              <a:t>bounds check</a:t>
+            </a:r>
+          </a:p>
+        </p:txBody>
+      </p:sp>
+      <p:sp>
+        <p:nvSpPr>
+          <p:cNvPr id="5" name="Rounded Rectangle 4">
+            <a:extLst>
+              <a:ext uri="{FF2B5EF4-FFF2-40B4-BE49-F238E27FC236}">
+                <a16:creationId xmlns:a16="http://schemas.microsoft.com/office/drawing/2014/main" id="{C4A2E282-DD07-6E44-A15D-DC3FA01A6B53}"/>
+              </a:ext>
+            </a:extLst>
+          </p:cNvPr>
+          <p:cNvSpPr/>
+          <p:nvPr/>
+        </p:nvSpPr>
+        <p:spPr>
+          <a:xfrm>
+            <a:off x="1104510" y="3429000"/>
+            <a:ext cx="6610740" cy="566928"/>
+          </a:xfrm>
+          <a:prstGeom prst="roundRect">
+            <a:avLst/>
+          </a:prstGeom>
+          <a:solidFill>
+            <a:schemeClr val="accent1">
+              <a:alpha val="24624"/>
+            </a:schemeClr>
+          </a:solidFill>
+        </p:spPr>
+        <p:style>
+          <a:lnRef idx="2">
+            <a:schemeClr val="accent1">
+              <a:shade val="50000"/>
+            </a:schemeClr>
+          </a:lnRef>
+          <a:fillRef idx="1">
+            <a:schemeClr val="accent1"/>
+          </a:fillRef>
+          <a:effectRef idx="0">
+            <a:schemeClr val="accent1"/>
+          </a:effectRef>
+          <a:fontRef idx="minor">
+            <a:schemeClr val="lt1"/>
+          </a:fontRef>
+        </p:style>
+        <p:txBody>
+          <a:bodyPr rtlCol="0" anchor="ctr"/>
+          <a:lstStyle/>
+          <a:p>
+            <a:pPr algn="ctr"/>
+            <a:endParaRPr lang="en-US"/>
+          </a:p>
+        </p:txBody>
+      </p:sp>
+      <p:sp>
+        <p:nvSpPr>
+          <p:cNvPr id="6" name="Rounded Rectangle 5">
+            <a:extLst>
+              <a:ext uri="{FF2B5EF4-FFF2-40B4-BE49-F238E27FC236}">
+                <a16:creationId xmlns:a16="http://schemas.microsoft.com/office/drawing/2014/main" id="{56A288AD-1EB2-B64D-9D11-80654B544418}"/>
+              </a:ext>
+            </a:extLst>
+          </p:cNvPr>
+          <p:cNvSpPr/>
+          <p:nvPr/>
+        </p:nvSpPr>
+        <p:spPr>
+          <a:xfrm>
+            <a:off x="1104510" y="4367022"/>
+            <a:ext cx="2132466" cy="566928"/>
+          </a:xfrm>
+          <a:prstGeom prst="roundRect">
+            <a:avLst/>
+          </a:prstGeom>
+          <a:solidFill>
+            <a:schemeClr val="accent1">
+              <a:alpha val="24624"/>
+            </a:schemeClr>
+          </a:solidFill>
+        </p:spPr>
+        <p:style>
+          <a:lnRef idx="2">
+            <a:schemeClr val="accent1">
+              <a:shade val="50000"/>
+            </a:schemeClr>
+          </a:lnRef>
+          <a:fillRef idx="1">
+            <a:schemeClr val="accent1"/>
+          </a:fillRef>
+          <a:effectRef idx="0">
+            <a:schemeClr val="accent1"/>
+          </a:effectRef>
+          <a:fontRef idx="minor">
+            <a:schemeClr val="lt1"/>
+          </a:fontRef>
+        </p:style>
+        <p:txBody>
+          <a:bodyPr rtlCol="0" anchor="ctr"/>
+          <a:lstStyle/>
+          <a:p>
+            <a:pPr algn="ctr"/>
+            <a:endParaRPr lang="en-US"/>
+          </a:p>
+        </p:txBody>
+      </p:sp>
+      <p:sp>
+        <p:nvSpPr>
+          <p:cNvPr id="7" name="Rounded Rectangle 6">
+            <a:extLst>
+              <a:ext uri="{FF2B5EF4-FFF2-40B4-BE49-F238E27FC236}">
+                <a16:creationId xmlns:a16="http://schemas.microsoft.com/office/drawing/2014/main" id="{5870981E-FC63-9E45-AE2D-2052CB4F33B8}"/>
+              </a:ext>
+            </a:extLst>
+          </p:cNvPr>
+          <p:cNvSpPr/>
+          <p:nvPr/>
+        </p:nvSpPr>
+        <p:spPr>
+          <a:xfrm>
+            <a:off x="819150" y="1778318"/>
+            <a:ext cx="1521714" cy="566928"/>
+          </a:xfrm>
+          <a:prstGeom prst="roundRect">
+            <a:avLst/>
+          </a:prstGeom>
+          <a:solidFill>
+            <a:schemeClr val="accent1">
+              <a:alpha val="24624"/>
+            </a:schemeClr>
+          </a:solidFill>
+        </p:spPr>
+        <p:style>
+          <a:lnRef idx="2">
+            <a:schemeClr val="accent1">
+              <a:shade val="50000"/>
+            </a:schemeClr>
+          </a:lnRef>
+          <a:fillRef idx="1">
+            <a:schemeClr val="accent1"/>
+          </a:fillRef>
+          <a:effectRef idx="0">
+            <a:schemeClr val="accent1"/>
+          </a:effectRef>
+          <a:fontRef idx="minor">
+            <a:schemeClr val="lt1"/>
+          </a:fontRef>
+        </p:style>
+        <p:txBody>
+          <a:bodyPr rtlCol="0" anchor="ctr"/>
+          <a:lstStyle/>
+          <a:p>
+            <a:pPr algn="ctr"/>
+            <a:endParaRPr lang="en-US"/>
+          </a:p>
+        </p:txBody>
+      </p:sp>
+      <p:cxnSp>
+        <p:nvCxnSpPr>
+          <p:cNvPr id="8" name="Straight Arrow Connector 7">
+            <a:extLst>
+              <a:ext uri="{FF2B5EF4-FFF2-40B4-BE49-F238E27FC236}">
+                <a16:creationId xmlns:a16="http://schemas.microsoft.com/office/drawing/2014/main" id="{B97C50EE-E12F-D54F-9C6A-6BAA13D48482}"/>
+              </a:ext>
+            </a:extLst>
+          </p:cNvPr>
+          <p:cNvCxnSpPr>
+            <a:cxnSpLocks/>
+          </p:cNvCxnSpPr>
+          <p:nvPr/>
+        </p:nvCxnSpPr>
+        <p:spPr>
+          <a:xfrm flipH="1" flipV="1">
+            <a:off x="6711696" y="3995928"/>
+            <a:ext cx="1697736" cy="1353701"/>
+          </a:xfrm>
+          <a:prstGeom prst="straightConnector1">
+            <a:avLst/>
+          </a:prstGeom>
+          <a:ln w="38100">
+            <a:headEnd w="lg" len="lg"/>
+            <a:tailEnd type="triangle"/>
+          </a:ln>
+        </p:spPr>
+        <p:style>
+          <a:lnRef idx="1">
+            <a:schemeClr val="accent1"/>
+          </a:lnRef>
+          <a:fillRef idx="0">
+            <a:schemeClr val="accent1"/>
+          </a:fillRef>
+          <a:effectRef idx="0">
+            <a:schemeClr val="accent1"/>
+          </a:effectRef>
+          <a:fontRef idx="minor">
+            <a:schemeClr val="tx1"/>
+          </a:fontRef>
+        </p:style>
+      </p:cxnSp>
+      <p:cxnSp>
+        <p:nvCxnSpPr>
+          <p:cNvPr id="10" name="Straight Arrow Connector 9">
+            <a:extLst>
+              <a:ext uri="{FF2B5EF4-FFF2-40B4-BE49-F238E27FC236}">
+                <a16:creationId xmlns:a16="http://schemas.microsoft.com/office/drawing/2014/main" id="{78E6A54E-17A7-FB4B-8AF6-A10C7E16E888}"/>
+              </a:ext>
+            </a:extLst>
+          </p:cNvPr>
+          <p:cNvCxnSpPr>
+            <a:cxnSpLocks/>
+          </p:cNvCxnSpPr>
+          <p:nvPr/>
+        </p:nvCxnSpPr>
+        <p:spPr>
+          <a:xfrm flipH="1">
+            <a:off x="3493008" y="4700016"/>
+            <a:ext cx="3547872" cy="1"/>
+          </a:xfrm>
+          <a:prstGeom prst="straightConnector1">
+            <a:avLst/>
+          </a:prstGeom>
+          <a:ln w="38100">
+            <a:headEnd w="lg" len="lg"/>
+            <a:tailEnd type="triangle"/>
+          </a:ln>
+        </p:spPr>
+        <p:style>
+          <a:lnRef idx="1">
+            <a:schemeClr val="accent1"/>
+          </a:lnRef>
+          <a:fillRef idx="0">
+            <a:schemeClr val="accent1"/>
+          </a:fillRef>
+          <a:effectRef idx="0">
+            <a:schemeClr val="accent1"/>
+          </a:effectRef>
+          <a:fontRef idx="minor">
+            <a:schemeClr val="tx1"/>
+          </a:fontRef>
+        </p:style>
+      </p:cxnSp>
+      <p:cxnSp>
+        <p:nvCxnSpPr>
+          <p:cNvPr id="13" name="Straight Arrow Connector 12">
+            <a:extLst>
+              <a:ext uri="{FF2B5EF4-FFF2-40B4-BE49-F238E27FC236}">
+                <a16:creationId xmlns:a16="http://schemas.microsoft.com/office/drawing/2014/main" id="{E19D02E4-C4C4-0D42-A58B-E9CB2CF54637}"/>
+              </a:ext>
+            </a:extLst>
+          </p:cNvPr>
+          <p:cNvCxnSpPr>
+            <a:cxnSpLocks/>
+          </p:cNvCxnSpPr>
+          <p:nvPr/>
+        </p:nvCxnSpPr>
+        <p:spPr>
+          <a:xfrm flipH="1" flipV="1">
+            <a:off x="7040880" y="4700017"/>
+            <a:ext cx="1368552" cy="1078991"/>
+          </a:xfrm>
+          <a:prstGeom prst="straightConnector1">
+            <a:avLst/>
+          </a:prstGeom>
+          <a:ln w="38100">
+            <a:headEnd w="lg" len="lg"/>
+            <a:tailEnd type="none"/>
+          </a:ln>
+        </p:spPr>
+        <p:style>
+          <a:lnRef idx="1">
+            <a:schemeClr val="accent1"/>
+          </a:lnRef>
+          <a:fillRef idx="0">
+            <a:schemeClr val="accent1"/>
+          </a:fillRef>
+          <a:effectRef idx="0">
+            <a:schemeClr val="accent1"/>
+          </a:effectRef>
+          <a:fontRef idx="minor">
+            <a:schemeClr val="tx1"/>
+          </a:fontRef>
+        </p:style>
+      </p:cxnSp>
+      <p:cxnSp>
+        <p:nvCxnSpPr>
+          <p:cNvPr id="16" name="Straight Arrow Connector 15">
+            <a:extLst>
+              <a:ext uri="{FF2B5EF4-FFF2-40B4-BE49-F238E27FC236}">
+                <a16:creationId xmlns:a16="http://schemas.microsoft.com/office/drawing/2014/main" id="{DC0A4DCD-FCC6-B346-BAFA-26F26722747E}"/>
+              </a:ext>
+            </a:extLst>
+          </p:cNvPr>
+          <p:cNvCxnSpPr>
+            <a:cxnSpLocks/>
+          </p:cNvCxnSpPr>
+          <p:nvPr/>
+        </p:nvCxnSpPr>
+        <p:spPr>
+          <a:xfrm flipH="1">
+            <a:off x="2456688" y="1775976"/>
+            <a:ext cx="4682681" cy="35521"/>
+          </a:xfrm>
+          <a:prstGeom prst="straightConnector1">
+            <a:avLst/>
+          </a:prstGeom>
+          <a:ln w="38100">
+            <a:headEnd w="lg" len="lg"/>
+            <a:tailEnd type="triangle"/>
+          </a:ln>
+        </p:spPr>
+        <p:style>
+          <a:lnRef idx="1">
+            <a:schemeClr val="accent1"/>
+          </a:lnRef>
+          <a:fillRef idx="0">
+            <a:schemeClr val="accent1"/>
+          </a:fillRef>
+          <a:effectRef idx="0">
+            <a:schemeClr val="accent1"/>
+          </a:effectRef>
+          <a:fontRef idx="minor">
+            <a:schemeClr val="tx1"/>
+          </a:fontRef>
+        </p:style>
+      </p:cxnSp>
+      <p:cxnSp>
+        <p:nvCxnSpPr>
+          <p:cNvPr id="17" name="Straight Arrow Connector 16">
+            <a:extLst>
+              <a:ext uri="{FF2B5EF4-FFF2-40B4-BE49-F238E27FC236}">
+                <a16:creationId xmlns:a16="http://schemas.microsoft.com/office/drawing/2014/main" id="{6FEF43AA-3801-554D-940A-C3A33A4706F2}"/>
+              </a:ext>
+            </a:extLst>
+          </p:cNvPr>
+          <p:cNvCxnSpPr>
+            <a:cxnSpLocks/>
+          </p:cNvCxnSpPr>
+          <p:nvPr/>
+        </p:nvCxnSpPr>
+        <p:spPr>
+          <a:xfrm flipH="1" flipV="1">
+            <a:off x="7139369" y="1794907"/>
+            <a:ext cx="1270064" cy="3139045"/>
+          </a:xfrm>
+          <a:prstGeom prst="straightConnector1">
+            <a:avLst/>
+          </a:prstGeom>
+          <a:ln w="38100">
+            <a:headEnd w="lg" len="lg"/>
+            <a:tailEnd type="none"/>
+          </a:ln>
+        </p:spPr>
+        <p:style>
+          <a:lnRef idx="1">
+            <a:schemeClr val="accent1"/>
+          </a:lnRef>
+          <a:fillRef idx="0">
+            <a:schemeClr val="accent1"/>
+          </a:fillRef>
+          <a:effectRef idx="0">
+            <a:schemeClr val="accent1"/>
+          </a:effectRef>
+          <a:fontRef idx="minor">
+            <a:schemeClr val="tx1"/>
+          </a:fontRef>
+        </p:style>
+      </p:cxnSp>
+    </p:spTree>
+    <p:extLst>
+      <p:ext uri="{BB962C8B-B14F-4D97-AF65-F5344CB8AC3E}">
+        <p14:creationId xmlns:p14="http://schemas.microsoft.com/office/powerpoint/2010/main" val="2800164901"/>
+      </p:ext>
+    </p:extLst>
+  </p:cSld>
+  <p:clrMapOvr>
+    <a:masterClrMapping/>
+  </p:clrMapOvr>
+</p:sld>
+</file>
+
+<file path=ppt/slides/slide15.xml><?xml version="1.0" encoding="utf-8"?>
+<p:sld xmlns:a="http://schemas.openxmlformats.org/drawingml/2006/main" xmlns:r="http://schemas.openxmlformats.org/officeDocument/2006/relationships" xmlns:p="http://schemas.openxmlformats.org/presentationml/2006/main">
+  <p:cSld>
+    <p:spTree>
+      <p:nvGrpSpPr>
+        <p:cNvPr id="1" name=""/>
+        <p:cNvGrpSpPr/>
+        <p:nvPr/>
+      </p:nvGrpSpPr>
+      <p:grpSpPr>
+        <a:xfrm>
+          <a:off x="0" y="0"/>
+          <a:ext cx="0" cy="0"/>
+          <a:chOff x="0" y="0"/>
+          <a:chExt cx="0" cy="0"/>
+        </a:xfrm>
+      </p:grpSpPr>
+      <p:sp>
+        <p:nvSpPr>
+          <p:cNvPr id="5" name="Title 4">
+            <a:extLst>
+              <a:ext uri="{FF2B5EF4-FFF2-40B4-BE49-F238E27FC236}">
+                <a16:creationId xmlns:a16="http://schemas.microsoft.com/office/drawing/2014/main" id="{15348BC1-F521-5F40-8C89-52E955BD8932}"/>
+              </a:ext>
+            </a:extLst>
+          </p:cNvPr>
+          <p:cNvSpPr>
+            <a:spLocks noGrp="1"/>
+          </p:cNvSpPr>
+          <p:nvPr>
+            <p:ph type="title"/>
+          </p:nvPr>
+        </p:nvSpPr>
+        <p:spPr/>
+        <p:txBody>
+          <a:bodyPr/>
+          <a:lstStyle/>
+          <a:p>
+            <a:pPr algn="ctr"/>
+            <a:r>
+              <a:rPr lang="en-US" dirty="0"/>
+              <a:t>Threads and blocks</a:t>
+            </a:r>
+          </a:p>
+        </p:txBody>
+      </p:sp>
+      <p:sp>
+        <p:nvSpPr>
+          <p:cNvPr id="6" name="Content Placeholder 5">
+            <a:extLst>
+              <a:ext uri="{FF2B5EF4-FFF2-40B4-BE49-F238E27FC236}">
+                <a16:creationId xmlns:a16="http://schemas.microsoft.com/office/drawing/2014/main" id="{AEF69A2C-86E8-E145-BFF9-9B014E936865}"/>
+              </a:ext>
+            </a:extLst>
+          </p:cNvPr>
+          <p:cNvSpPr>
+            <a:spLocks noGrp="1"/>
+          </p:cNvSpPr>
+          <p:nvPr>
+            <p:ph idx="1"/>
+          </p:nvPr>
+        </p:nvSpPr>
+        <p:spPr>
+          <a:xfrm>
+            <a:off x="631372" y="1825625"/>
+            <a:ext cx="10931978" cy="4351338"/>
+          </a:xfrm>
+        </p:spPr>
+        <p:txBody>
+          <a:bodyPr>
+            <a:normAutofit/>
+          </a:bodyPr>
+          <a:lstStyle/>
+          <a:p>
+            <a:pPr marL="0" indent="0">
+              <a:buNone/>
+            </a:pPr>
+            <a:r>
+              <a:rPr lang="en-US" dirty="0"/>
+              <a:t>int threads = 512;                   		//# threads per block</a:t>
+            </a:r>
+          </a:p>
+          <a:p>
+            <a:pPr marL="0" indent="0">
+              <a:buNone/>
+            </a:pPr>
+            <a:r>
+              <a:rPr lang="en-US" dirty="0"/>
+              <a:t>int blocks = (N+threads-1)/threads;	//# blocks (N/threads, rounded up)</a:t>
+            </a:r>
+          </a:p>
+          <a:p>
+            <a:pPr marL="0" indent="0">
+              <a:buNone/>
+            </a:pPr>
+            <a:r>
+              <a:rPr lang="en-US" dirty="0"/>
+              <a:t>kernel&lt;&lt;&lt;</a:t>
+            </a:r>
+            <a:r>
+              <a:rPr lang="en-US" dirty="0" err="1"/>
+              <a:t>blocks,threads</a:t>
+            </a:r>
+            <a:r>
+              <a:rPr lang="en-US" dirty="0"/>
+              <a:t>&gt;&gt;&gt;(</a:t>
+            </a:r>
+            <a:r>
+              <a:rPr lang="en-US" dirty="0" err="1"/>
+              <a:t>res_dev</a:t>
+            </a:r>
+            <a:r>
+              <a:rPr lang="en-US" dirty="0"/>
+              <a:t>, </a:t>
+            </a:r>
+            <a:r>
+              <a:rPr lang="en-US" dirty="0" err="1"/>
+              <a:t>a_dev</a:t>
+            </a:r>
+            <a:r>
+              <a:rPr lang="en-US" dirty="0"/>
+              <a:t>, </a:t>
+            </a:r>
+            <a:r>
+              <a:rPr lang="en-US" dirty="0" err="1"/>
+              <a:t>b_dev</a:t>
+            </a:r>
+            <a:r>
+              <a:rPr lang="en-US" dirty="0"/>
+              <a:t>);</a:t>
+            </a:r>
+          </a:p>
+          <a:p>
+            <a:pPr marL="0" indent="0">
+              <a:buNone/>
+            </a:pPr>
+            <a:endParaRPr lang="en-US" dirty="0"/>
+          </a:p>
+          <a:p>
+            <a:r>
+              <a:rPr lang="en-US" dirty="0"/>
+              <a:t>Why use more than a single block?</a:t>
+            </a:r>
+          </a:p>
+          <a:p>
+            <a:pPr lvl="1"/>
+            <a:r>
+              <a:rPr lang="en-US" dirty="0">
+                <a:solidFill>
+                  <a:schemeClr val="bg1"/>
+                </a:solidFill>
+              </a:rPr>
+              <a:t>Limited number of threads per block (depends on card being used)</a:t>
+            </a:r>
+          </a:p>
+          <a:p>
+            <a:r>
+              <a:rPr lang="en-US" dirty="0"/>
+              <a:t>Why not use N blocks?</a:t>
+            </a:r>
+          </a:p>
+          <a:p>
+            <a:pPr lvl="1"/>
+            <a:r>
+              <a:rPr lang="en-US" dirty="0">
+                <a:solidFill>
+                  <a:schemeClr val="bg1"/>
+                </a:solidFill>
+              </a:rPr>
+              <a:t>Threads in block share variables (__shared__) and have barrier (__syncthreads())</a:t>
+            </a:r>
+          </a:p>
+          <a:p>
+            <a:pPr lvl="1"/>
+            <a:r>
+              <a:rPr lang="en-US" dirty="0">
+                <a:solidFill>
+                  <a:schemeClr val="bg1"/>
+                </a:solidFill>
+              </a:rPr>
+              <a:t>Also, technically limited (w/ newer cards, the limit is 2</a:t>
+            </a:r>
+            <a:r>
+              <a:rPr lang="en-US" baseline="30000" dirty="0">
+                <a:solidFill>
+                  <a:schemeClr val="bg1"/>
+                </a:solidFill>
+              </a:rPr>
+              <a:t>31</a:t>
+            </a:r>
+            <a:r>
+              <a:rPr lang="en-US" dirty="0">
+                <a:solidFill>
+                  <a:schemeClr val="bg1"/>
+                </a:solidFill>
+              </a:rPr>
+              <a:t> – 1)</a:t>
+            </a:r>
+          </a:p>
+          <a:p>
+            <a:pPr marL="0" indent="0">
+              <a:buNone/>
+            </a:pPr>
+            <a:endParaRPr lang="en-US" dirty="0"/>
+          </a:p>
+          <a:p>
+            <a:pPr marL="0" indent="0">
+              <a:buNone/>
+            </a:pPr>
+            <a:endParaRPr lang="en-US" dirty="0"/>
+          </a:p>
+        </p:txBody>
+      </p:sp>
+    </p:spTree>
+    <p:extLst>
+      <p:ext uri="{BB962C8B-B14F-4D97-AF65-F5344CB8AC3E}">
+        <p14:creationId xmlns:p14="http://schemas.microsoft.com/office/powerpoint/2010/main" val="3579014387"/>
+      </p:ext>
+    </p:extLst>
+  </p:cSld>
+  <p:clrMapOvr>
+    <a:masterClrMapping/>
+  </p:clrMapOvr>
+</p:sld>
+</file>
+
+<file path=ppt/slides/slide16.xml><?xml version="1.0" encoding="utf-8"?>
+<p:sld xmlns:a="http://schemas.openxmlformats.org/drawingml/2006/main" xmlns:r="http://schemas.openxmlformats.org/officeDocument/2006/relationships" xmlns:p="http://schemas.openxmlformats.org/presentationml/2006/main">
+  <p:cSld>
+    <p:spTree>
+      <p:nvGrpSpPr>
+        <p:cNvPr id="1" name=""/>
+        <p:cNvGrpSpPr/>
+        <p:nvPr/>
+      </p:nvGrpSpPr>
+      <p:grpSpPr>
+        <a:xfrm>
+          <a:off x="0" y="0"/>
+          <a:ext cx="0" cy="0"/>
+          <a:chOff x="0" y="0"/>
+          <a:chExt cx="0" cy="0"/>
+        </a:xfrm>
+      </p:grpSpPr>
+      <p:sp>
+        <p:nvSpPr>
+          <p:cNvPr id="5" name="Title 4">
+            <a:extLst>
+              <a:ext uri="{FF2B5EF4-FFF2-40B4-BE49-F238E27FC236}">
+                <a16:creationId xmlns:a16="http://schemas.microsoft.com/office/drawing/2014/main" id="{15348BC1-F521-5F40-8C89-52E955BD8932}"/>
+              </a:ext>
+            </a:extLst>
+          </p:cNvPr>
+          <p:cNvSpPr>
+            <a:spLocks noGrp="1"/>
+          </p:cNvSpPr>
+          <p:nvPr>
+            <p:ph type="title"/>
+          </p:nvPr>
+        </p:nvSpPr>
+        <p:spPr/>
+        <p:txBody>
+          <a:bodyPr/>
+          <a:lstStyle/>
+          <a:p>
+            <a:pPr algn="ctr"/>
+            <a:r>
+              <a:rPr lang="en-US" dirty="0"/>
+              <a:t>Threads and blocks</a:t>
+            </a:r>
+          </a:p>
+        </p:txBody>
+      </p:sp>
+      <p:sp>
+        <p:nvSpPr>
+          <p:cNvPr id="6" name="Content Placeholder 5">
+            <a:extLst>
+              <a:ext uri="{FF2B5EF4-FFF2-40B4-BE49-F238E27FC236}">
+                <a16:creationId xmlns:a16="http://schemas.microsoft.com/office/drawing/2014/main" id="{AEF69A2C-86E8-E145-BFF9-9B014E936865}"/>
+              </a:ext>
+            </a:extLst>
+          </p:cNvPr>
+          <p:cNvSpPr>
+            <a:spLocks noGrp="1"/>
+          </p:cNvSpPr>
+          <p:nvPr>
+            <p:ph idx="1"/>
+          </p:nvPr>
+        </p:nvSpPr>
+        <p:spPr>
+          <a:xfrm>
+            <a:off x="631372" y="1825625"/>
+            <a:ext cx="10931978" cy="4658302"/>
+          </a:xfrm>
+        </p:spPr>
+        <p:txBody>
+          <a:bodyPr>
+            <a:normAutofit/>
+          </a:bodyPr>
+          <a:lstStyle/>
+          <a:p>
+            <a:pPr marL="0" indent="0">
+              <a:buNone/>
+            </a:pPr>
+            <a:r>
+              <a:rPr lang="en-US" dirty="0"/>
+              <a:t>int threads = 512;                   		//# threads per block</a:t>
+            </a:r>
+          </a:p>
+          <a:p>
+            <a:pPr marL="0" indent="0">
+              <a:buNone/>
+            </a:pPr>
+            <a:r>
+              <a:rPr lang="en-US" dirty="0"/>
+              <a:t>int blocks = (N+threads-1)/threads;	//# blocks (N/threads, rounded up)</a:t>
+            </a:r>
+          </a:p>
+          <a:p>
+            <a:pPr marL="0" indent="0">
+              <a:buNone/>
+            </a:pPr>
+            <a:r>
+              <a:rPr lang="en-US" dirty="0"/>
+              <a:t>kernel&lt;&lt;&lt;</a:t>
+            </a:r>
+            <a:r>
+              <a:rPr lang="en-US" dirty="0" err="1"/>
+              <a:t>blocks,threads</a:t>
+            </a:r>
+            <a:r>
+              <a:rPr lang="en-US" dirty="0"/>
+              <a:t>&gt;&gt;&gt;(</a:t>
+            </a:r>
+            <a:r>
+              <a:rPr lang="en-US" dirty="0" err="1"/>
+              <a:t>res_dev</a:t>
+            </a:r>
+            <a:r>
+              <a:rPr lang="en-US" dirty="0"/>
+              <a:t>, </a:t>
+            </a:r>
+            <a:r>
+              <a:rPr lang="en-US" dirty="0" err="1"/>
+              <a:t>a_dev</a:t>
+            </a:r>
+            <a:r>
+              <a:rPr lang="en-US" dirty="0"/>
+              <a:t>, </a:t>
+            </a:r>
+            <a:r>
+              <a:rPr lang="en-US" dirty="0" err="1"/>
+              <a:t>b_dev</a:t>
+            </a:r>
+            <a:r>
+              <a:rPr lang="en-US" dirty="0"/>
+              <a:t>);</a:t>
+            </a:r>
+          </a:p>
+          <a:p>
+            <a:pPr marL="0" indent="0">
+              <a:buNone/>
+            </a:pPr>
+            <a:endParaRPr lang="en-US" dirty="0"/>
+          </a:p>
+          <a:p>
+            <a:r>
+              <a:rPr lang="en-US" dirty="0"/>
+              <a:t>Why use more than a single block?</a:t>
+            </a:r>
+          </a:p>
+          <a:p>
+            <a:pPr lvl="1"/>
+            <a:r>
+              <a:rPr lang="en-US" dirty="0"/>
+              <a:t>Limited number of threads per block (depends on card being used)</a:t>
+            </a:r>
+          </a:p>
+          <a:p>
+            <a:r>
+              <a:rPr lang="en-US" dirty="0"/>
+              <a:t>Why not use N blocks?</a:t>
+            </a:r>
+          </a:p>
+          <a:p>
+            <a:pPr lvl="1"/>
+            <a:r>
+              <a:rPr lang="en-US" dirty="0"/>
+              <a:t>Not as fast: blocks are split into warps, which run simultaneously</a:t>
+            </a:r>
+          </a:p>
+          <a:p>
+            <a:pPr lvl="1"/>
+            <a:r>
+              <a:rPr lang="en-US" dirty="0"/>
+              <a:t>Threads in block share variables (__shared__) and have barrier (__syncthreads())</a:t>
+            </a:r>
+          </a:p>
+          <a:p>
+            <a:pPr lvl="1"/>
+            <a:r>
+              <a:rPr lang="en-US" dirty="0"/>
+              <a:t>Also, technically limited (w/ newer cards, the limit is 2</a:t>
+            </a:r>
+            <a:r>
+              <a:rPr lang="en-US" baseline="30000" dirty="0"/>
+              <a:t>31</a:t>
+            </a:r>
+            <a:r>
+              <a:rPr lang="en-US" dirty="0"/>
+              <a:t> – 1)</a:t>
+            </a:r>
+          </a:p>
+          <a:p>
+            <a:pPr marL="0" indent="0">
+              <a:buNone/>
+            </a:pPr>
+            <a:endParaRPr lang="en-US" dirty="0"/>
+          </a:p>
+          <a:p>
+            <a:pPr marL="0" indent="0">
+              <a:buNone/>
+            </a:pPr>
+            <a:endParaRPr lang="en-US" dirty="0"/>
+          </a:p>
+        </p:txBody>
+      </p:sp>
+    </p:spTree>
+    <p:extLst>
+      <p:ext uri="{BB962C8B-B14F-4D97-AF65-F5344CB8AC3E}">
+        <p14:creationId xmlns:p14="http://schemas.microsoft.com/office/powerpoint/2010/main" val="1388215843"/>
+      </p:ext>
+    </p:extLst>
+  </p:cSld>
+  <p:clrMapOvr>
+    <a:masterClrMapping/>
+  </p:clrMapOvr>
+</p:sld>
+</file>
+
+<file path=ppt/slides/slide17.xml><?xml version="1.0" encoding="utf-8"?>
+<p:sld xmlns:a="http://schemas.openxmlformats.org/drawingml/2006/main" xmlns:r="http://schemas.openxmlformats.org/officeDocument/2006/relationships" xmlns:p="http://schemas.openxmlformats.org/presentationml/2006/main">
+  <p:cSld>
+    <p:spTree>
+      <p:nvGrpSpPr>
+        <p:cNvPr id="1" name=""/>
+        <p:cNvGrpSpPr/>
+        <p:nvPr/>
+      </p:nvGrpSpPr>
+      <p:grpSpPr>
+        <a:xfrm>
+          <a:off x="0" y="0"/>
+          <a:ext cx="0" cy="0"/>
+          <a:chOff x="0" y="0"/>
+          <a:chExt cx="0" cy="0"/>
+        </a:xfrm>
+      </p:grpSpPr>
+      <p:sp>
+        <p:nvSpPr>
+          <p:cNvPr id="2" name="Title 1"/>
+          <p:cNvSpPr>
+            <a:spLocks noGrp="1"/>
+          </p:cNvSpPr>
+          <p:nvPr>
+            <p:ph type="title"/>
+          </p:nvPr>
+        </p:nvSpPr>
         <p:spPr/>
         <p:txBody>
           <a:bodyPr>
@@ -4136,6 +7884,7 @@
           </a:bodyPr>
           <a:lstStyle/>
           <a:p>
+            <a:pPr algn="ctr"/>
             <a:r>
               <a:rPr lang="en-US" dirty="0" err="1"/>
               <a:t>Linearizing</a:t>
@@ -4163,12 +7912,8 @@
           <a:lstStyle/>
           <a:p>
             <a:r>
-              <a:rPr lang="en-US" dirty="0" err="1"/>
-              <a:t>cudaMemcpy</a:t>
-            </a:r>
-            <a:r>
-              <a:rPr lang="en-US" dirty="0"/>
-              <a:t> only transfers 1D arrays</a:t>
+              <a:rPr lang="en-US" dirty="0"/>
+              <a:t>cudaMemcpy only transfers 1D arrays</a:t>
             </a:r>
           </a:p>
           <a:p>
@@ -4555,7 +8300,7 @@
 </p:sld>
 </file>
 
-<file path=ppt/slides/slide12.xml><?xml version="1.0" encoding="utf-8"?>
+<file path=ppt/slides/slide18.xml><?xml version="1.0" encoding="utf-8"?>
 <p:sld xmlns:a="http://schemas.openxmlformats.org/drawingml/2006/main" xmlns:r="http://schemas.openxmlformats.org/officeDocument/2006/relationships" xmlns:p="http://schemas.openxmlformats.org/presentationml/2006/main">
   <p:cSld>
     <p:spTree>
@@ -4589,13 +8334,10 @@
           </a:bodyPr>
           <a:lstStyle/>
           <a:p>
-            <a:r>
-              <a:rPr lang="en-US" dirty="0" err="1"/>
-              <a:t>Linearizing</a:t>
-            </a:r>
-            <a:r>
-              <a:rPr lang="en-US" dirty="0"/>
-              <a:t> multi-dimensional arrays</a:t>
+            <a:pPr algn="ctr"/>
+            <a:r>
+              <a:rPr lang="en-US" dirty="0"/>
+              <a:t>Linearizing multi-dimensional arrays</a:t>
             </a:r>
           </a:p>
         </p:txBody>
@@ -4623,12 +8365,8 @@
           <a:lstStyle/>
           <a:p>
             <a:r>
-              <a:rPr lang="en-US" dirty="0" err="1"/>
-              <a:t>cudaMemcpy</a:t>
-            </a:r>
-            <a:r>
-              <a:rPr lang="en-US" dirty="0"/>
-              <a:t> only transfers 1D arrays</a:t>
+              <a:rPr lang="en-US" dirty="0"/>
+              <a:t>cudaMemcpy only transfers 1D arrays</a:t>
             </a:r>
           </a:p>
           <a:p>
@@ -5371,23 +9109,7 @@
           <a:p>
             <a:r>
               <a:rPr lang="en-US" sz="2800" dirty="0"/>
-              <a:t>cell (</a:t>
-            </a:r>
-            <a:r>
-              <a:rPr lang="en-US" sz="2800" dirty="0" err="1"/>
-              <a:t>x</a:t>
-            </a:r>
-            <a:r>
-              <a:rPr lang="en-US" sz="2800" dirty="0"/>
-              <a:t>, </a:t>
-            </a:r>
-            <a:r>
-              <a:rPr lang="en-US" sz="2800" dirty="0" err="1"/>
-              <a:t>y</a:t>
-            </a:r>
-            <a:r>
-              <a:rPr lang="en-US" sz="2800" dirty="0"/>
-              <a:t>)</a:t>
+              <a:t>cell (x, y)</a:t>
             </a:r>
             <a:endParaRPr lang="en-US" dirty="0"/>
           </a:p>
@@ -5417,27 +9139,7 @@
           <a:p>
             <a:r>
               <a:rPr lang="en-US" sz="2800" dirty="0"/>
-              <a:t>cell </a:t>
-            </a:r>
-            <a:r>
-              <a:rPr lang="en-US" sz="2800" dirty="0" err="1"/>
-              <a:t>y</a:t>
-            </a:r>
-            <a:r>
-              <a:rPr lang="en-US" sz="2800" dirty="0"/>
-              <a:t>*</a:t>
-            </a:r>
-            <a:r>
-              <a:rPr lang="en-US" sz="2800" dirty="0" err="1"/>
-              <a:t>row_length</a:t>
-            </a:r>
-            <a:r>
-              <a:rPr lang="en-US" sz="2800" dirty="0"/>
-              <a:t> + </a:t>
-            </a:r>
-            <a:r>
-              <a:rPr lang="en-US" sz="2800" dirty="0" err="1"/>
-              <a:t>x</a:t>
+              <a:t>cell y*row_length + x</a:t>
             </a:r>
             <a:endParaRPr lang="en-US" dirty="0"/>
           </a:p>
@@ -5493,7 +9195,7 @@
 </p:sld>
 </file>
 
-<file path=ppt/slides/slide13.xml><?xml version="1.0" encoding="utf-8"?>
+<file path=ppt/slides/slide19.xml><?xml version="1.0" encoding="utf-8"?>
 <p:sld xmlns:a="http://schemas.openxmlformats.org/drawingml/2006/main" xmlns:r="http://schemas.openxmlformats.org/officeDocument/2006/relationships" xmlns:p="http://schemas.openxmlformats.org/presentationml/2006/main">
   <p:cSld>
     <p:spTree>
@@ -5527,13 +9229,10 @@
           </a:bodyPr>
           <a:lstStyle/>
           <a:p>
-            <a:r>
-              <a:rPr lang="en-US" dirty="0" err="1"/>
-              <a:t>Linearizing</a:t>
-            </a:r>
-            <a:r>
-              <a:rPr lang="en-US" dirty="0"/>
-              <a:t> multi-dimensional arrays</a:t>
+            <a:pPr algn="ctr"/>
+            <a:r>
+              <a:rPr lang="en-US" dirty="0"/>
+              <a:t>Linearizing multi-dimensional arrays</a:t>
             </a:r>
           </a:p>
         </p:txBody>
@@ -5561,12 +9260,8 @@
           <a:lstStyle/>
           <a:p>
             <a:r>
-              <a:rPr lang="en-US" dirty="0" err="1"/>
-              <a:t>cudaMemcpy</a:t>
-            </a:r>
-            <a:r>
-              <a:rPr lang="en-US" dirty="0"/>
-              <a:t> only transfers 1D arrays</a:t>
+              <a:rPr lang="en-US" dirty="0"/>
+              <a:t>cudaMemcpy only transfers 1D arrays</a:t>
             </a:r>
           </a:p>
           <a:p>
@@ -6309,73 +10004,7 @@
           <a:p>
             <a:r>
               <a:rPr lang="en-US" sz="2800" dirty="0"/>
-              <a:t>cell (</a:t>
-            </a:r>
-            <a:r>
-              <a:rPr lang="en-US" sz="2800" dirty="0" err="1"/>
-              <a:t>x</a:t>
-            </a:r>
-            <a:r>
-              <a:rPr lang="en-US" sz="2800" dirty="0"/>
-              <a:t>, </a:t>
-            </a:r>
-            <a:r>
-              <a:rPr lang="en-US" sz="2800" dirty="0" err="1"/>
-              <a:t>y</a:t>
-            </a:r>
-            <a:r>
-              <a:rPr lang="en-US" sz="2800" dirty="0"/>
-              <a:t>)</a:t>
-            </a:r>
-            <a:endParaRPr lang="en-US" dirty="0"/>
-          </a:p>
-        </p:txBody>
-      </p:sp>
-      <p:sp>
-        <p:nvSpPr>
-          <p:cNvPr id="15" name="TextBox 14"/>
-          <p:cNvSpPr txBox="1"/>
-          <p:nvPr/>
-        </p:nvSpPr>
-        <p:spPr>
-          <a:xfrm>
-            <a:off x="7751076" y="3932050"/>
-            <a:ext cx="3264310" cy="523220"/>
-          </a:xfrm>
-          <a:prstGeom prst="rect">
-            <a:avLst/>
-          </a:prstGeom>
-          <a:noFill/>
-        </p:spPr>
-        <p:txBody>
-          <a:bodyPr wrap="none" rtlCol="0">
-            <a:spAutoFit/>
-          </a:bodyPr>
-          <a:lstStyle/>
-          <a:p>
-            <a:r>
-              <a:rPr lang="en-US" sz="2800" dirty="0"/>
-              <a:t>cell </a:t>
-            </a:r>
-            <a:r>
-              <a:rPr lang="en-US" sz="2800" dirty="0" err="1"/>
-              <a:t>y</a:t>
-            </a:r>
-            <a:r>
-              <a:rPr lang="en-US" sz="2800" dirty="0"/>
-              <a:t>*</a:t>
-            </a:r>
-            <a:r>
-              <a:rPr lang="en-US" sz="2800" dirty="0" err="1"/>
-              <a:t>row_length</a:t>
-            </a:r>
-            <a:r>
-              <a:rPr lang="en-US" sz="2800" dirty="0"/>
-              <a:t> + </a:t>
-            </a:r>
-            <a:r>
-              <a:rPr lang="en-US" sz="2800" dirty="0" err="1"/>
-              <a:t>x</a:t>
+              <a:t>cell (x, y)</a:t>
             </a:r>
             <a:endParaRPr lang="en-US" dirty="0"/>
           </a:p>
@@ -6467,15 +10096,7 @@
           <a:p>
             <a:r>
               <a:rPr lang="en-US" sz="2800" dirty="0"/>
-              <a:t>What is the 1D index of the cell below the cell with 1D index </a:t>
-            </a:r>
-            <a:r>
-              <a:rPr lang="en-US" sz="2800" dirty="0" err="1"/>
-              <a:t>i</a:t>
-            </a:r>
-            <a:r>
-              <a:rPr lang="en-US" sz="2800" dirty="0"/>
-              <a:t>?</a:t>
+              <a:t>What is the 1D index of the cell below the cell with 1D index i?</a:t>
             </a:r>
           </a:p>
           <a:p>
@@ -6483,52 +10104,8 @@
               <a:buAutoNum type="alphaUcPeriod"/>
             </a:pPr>
             <a:r>
-              <a:rPr lang="en-US" sz="2800" dirty="0" err="1"/>
-              <a:t>i</a:t>
-            </a:r>
-            <a:r>
               <a:rPr lang="en-US" sz="2800" dirty="0"/>
-              <a:t> + 1	B. </a:t>
-            </a:r>
-            <a:r>
-              <a:rPr lang="en-US" sz="2800" dirty="0" err="1"/>
-              <a:t>i</a:t>
-            </a:r>
-            <a:r>
-              <a:rPr lang="en-US" sz="2800" dirty="0"/>
-              <a:t> + 4	C. </a:t>
-            </a:r>
-            <a:r>
-              <a:rPr lang="en-US" sz="2800" dirty="0" err="1"/>
-              <a:t>i</a:t>
-            </a:r>
-            <a:r>
-              <a:rPr lang="en-US" sz="2800" dirty="0"/>
-              <a:t> + </a:t>
-            </a:r>
-            <a:r>
-              <a:rPr lang="en-US" sz="2800" dirty="0" err="1"/>
-              <a:t>row_length</a:t>
-            </a:r>
-            <a:r>
-              <a:rPr lang="en-US" sz="2800" dirty="0"/>
-              <a:t>	    D. </a:t>
-            </a:r>
-            <a:r>
-              <a:rPr lang="en-US" sz="2800" dirty="0" err="1"/>
-              <a:t>i</a:t>
-            </a:r>
-            <a:r>
-              <a:rPr lang="en-US" sz="2800" dirty="0"/>
-              <a:t> * </a:t>
-            </a:r>
-            <a:r>
-              <a:rPr lang="en-US" sz="2800" dirty="0" err="1"/>
-              <a:t>row_length</a:t>
-            </a:r>
-            <a:r>
-              <a:rPr lang="en-US" sz="2800" dirty="0"/>
-              <a:t> – 1</a:t>
+              <a:t>i + 1	B. i + 4	C. i + row_length	    D. i * row_length – 1</a:t>
             </a:r>
           </a:p>
           <a:p>
@@ -6536,6 +10113,42 @@
               <a:rPr lang="en-US" sz="2800" dirty="0"/>
               <a:t>E. Insufficient information to determine it</a:t>
             </a:r>
+          </a:p>
+        </p:txBody>
+      </p:sp>
+      <p:sp>
+        <p:nvSpPr>
+          <p:cNvPr id="12" name="TextBox 11">
+            <a:extLst>
+              <a:ext uri="{FF2B5EF4-FFF2-40B4-BE49-F238E27FC236}">
+                <a16:creationId xmlns:a16="http://schemas.microsoft.com/office/drawing/2014/main" id="{E2E8F78B-B088-0F43-9233-D7C6BB86005F}"/>
+              </a:ext>
+            </a:extLst>
+          </p:cNvPr>
+          <p:cNvSpPr txBox="1"/>
+          <p:nvPr/>
+        </p:nvSpPr>
+        <p:spPr>
+          <a:xfrm>
+            <a:off x="7751076" y="3932050"/>
+            <a:ext cx="3264310" cy="523220"/>
+          </a:xfrm>
+          <a:prstGeom prst="rect">
+            <a:avLst/>
+          </a:prstGeom>
+          <a:noFill/>
+        </p:spPr>
+        <p:txBody>
+          <a:bodyPr wrap="none" rtlCol="0">
+            <a:spAutoFit/>
+          </a:bodyPr>
+          <a:lstStyle/>
+          <a:p>
+            <a:r>
+              <a:rPr lang="en-US" sz="2800" dirty="0"/>
+              <a:t>cell y*row_length + x</a:t>
+            </a:r>
+            <a:endParaRPr lang="en-US" dirty="0"/>
           </a:p>
         </p:txBody>
       </p:sp>
@@ -6552,7 +10165,127 @@
 </p:sld>
 </file>
 
-<file path=ppt/slides/slide14.xml><?xml version="1.0" encoding="utf-8"?>
+<file path=ppt/slides/slide2.xml><?xml version="1.0" encoding="utf-8"?>
+<p:sld xmlns:a="http://schemas.openxmlformats.org/drawingml/2006/main" xmlns:r="http://schemas.openxmlformats.org/officeDocument/2006/relationships" xmlns:p="http://schemas.openxmlformats.org/presentationml/2006/main">
+  <p:cSld>
+    <p:spTree>
+      <p:nvGrpSpPr>
+        <p:cNvPr id="1" name=""/>
+        <p:cNvGrpSpPr/>
+        <p:nvPr/>
+      </p:nvGrpSpPr>
+      <p:grpSpPr>
+        <a:xfrm>
+          <a:off x="0" y="0"/>
+          <a:ext cx="0" cy="0"/>
+          <a:chOff x="0" y="0"/>
+          <a:chExt cx="0" cy="0"/>
+        </a:xfrm>
+      </p:grpSpPr>
+      <p:sp>
+        <p:nvSpPr>
+          <p:cNvPr id="2" name="Title 1"/>
+          <p:cNvSpPr>
+            <a:spLocks noGrp="1"/>
+          </p:cNvSpPr>
+          <p:nvPr>
+            <p:ph type="title"/>
+          </p:nvPr>
+        </p:nvSpPr>
+        <p:spPr/>
+        <p:txBody>
+          <a:bodyPr/>
+          <a:lstStyle/>
+          <a:p>
+            <a:pPr algn="ctr"/>
+            <a:r>
+              <a:rPr lang="en-US" dirty="0"/>
+              <a:t>GPGPU programming</a:t>
+            </a:r>
+            <a:br>
+              <a:rPr lang="en-US" dirty="0"/>
+            </a:br>
+            <a:r>
+              <a:rPr lang="en-US" sz="2800" dirty="0"/>
+              <a:t>(General-Purpose Graphics Processing Unit)</a:t>
+            </a:r>
+          </a:p>
+        </p:txBody>
+      </p:sp>
+      <p:sp>
+        <p:nvSpPr>
+          <p:cNvPr id="3" name="Content Placeholder 2"/>
+          <p:cNvSpPr>
+            <a:spLocks noGrp="1"/>
+          </p:cNvSpPr>
+          <p:nvPr>
+            <p:ph idx="1"/>
+          </p:nvPr>
+        </p:nvSpPr>
+        <p:spPr>
+          <a:xfrm>
+            <a:off x="433953" y="1825625"/>
+            <a:ext cx="11251769" cy="4351338"/>
+          </a:xfrm>
+        </p:spPr>
+        <p:txBody>
+          <a:bodyPr/>
+          <a:lstStyle/>
+          <a:p>
+            <a:r>
+              <a:rPr lang="en-US" dirty="0"/>
+              <a:t>Graphics processing requires many similar operations in “graphics pipeline”</a:t>
+            </a:r>
+          </a:p>
+          <a:p>
+            <a:pPr lvl="1"/>
+            <a:r>
+              <a:rPr lang="en-US" dirty="0"/>
+              <a:t>Triangles going through rotation and scaling, shading, and texturing</a:t>
+            </a:r>
+          </a:p>
+          <a:p>
+            <a:pPr lvl="1"/>
+            <a:endParaRPr lang="en-US" dirty="0"/>
+          </a:p>
+          <a:p>
+            <a:r>
+              <a:rPr lang="en-US" dirty="0"/>
+              <a:t>Graphics Processing Units (GPUs) develop to meet this need and then get converted for general purpose programs</a:t>
+            </a:r>
+          </a:p>
+          <a:p>
+            <a:endParaRPr lang="en-US" dirty="0"/>
+          </a:p>
+          <a:p>
+            <a:r>
+              <a:rPr lang="en-US" dirty="0"/>
+              <a:t>CUDA (Compute Unified Device Architecture) is a GPU design and  extension of C (et al) to support GPGPU programming developed by Nvidia</a:t>
+            </a:r>
+          </a:p>
+          <a:p>
+            <a:pPr lvl="1"/>
+            <a:r>
+              <a:rPr lang="en-US" dirty="0"/>
+              <a:t>Market share leader; leading open alternative is OpenCL</a:t>
+            </a:r>
+          </a:p>
+        </p:txBody>
+      </p:sp>
+    </p:spTree>
+    <p:extLst>
+      <p:ext uri="{BB962C8B-B14F-4D97-AF65-F5344CB8AC3E}">
+        <p14:creationId xmlns:p14="http://schemas.microsoft.com/office/powerpoint/2010/main" val="3525350406"/>
+      </p:ext>
+    </p:extLst>
+  </p:cSld>
+  <p:clrMapOvr>
+    <a:masterClrMapping/>
+  </p:clrMapOvr>
+</p:sld>
+</file>
+
+<file path=ppt/slides/slide20.xml><?xml version="1.0" encoding="utf-8"?>
 <p:sld xmlns:a="http://schemas.openxmlformats.org/drawingml/2006/main" xmlns:r="http://schemas.openxmlformats.org/officeDocument/2006/relationships" xmlns:p="http://schemas.openxmlformats.org/presentationml/2006/main">
   <p:cSld>
     <p:spTree>
@@ -6586,13 +10319,10 @@
           </a:bodyPr>
           <a:lstStyle/>
           <a:p>
-            <a:r>
-              <a:rPr lang="en-US" dirty="0" err="1"/>
-              <a:t>Linearizing</a:t>
-            </a:r>
-            <a:r>
-              <a:rPr lang="en-US" dirty="0"/>
-              <a:t> multi-dimensional arrays</a:t>
+            <a:pPr algn="ctr"/>
+            <a:r>
+              <a:rPr lang="en-US" dirty="0"/>
+              <a:t>Linearizing multi-dimensional arrays</a:t>
             </a:r>
           </a:p>
         </p:txBody>
@@ -6620,12 +10350,8 @@
           <a:lstStyle/>
           <a:p>
             <a:r>
-              <a:rPr lang="en-US" dirty="0" err="1"/>
-              <a:t>cudaMemcpy</a:t>
-            </a:r>
-            <a:r>
-              <a:rPr lang="en-US" dirty="0"/>
-              <a:t> only transfers 1D arrays</a:t>
+              <a:rPr lang="en-US" dirty="0"/>
+              <a:t>cudaMemcpy only transfers 1D arrays</a:t>
             </a:r>
           </a:p>
           <a:p>
@@ -7526,15 +11252,7 @@
           <a:p>
             <a:r>
               <a:rPr lang="en-US" sz="2800" dirty="0"/>
-              <a:t>What is the 1D index of the cell below the cell with 1D index </a:t>
-            </a:r>
-            <a:r>
-              <a:rPr lang="en-US" sz="2800" dirty="0" err="1"/>
-              <a:t>i</a:t>
-            </a:r>
-            <a:r>
-              <a:rPr lang="en-US" sz="2800" dirty="0"/>
-              <a:t>?</a:t>
+              <a:t>What is the 1D index of the cell below the cell with 1D index i?</a:t>
             </a:r>
           </a:p>
           <a:p>
@@ -7542,28 +11260,8 @@
               <a:buAutoNum type="alphaUcPeriod"/>
             </a:pPr>
             <a:r>
-              <a:rPr lang="en-US" sz="2800" dirty="0" err="1"/>
-              <a:t>i</a:t>
-            </a:r>
-            <a:r>
               <a:rPr lang="en-US" sz="2800" dirty="0"/>
-              <a:t> + 1	B. </a:t>
-            </a:r>
-            <a:r>
-              <a:rPr lang="en-US" sz="2800" dirty="0" err="1"/>
-              <a:t>i</a:t>
-            </a:r>
-            <a:r>
-              <a:rPr lang="en-US" sz="2800" dirty="0"/>
-              <a:t> + 4	C. </a:t>
-            </a:r>
-            <a:r>
-              <a:rPr lang="en-US" sz="2800" u="sng" dirty="0" err="1">
-                <a:solidFill>
-                  <a:schemeClr val="accent1"/>
-                </a:solidFill>
-              </a:rPr>
-              <a:t>i</a:t>
+              <a:t>i + 1	B. i + 4	C. </a:t>
             </a:r>
             <a:r>
               <a:rPr lang="en-US" sz="2800" u="sng" dirty="0">
@@ -7571,35 +11269,11 @@
                   <a:schemeClr val="accent1"/>
                 </a:solidFill>
               </a:rPr>
-              <a:t> + </a:t>
-            </a:r>
-            <a:r>
-              <a:rPr lang="en-US" sz="2800" u="sng" dirty="0" err="1">
-                <a:solidFill>
-                  <a:schemeClr val="accent1"/>
-                </a:solidFill>
-              </a:rPr>
-              <a:t>row_length</a:t>
+              <a:t>i + row_length</a:t>
             </a:r>
             <a:r>
               <a:rPr lang="en-US" sz="2800" dirty="0"/>
-              <a:t>	    D. </a:t>
-            </a:r>
-            <a:r>
-              <a:rPr lang="en-US" sz="2800" dirty="0" err="1"/>
-              <a:t>i</a:t>
-            </a:r>
-            <a:r>
-              <a:rPr lang="en-US" sz="2800" dirty="0"/>
-              <a:t> * </a:t>
-            </a:r>
-            <a:r>
-              <a:rPr lang="en-US" sz="2800" dirty="0" err="1"/>
-              <a:t>row_length</a:t>
-            </a:r>
-            <a:r>
-              <a:rPr lang="en-US" sz="2800" dirty="0"/>
-              <a:t> – 1</a:t>
+              <a:t>	    D. i * row_length – 1</a:t>
             </a:r>
           </a:p>
           <a:p>
@@ -7623,7 +11297,7 @@
 </p:sld>
 </file>
 
-<file path=ppt/slides/slide15.xml><?xml version="1.0" encoding="utf-8"?>
+<file path=ppt/slides/slide21.xml><?xml version="1.0" encoding="utf-8"?>
 <p:sld xmlns:a="http://schemas.openxmlformats.org/drawingml/2006/main" xmlns:r="http://schemas.openxmlformats.org/officeDocument/2006/relationships" xmlns:p="http://schemas.openxmlformats.org/presentationml/2006/main">
   <p:cSld>
     <p:spTree>
@@ -7657,13 +11331,10 @@
           </a:bodyPr>
           <a:lstStyle/>
           <a:p>
-            <a:r>
-              <a:rPr lang="en-US" dirty="0" err="1"/>
-              <a:t>Linearizing</a:t>
-            </a:r>
-            <a:r>
-              <a:rPr lang="en-US" dirty="0"/>
-              <a:t> multi-dimensional arrays</a:t>
+            <a:pPr algn="ctr"/>
+            <a:r>
+              <a:rPr lang="en-US" dirty="0"/>
+              <a:t>Linearizing multi-dimensional arrays</a:t>
             </a:r>
           </a:p>
         </p:txBody>
@@ -7691,12 +11362,8 @@
           <a:lstStyle/>
           <a:p>
             <a:r>
-              <a:rPr lang="en-US" dirty="0" err="1"/>
-              <a:t>cudaMemcpy</a:t>
-            </a:r>
-            <a:r>
-              <a:rPr lang="en-US" dirty="0"/>
-              <a:t> only transfers 1D arrays</a:t>
+              <a:rPr lang="en-US" dirty="0"/>
+              <a:t>cudaMemcpy only transfers 1D arrays</a:t>
             </a:r>
           </a:p>
           <a:p>
@@ -8485,27 +12152,7 @@
           <a:p>
             <a:r>
               <a:rPr lang="en-US" sz="2800" dirty="0"/>
-              <a:t>cell </a:t>
-            </a:r>
-            <a:r>
-              <a:rPr lang="en-US" sz="2800" dirty="0" err="1"/>
-              <a:t>y</a:t>
-            </a:r>
-            <a:r>
-              <a:rPr lang="en-US" sz="2800" dirty="0"/>
-              <a:t>*</a:t>
-            </a:r>
-            <a:r>
-              <a:rPr lang="en-US" sz="2800" dirty="0" err="1"/>
-              <a:t>row_length</a:t>
-            </a:r>
-            <a:r>
-              <a:rPr lang="en-US" sz="2800" dirty="0"/>
-              <a:t> + </a:t>
-            </a:r>
-            <a:r>
-              <a:rPr lang="en-US" sz="2800" dirty="0" err="1"/>
-              <a:t>x</a:t>
+              <a:t>cell y*row_length + x</a:t>
             </a:r>
             <a:endParaRPr lang="en-US" dirty="0"/>
           </a:p>
@@ -8597,115 +12244,19 @@
           <a:p>
             <a:r>
               <a:rPr lang="en-US" sz="2400" dirty="0"/>
-              <a:t>Which test determines if the cell with 1D index </a:t>
-            </a:r>
-            <a:r>
-              <a:rPr lang="en-US" sz="2400" dirty="0" err="1"/>
-              <a:t>i</a:t>
-            </a:r>
+              <a:t>Which test determines if the cell with 1D index i is on the right edge (of the 2D matrix)?</a:t>
+            </a:r>
+          </a:p>
+          <a:p>
             <a:r>
               <a:rPr lang="en-US" sz="2400" dirty="0"/>
-              <a:t> is on the right edge (of the 2D matrix)?</a:t>
+              <a:t>A. i % row_length == 0				        B. i % col_length == 0</a:t>
             </a:r>
           </a:p>
           <a:p>
             <a:r>
               <a:rPr lang="en-US" sz="2400" dirty="0"/>
-              <a:t>A. </a:t>
-            </a:r>
-            <a:r>
-              <a:rPr lang="en-US" sz="2400" dirty="0" err="1"/>
-              <a:t>i</a:t>
-            </a:r>
-            <a:r>
-              <a:rPr lang="en-US" sz="2400" dirty="0"/>
-              <a:t> % </a:t>
-            </a:r>
-            <a:r>
-              <a:rPr lang="en-US" sz="2400" dirty="0" err="1"/>
-              <a:t>row_length</a:t>
-            </a:r>
-            <a:r>
-              <a:rPr lang="en-US" sz="2400" dirty="0"/>
-              <a:t> == 0				        B. </a:t>
-            </a:r>
-            <a:r>
-              <a:rPr lang="en-US" sz="2400" dirty="0" err="1"/>
-              <a:t>i</a:t>
-            </a:r>
-            <a:r>
-              <a:rPr lang="en-US" sz="2400" dirty="0"/>
-              <a:t> % </a:t>
-            </a:r>
-            <a:r>
-              <a:rPr lang="en-US" sz="2400" dirty="0" err="1"/>
-              <a:t>col_length</a:t>
-            </a:r>
-            <a:r>
-              <a:rPr lang="en-US" sz="2400" dirty="0"/>
-              <a:t> == 0</a:t>
-            </a:r>
-          </a:p>
-          <a:p>
-            <a:r>
-              <a:rPr lang="en-US" sz="2400" dirty="0"/>
-              <a:t>C. </a:t>
-            </a:r>
-            <a:r>
-              <a:rPr lang="en-US" sz="2400" dirty="0" err="1"/>
-              <a:t>i</a:t>
-            </a:r>
-            <a:r>
-              <a:rPr lang="en-US" sz="2400" dirty="0"/>
-              <a:t> + </a:t>
-            </a:r>
-            <a:r>
-              <a:rPr lang="en-US" sz="2400" dirty="0" err="1"/>
-              <a:t>row_length</a:t>
-            </a:r>
-            <a:r>
-              <a:rPr lang="en-US" sz="2400" dirty="0"/>
-              <a:t> &gt;= </a:t>
-            </a:r>
-            <a:r>
-              <a:rPr lang="en-US" sz="2400" dirty="0" err="1"/>
-              <a:t>row_length</a:t>
-            </a:r>
-            <a:r>
-              <a:rPr lang="en-US" sz="2400" dirty="0"/>
-              <a:t> * </a:t>
-            </a:r>
-            <a:r>
-              <a:rPr lang="en-US" sz="2400" dirty="0" err="1"/>
-              <a:t>col_length</a:t>
-            </a:r>
-            <a:r>
-              <a:rPr lang="en-US" sz="2400" dirty="0"/>
-              <a:t>	        D. </a:t>
-            </a:r>
-            <a:r>
-              <a:rPr lang="en-US" sz="2400" dirty="0" err="1"/>
-              <a:t>i</a:t>
-            </a:r>
-            <a:r>
-              <a:rPr lang="en-US" sz="2400" dirty="0"/>
-              <a:t> % </a:t>
-            </a:r>
-            <a:r>
-              <a:rPr lang="en-US" sz="2400" dirty="0" err="1"/>
-              <a:t>row_length</a:t>
-            </a:r>
-            <a:r>
-              <a:rPr lang="en-US" sz="2400" dirty="0"/>
-              <a:t> == </a:t>
-            </a:r>
-            <a:r>
-              <a:rPr lang="en-US" sz="2400" dirty="0" err="1"/>
-              <a:t>row_length</a:t>
-            </a:r>
-            <a:r>
-              <a:rPr lang="en-US" sz="2400" dirty="0"/>
-              <a:t> – 1</a:t>
+              <a:t>C. i + row_length &gt;= row_length * col_length	        D. i % row_length == row_length – 1</a:t>
             </a:r>
           </a:p>
           <a:p>
@@ -8729,7 +12280,7 @@
 </p:sld>
 </file>
 
-<file path=ppt/slides/slide16.xml><?xml version="1.0" encoding="utf-8"?>
+<file path=ppt/slides/slide22.xml><?xml version="1.0" encoding="utf-8"?>
 <p:sld xmlns:a="http://schemas.openxmlformats.org/drawingml/2006/main" xmlns:r="http://schemas.openxmlformats.org/officeDocument/2006/relationships" xmlns:p="http://schemas.openxmlformats.org/presentationml/2006/main">
   <p:cSld>
     <p:spTree>
@@ -8763,13 +12314,10 @@
           </a:bodyPr>
           <a:lstStyle/>
           <a:p>
-            <a:r>
-              <a:rPr lang="en-US" dirty="0" err="1"/>
-              <a:t>Linearizing</a:t>
-            </a:r>
-            <a:r>
-              <a:rPr lang="en-US" dirty="0"/>
-              <a:t> multi-dimensional arrays</a:t>
+            <a:pPr algn="ctr"/>
+            <a:r>
+              <a:rPr lang="en-US" dirty="0"/>
+              <a:t>Linearizing multi-dimensional arrays</a:t>
             </a:r>
           </a:p>
         </p:txBody>
@@ -8797,12 +12345,8 @@
           <a:lstStyle/>
           <a:p>
             <a:r>
-              <a:rPr lang="en-US" dirty="0" err="1"/>
-              <a:t>cudaMemcpy</a:t>
-            </a:r>
-            <a:r>
-              <a:rPr lang="en-US" dirty="0"/>
-              <a:t> only transfers 1D arrays</a:t>
+              <a:rPr lang="en-US" dirty="0"/>
+              <a:t>cudaMemcpy only transfers 1D arrays</a:t>
             </a:r>
           </a:p>
           <a:p>
@@ -9591,27 +13135,7 @@
           <a:p>
             <a:r>
               <a:rPr lang="en-US" sz="2800" dirty="0"/>
-              <a:t>cell </a:t>
-            </a:r>
-            <a:r>
-              <a:rPr lang="en-US" sz="2800" dirty="0" err="1"/>
-              <a:t>y</a:t>
-            </a:r>
-            <a:r>
-              <a:rPr lang="en-US" sz="2800" dirty="0"/>
-              <a:t>*</a:t>
-            </a:r>
-            <a:r>
-              <a:rPr lang="en-US" sz="2800" dirty="0" err="1"/>
-              <a:t>row_length</a:t>
-            </a:r>
-            <a:r>
-              <a:rPr lang="en-US" sz="2800" dirty="0"/>
-              <a:t> + </a:t>
-            </a:r>
-            <a:r>
-              <a:rPr lang="en-US" sz="2800" dirty="0" err="1"/>
-              <a:t>x</a:t>
+              <a:t>cell y*row_length + x</a:t>
             </a:r>
             <a:endParaRPr lang="en-US" dirty="0"/>
           </a:p>
@@ -9703,99 +13227,19 @@
           <a:p>
             <a:r>
               <a:rPr lang="en-US" sz="2400" dirty="0"/>
-              <a:t>Which test determines if the cell with 1D index </a:t>
-            </a:r>
-            <a:r>
-              <a:rPr lang="en-US" sz="2400" dirty="0" err="1"/>
-              <a:t>i</a:t>
-            </a:r>
+              <a:t>Which test determines if the cell with 1D index i is on the right edge (of the 2D matrix)?</a:t>
+            </a:r>
+          </a:p>
+          <a:p>
             <a:r>
               <a:rPr lang="en-US" sz="2400" dirty="0"/>
-              <a:t> is on the right edge (of the 2D matrix)?</a:t>
+              <a:t>A. i % row_length == 0				        B. i % col_length == 0</a:t>
             </a:r>
           </a:p>
           <a:p>
             <a:r>
               <a:rPr lang="en-US" sz="2400" dirty="0"/>
-              <a:t>A. </a:t>
-            </a:r>
-            <a:r>
-              <a:rPr lang="en-US" sz="2400" dirty="0" err="1"/>
-              <a:t>i</a:t>
-            </a:r>
-            <a:r>
-              <a:rPr lang="en-US" sz="2400" dirty="0"/>
-              <a:t> % </a:t>
-            </a:r>
-            <a:r>
-              <a:rPr lang="en-US" sz="2400" dirty="0" err="1"/>
-              <a:t>row_length</a:t>
-            </a:r>
-            <a:r>
-              <a:rPr lang="en-US" sz="2400" dirty="0"/>
-              <a:t> == 0				        B. </a:t>
-            </a:r>
-            <a:r>
-              <a:rPr lang="en-US" sz="2400" dirty="0" err="1"/>
-              <a:t>i</a:t>
-            </a:r>
-            <a:r>
-              <a:rPr lang="en-US" sz="2400" dirty="0"/>
-              <a:t> % </a:t>
-            </a:r>
-            <a:r>
-              <a:rPr lang="en-US" sz="2400" dirty="0" err="1"/>
-              <a:t>col_length</a:t>
-            </a:r>
-            <a:r>
-              <a:rPr lang="en-US" sz="2400" dirty="0"/>
-              <a:t> == 0</a:t>
-            </a:r>
-          </a:p>
-          <a:p>
-            <a:r>
-              <a:rPr lang="en-US" sz="2400" dirty="0"/>
-              <a:t>C. </a:t>
-            </a:r>
-            <a:r>
-              <a:rPr lang="en-US" sz="2400" dirty="0" err="1"/>
-              <a:t>i</a:t>
-            </a:r>
-            <a:r>
-              <a:rPr lang="en-US" sz="2400" dirty="0"/>
-              <a:t> + </a:t>
-            </a:r>
-            <a:r>
-              <a:rPr lang="en-US" sz="2400" dirty="0" err="1"/>
-              <a:t>row_length</a:t>
-            </a:r>
-            <a:r>
-              <a:rPr lang="en-US" sz="2400" dirty="0"/>
-              <a:t> &gt;= </a:t>
-            </a:r>
-            <a:r>
-              <a:rPr lang="en-US" sz="2400" dirty="0" err="1"/>
-              <a:t>row_length</a:t>
-            </a:r>
-            <a:r>
-              <a:rPr lang="en-US" sz="2400" dirty="0"/>
-              <a:t> * </a:t>
-            </a:r>
-            <a:r>
-              <a:rPr lang="en-US" sz="2400" dirty="0" err="1"/>
-              <a:t>col_length</a:t>
-            </a:r>
-            <a:r>
-              <a:rPr lang="en-US" sz="2400" dirty="0"/>
-              <a:t>	        D. </a:t>
-            </a:r>
-            <a:r>
-              <a:rPr lang="en-US" sz="2400" u="sng" dirty="0" err="1">
-                <a:solidFill>
-                  <a:schemeClr val="accent1"/>
-                </a:solidFill>
-              </a:rPr>
-              <a:t>i</a:t>
+              <a:t>C. i + row_length &gt;= row_length * col_length	        D. </a:t>
             </a:r>
             <a:r>
               <a:rPr lang="en-US" sz="2400" u="sng" dirty="0">
@@ -9803,39 +13247,7 @@
                   <a:schemeClr val="accent1"/>
                 </a:solidFill>
               </a:rPr>
-              <a:t> % </a:t>
-            </a:r>
-            <a:r>
-              <a:rPr lang="en-US" sz="2400" u="sng" dirty="0" err="1">
-                <a:solidFill>
-                  <a:schemeClr val="accent1"/>
-                </a:solidFill>
-              </a:rPr>
-              <a:t>row_length</a:t>
-            </a:r>
-            <a:r>
-              <a:rPr lang="en-US" sz="2400" u="sng" dirty="0">
-                <a:solidFill>
-                  <a:schemeClr val="accent1"/>
-                </a:solidFill>
-              </a:rPr>
-              <a:t> == </a:t>
-            </a:r>
-            <a:r>
-              <a:rPr lang="en-US" sz="2400" u="sng" dirty="0" err="1">
-                <a:solidFill>
-                  <a:schemeClr val="accent1"/>
-                </a:solidFill>
-              </a:rPr>
-              <a:t>row_length</a:t>
-            </a:r>
-            <a:r>
-              <a:rPr lang="en-US" sz="2400" u="sng" dirty="0">
-                <a:solidFill>
-                  <a:schemeClr val="accent1"/>
-                </a:solidFill>
-              </a:rPr>
-              <a:t> – 1</a:t>
+              <a:t>i % row_length == row_length – 1</a:t>
             </a:r>
           </a:p>
           <a:p>
@@ -9850,126 +13262,6 @@
     <p:extLst>
       <p:ext uri="{BB962C8B-B14F-4D97-AF65-F5344CB8AC3E}">
         <p14:creationId xmlns:p14="http://schemas.microsoft.com/office/powerpoint/2010/main" val="3802822565"/>
-      </p:ext>
-    </p:extLst>
-  </p:cSld>
-  <p:clrMapOvr>
-    <a:masterClrMapping/>
-  </p:clrMapOvr>
-</p:sld>
-</file>
-
-<file path=ppt/slides/slide2.xml><?xml version="1.0" encoding="utf-8"?>
-<p:sld xmlns:a="http://schemas.openxmlformats.org/drawingml/2006/main" xmlns:r="http://schemas.openxmlformats.org/officeDocument/2006/relationships" xmlns:p="http://schemas.openxmlformats.org/presentationml/2006/main">
-  <p:cSld>
-    <p:spTree>
-      <p:nvGrpSpPr>
-        <p:cNvPr id="1" name=""/>
-        <p:cNvGrpSpPr/>
-        <p:nvPr/>
-      </p:nvGrpSpPr>
-      <p:grpSpPr>
-        <a:xfrm>
-          <a:off x="0" y="0"/>
-          <a:ext cx="0" cy="0"/>
-          <a:chOff x="0" y="0"/>
-          <a:chExt cx="0" cy="0"/>
-        </a:xfrm>
-      </p:grpSpPr>
-      <p:sp>
-        <p:nvSpPr>
-          <p:cNvPr id="2" name="Title 1"/>
-          <p:cNvSpPr>
-            <a:spLocks noGrp="1"/>
-          </p:cNvSpPr>
-          <p:nvPr>
-            <p:ph type="title"/>
-          </p:nvPr>
-        </p:nvSpPr>
-        <p:spPr/>
-        <p:txBody>
-          <a:bodyPr/>
-          <a:lstStyle/>
-          <a:p>
-            <a:pPr algn="ctr"/>
-            <a:r>
-              <a:rPr lang="en-US" dirty="0"/>
-              <a:t>GPGPU programming</a:t>
-            </a:r>
-            <a:br>
-              <a:rPr lang="en-US" dirty="0"/>
-            </a:br>
-            <a:r>
-              <a:rPr lang="en-US" sz="2800" dirty="0"/>
-              <a:t>(General-Purpose Graphics Processing Unit)</a:t>
-            </a:r>
-          </a:p>
-        </p:txBody>
-      </p:sp>
-      <p:sp>
-        <p:nvSpPr>
-          <p:cNvPr id="3" name="Content Placeholder 2"/>
-          <p:cNvSpPr>
-            <a:spLocks noGrp="1"/>
-          </p:cNvSpPr>
-          <p:nvPr>
-            <p:ph idx="1"/>
-          </p:nvPr>
-        </p:nvSpPr>
-        <p:spPr>
-          <a:xfrm>
-            <a:off x="433953" y="1825625"/>
-            <a:ext cx="11251769" cy="4351338"/>
-          </a:xfrm>
-        </p:spPr>
-        <p:txBody>
-          <a:bodyPr/>
-          <a:lstStyle/>
-          <a:p>
-            <a:r>
-              <a:rPr lang="en-US" dirty="0"/>
-              <a:t>Graphics processing requires many similar operations in “graphics pipeline”</a:t>
-            </a:r>
-          </a:p>
-          <a:p>
-            <a:pPr lvl="1"/>
-            <a:r>
-              <a:rPr lang="en-US" dirty="0"/>
-              <a:t>Triangles going through rotation and scaling, shading, and texturing</a:t>
-            </a:r>
-          </a:p>
-          <a:p>
-            <a:pPr lvl="1"/>
-            <a:endParaRPr lang="en-US" dirty="0"/>
-          </a:p>
-          <a:p>
-            <a:r>
-              <a:rPr lang="en-US" dirty="0"/>
-              <a:t>Graphics Processing Units (GPUs) develop to meet this need and then get converted for general purpose programs</a:t>
-            </a:r>
-          </a:p>
-          <a:p>
-            <a:endParaRPr lang="en-US" dirty="0"/>
-          </a:p>
-          <a:p>
-            <a:r>
-              <a:rPr lang="en-US" dirty="0"/>
-              <a:t>CUDA (Compute Unified Device Architecture) is a GPU design and  extension of C (et al) to support GPGPU programming developed by Nvidia</a:t>
-            </a:r>
-          </a:p>
-          <a:p>
-            <a:pPr lvl="1"/>
-            <a:r>
-              <a:rPr lang="en-US" dirty="0"/>
-              <a:t>Market share leader; leading open alternative is OpenCL</a:t>
-            </a:r>
-          </a:p>
-        </p:txBody>
-      </p:sp>
-    </p:spTree>
-    <p:extLst>
-      <p:ext uri="{BB962C8B-B14F-4D97-AF65-F5344CB8AC3E}">
-        <p14:creationId xmlns:p14="http://schemas.microsoft.com/office/powerpoint/2010/main" val="3525350406"/>
       </p:ext>
     </p:extLst>
   </p:cSld>
@@ -10231,23 +13523,7 @@
             <a:pPr lvl="1"/>
             <a:r>
               <a:rPr lang="en-US" dirty="0"/>
-              <a:t>Use implicit arguments </a:t>
-            </a:r>
-            <a:r>
-              <a:rPr lang="en-US" dirty="0" err="1"/>
-              <a:t>blockIdx</a:t>
-            </a:r>
-            <a:r>
-              <a:rPr lang="en-US" dirty="0"/>
-              <a:t> and </a:t>
-            </a:r>
-            <a:r>
-              <a:rPr lang="en-US" dirty="0" err="1"/>
-              <a:t>threadIdx</a:t>
-            </a:r>
-            <a:r>
-              <a:rPr lang="en-US" dirty="0"/>
-              <a:t> to identify itself</a:t>
+              <a:t>Use implicit arguments blockIdx and threadIdx to identify itself</a:t>
             </a:r>
           </a:p>
           <a:p>
@@ -10287,6 +13563,312 @@
       </p:grpSpPr>
       <p:sp>
         <p:nvSpPr>
+          <p:cNvPr id="2" name="Title 1">
+            <a:extLst>
+              <a:ext uri="{FF2B5EF4-FFF2-40B4-BE49-F238E27FC236}">
+                <a16:creationId xmlns:a16="http://schemas.microsoft.com/office/drawing/2014/main" id="{1B03D47E-E6B8-EB40-8053-98DC55EFF33F}"/>
+              </a:ext>
+            </a:extLst>
+          </p:cNvPr>
+          <p:cNvSpPr>
+            <a:spLocks noGrp="1"/>
+          </p:cNvSpPr>
+          <p:nvPr>
+            <p:ph type="title"/>
+          </p:nvPr>
+        </p:nvSpPr>
+        <p:spPr>
+          <a:xfrm>
+            <a:off x="514350" y="296862"/>
+            <a:ext cx="11163300" cy="1325563"/>
+          </a:xfrm>
+        </p:spPr>
+        <p:txBody>
+          <a:bodyPr/>
+          <a:lstStyle/>
+          <a:p>
+            <a:pPr algn="ctr"/>
+            <a:r>
+              <a:rPr lang="en-US" dirty="0"/>
+              <a:t>Logistics: Compiling and running CUDA programs</a:t>
+            </a:r>
+          </a:p>
+        </p:txBody>
+      </p:sp>
+      <p:sp>
+        <p:nvSpPr>
+          <p:cNvPr id="3" name="Content Placeholder 2">
+            <a:extLst>
+              <a:ext uri="{FF2B5EF4-FFF2-40B4-BE49-F238E27FC236}">
+                <a16:creationId xmlns:a16="http://schemas.microsoft.com/office/drawing/2014/main" id="{CB498182-C829-0C4C-AC27-197F9F3E635F}"/>
+              </a:ext>
+            </a:extLst>
+          </p:cNvPr>
+          <p:cNvSpPr>
+            <a:spLocks noGrp="1"/>
+          </p:cNvSpPr>
+          <p:nvPr>
+            <p:ph idx="1"/>
+          </p:nvPr>
+        </p:nvSpPr>
+        <p:spPr/>
+        <p:txBody>
+          <a:bodyPr>
+            <a:normAutofit/>
+          </a:bodyPr>
+          <a:lstStyle/>
+          <a:p>
+            <a:endParaRPr lang="en-US" dirty="0"/>
+          </a:p>
+          <a:p>
+            <a:r>
+              <a:rPr lang="en-US" dirty="0"/>
+              <a:t>Compiling:</a:t>
+            </a:r>
+          </a:p>
+          <a:p>
+            <a:pPr marL="0" indent="0">
+              <a:buNone/>
+            </a:pPr>
+            <a:r>
+              <a:rPr lang="en-US" dirty="0"/>
+              <a:t>	nvcc  -o hello hello.cu</a:t>
+            </a:r>
+          </a:p>
+          <a:p>
+            <a:pPr marL="0" indent="0">
+              <a:buNone/>
+            </a:pPr>
+            <a:endParaRPr lang="en-US" dirty="0"/>
+          </a:p>
+          <a:p>
+            <a:pPr marL="0" indent="0">
+              <a:buNone/>
+            </a:pPr>
+            <a:endParaRPr lang="en-US" dirty="0"/>
+          </a:p>
+          <a:p>
+            <a:pPr marL="0" indent="0">
+              <a:buNone/>
+            </a:pPr>
+            <a:endParaRPr lang="en-US" dirty="0"/>
+          </a:p>
+          <a:p>
+            <a:r>
+              <a:rPr lang="en-US" dirty="0"/>
+              <a:t>Running:</a:t>
+            </a:r>
+          </a:p>
+          <a:p>
+            <a:pPr marL="0" indent="0">
+              <a:buNone/>
+            </a:pPr>
+            <a:r>
+              <a:rPr lang="en-US" dirty="0"/>
+              <a:t>	./hello</a:t>
+            </a:r>
+          </a:p>
+        </p:txBody>
+      </p:sp>
+      <p:sp>
+        <p:nvSpPr>
+          <p:cNvPr id="4" name="Rounded Rectangular Callout 3">
+            <a:extLst>
+              <a:ext uri="{FF2B5EF4-FFF2-40B4-BE49-F238E27FC236}">
+                <a16:creationId xmlns:a16="http://schemas.microsoft.com/office/drawing/2014/main" id="{58B5177A-EE97-A847-A154-C0EFC2EFDC3D}"/>
+              </a:ext>
+            </a:extLst>
+          </p:cNvPr>
+          <p:cNvSpPr/>
+          <p:nvPr/>
+        </p:nvSpPr>
+        <p:spPr>
+          <a:xfrm>
+            <a:off x="323850" y="3848100"/>
+            <a:ext cx="2590800" cy="914400"/>
+          </a:xfrm>
+          <a:prstGeom prst="wedgeRoundRectCallout">
+            <a:avLst>
+              <a:gd name="adj1" fmla="val 21011"/>
+              <a:gd name="adj2" fmla="val -106688"/>
+              <a:gd name="adj3" fmla="val 16667"/>
+            </a:avLst>
+          </a:prstGeom>
+        </p:spPr>
+        <p:style>
+          <a:lnRef idx="2">
+            <a:schemeClr val="accent1">
+              <a:shade val="50000"/>
+            </a:schemeClr>
+          </a:lnRef>
+          <a:fillRef idx="1">
+            <a:schemeClr val="accent1"/>
+          </a:fillRef>
+          <a:effectRef idx="0">
+            <a:schemeClr val="accent1"/>
+          </a:effectRef>
+          <a:fontRef idx="minor">
+            <a:schemeClr val="lt1"/>
+          </a:fontRef>
+        </p:style>
+        <p:txBody>
+          <a:bodyPr rtlCol="0" anchor="ctr"/>
+          <a:lstStyle/>
+          <a:p>
+            <a:pPr algn="ctr"/>
+            <a:r>
+              <a:rPr lang="en-US" dirty="0"/>
+              <a:t>Compiler; really a wrapper for </a:t>
+            </a:r>
+            <a:r>
+              <a:rPr lang="en-US" dirty="0" err="1"/>
+              <a:t>gcc</a:t>
+            </a:r>
+            <a:r>
+              <a:rPr lang="en-US" dirty="0"/>
+              <a:t> or another C compiler</a:t>
+            </a:r>
+          </a:p>
+        </p:txBody>
+      </p:sp>
+      <p:sp>
+        <p:nvSpPr>
+          <p:cNvPr id="5" name="Rounded Rectangular Callout 4">
+            <a:extLst>
+              <a:ext uri="{FF2B5EF4-FFF2-40B4-BE49-F238E27FC236}">
+                <a16:creationId xmlns:a16="http://schemas.microsoft.com/office/drawing/2014/main" id="{FF678023-4C9F-9B46-84C9-93609DF0E0A4}"/>
+              </a:ext>
+            </a:extLst>
+          </p:cNvPr>
+          <p:cNvSpPr/>
+          <p:nvPr/>
+        </p:nvSpPr>
+        <p:spPr>
+          <a:xfrm>
+            <a:off x="4848225" y="1958975"/>
+            <a:ext cx="3295650" cy="762000"/>
+          </a:xfrm>
+          <a:prstGeom prst="wedgeRoundRectCallout">
+            <a:avLst>
+              <a:gd name="adj1" fmla="val -65342"/>
+              <a:gd name="adj2" fmla="val 65000"/>
+              <a:gd name="adj3" fmla="val 16667"/>
+            </a:avLst>
+          </a:prstGeom>
+        </p:spPr>
+        <p:style>
+          <a:lnRef idx="2">
+            <a:schemeClr val="accent1">
+              <a:shade val="50000"/>
+            </a:schemeClr>
+          </a:lnRef>
+          <a:fillRef idx="1">
+            <a:schemeClr val="accent1"/>
+          </a:fillRef>
+          <a:effectRef idx="0">
+            <a:schemeClr val="accent1"/>
+          </a:effectRef>
+          <a:fontRef idx="minor">
+            <a:schemeClr val="lt1"/>
+          </a:fontRef>
+        </p:style>
+        <p:txBody>
+          <a:bodyPr rtlCol="0" anchor="ctr"/>
+          <a:lstStyle/>
+          <a:p>
+            <a:pPr algn="ctr"/>
+            <a:r>
+              <a:rPr lang="en-US" dirty="0"/>
+              <a:t>Name of the source code.  CUDA files use the extension .cu</a:t>
+            </a:r>
+          </a:p>
+        </p:txBody>
+      </p:sp>
+      <p:sp>
+        <p:nvSpPr>
+          <p:cNvPr id="6" name="Rounded Rectangular Callout 5">
+            <a:extLst>
+              <a:ext uri="{FF2B5EF4-FFF2-40B4-BE49-F238E27FC236}">
+                <a16:creationId xmlns:a16="http://schemas.microsoft.com/office/drawing/2014/main" id="{23C61AAD-7881-D647-A33E-BF02F7680460}"/>
+              </a:ext>
+            </a:extLst>
+          </p:cNvPr>
+          <p:cNvSpPr/>
+          <p:nvPr/>
+        </p:nvSpPr>
+        <p:spPr>
+          <a:xfrm>
+            <a:off x="3581400" y="3848100"/>
+            <a:ext cx="2800350" cy="666750"/>
+          </a:xfrm>
+          <a:prstGeom prst="wedgeRoundRectCallout">
+            <a:avLst>
+              <a:gd name="adj1" fmla="val -60289"/>
+              <a:gd name="adj2" fmla="val -131726"/>
+              <a:gd name="adj3" fmla="val 16667"/>
+            </a:avLst>
+          </a:prstGeom>
+        </p:spPr>
+        <p:style>
+          <a:lnRef idx="2">
+            <a:schemeClr val="accent1">
+              <a:shade val="50000"/>
+            </a:schemeClr>
+          </a:lnRef>
+          <a:fillRef idx="1">
+            <a:schemeClr val="accent1"/>
+          </a:fillRef>
+          <a:effectRef idx="0">
+            <a:schemeClr val="accent1"/>
+          </a:effectRef>
+          <a:fontRef idx="minor">
+            <a:schemeClr val="lt1"/>
+          </a:fontRef>
+        </p:style>
+        <p:txBody>
+          <a:bodyPr rtlCol="0" anchor="ctr"/>
+          <a:lstStyle/>
+          <a:p>
+            <a:pPr algn="ctr"/>
+            <a:r>
+              <a:rPr lang="en-US" dirty="0"/>
+              <a:t>-o flag: Used to specify the executable to create</a:t>
+            </a:r>
+          </a:p>
+        </p:txBody>
+      </p:sp>
+    </p:spTree>
+    <p:extLst>
+      <p:ext uri="{BB962C8B-B14F-4D97-AF65-F5344CB8AC3E}">
+        <p14:creationId xmlns:p14="http://schemas.microsoft.com/office/powerpoint/2010/main" val="1269921233"/>
+      </p:ext>
+    </p:extLst>
+  </p:cSld>
+  <p:clrMapOvr>
+    <a:masterClrMapping/>
+  </p:clrMapOvr>
+</p:sld>
+</file>
+
+<file path=ppt/slides/slide6.xml><?xml version="1.0" encoding="utf-8"?>
+<p:sld xmlns:a="http://schemas.openxmlformats.org/drawingml/2006/main" xmlns:r="http://schemas.openxmlformats.org/officeDocument/2006/relationships" xmlns:p="http://schemas.openxmlformats.org/presentationml/2006/main">
+  <p:cSld>
+    <p:spTree>
+      <p:nvGrpSpPr>
+        <p:cNvPr id="1" name=""/>
+        <p:cNvGrpSpPr/>
+        <p:nvPr/>
+      </p:nvGrpSpPr>
+      <p:grpSpPr>
+        <a:xfrm>
+          <a:off x="0" y="0"/>
+          <a:ext cx="0" cy="0"/>
+          <a:chOff x="0" y="0"/>
+          <a:chExt cx="0" cy="0"/>
+        </a:xfrm>
+      </p:grpSpPr>
+      <p:sp>
+        <p:nvSpPr>
           <p:cNvPr id="4" name="Title 3">
             <a:extLst>
               <a:ext uri="{FF2B5EF4-FFF2-40B4-BE49-F238E27FC236}">
@@ -10298,7 +13880,7 @@
             <a:spLocks noGrp="1"/>
           </p:cNvSpPr>
           <p:nvPr>
-            <p:ph type="ctrTitle"/>
+            <p:ph type="title"/>
           </p:nvPr>
         </p:nvSpPr>
         <p:spPr/>
@@ -10306,6 +13888,7 @@
           <a:bodyPr/>
           <a:lstStyle/>
           <a:p>
+            <a:pPr algn="ctr"/>
             <a:r>
               <a:rPr lang="en-US" dirty="0"/>
               <a:t>“Hello World” for CUDA</a:t>
@@ -10315,10 +13898,10 @@
       </p:sp>
       <p:sp>
         <p:nvSpPr>
-          <p:cNvPr id="5" name="Subtitle 4">
+          <p:cNvPr id="2" name="Content Placeholder 1">
             <a:extLst>
               <a:ext uri="{FF2B5EF4-FFF2-40B4-BE49-F238E27FC236}">
-                <a16:creationId xmlns:a16="http://schemas.microsoft.com/office/drawing/2014/main" id="{55D87777-2550-3A45-8F79-2C304346D93E}"/>
+                <a16:creationId xmlns:a16="http://schemas.microsoft.com/office/drawing/2014/main" id="{6548637E-9D0F-8042-B51B-4B2302AAEA16}"/>
               </a:ext>
             </a:extLst>
           </p:cNvPr>
@@ -10326,15 +13909,115 @@
             <a:spLocks noGrp="1"/>
           </p:cNvSpPr>
           <p:nvPr>
-            <p:ph type="subTitle" idx="1"/>
+            <p:ph idx="1"/>
           </p:nvPr>
         </p:nvSpPr>
         <p:spPr/>
         <p:txBody>
-          <a:bodyPr/>
+          <a:bodyPr>
+            <a:normAutofit fontScale="77500" lnSpcReduction="20000"/>
+          </a:bodyPr>
           <a:lstStyle/>
           <a:p>
-            <a:endParaRPr lang="en-US"/>
+            <a:pPr marL="0" indent="0">
+              <a:buNone/>
+            </a:pPr>
+            <a:r>
+              <a:rPr lang="en-US" dirty="0"/>
+              <a:t>#include &lt;stdio.h&gt;</a:t>
+            </a:r>
+          </a:p>
+          <a:p>
+            <a:pPr marL="0" indent="0">
+              <a:buNone/>
+            </a:pPr>
+            <a:endParaRPr lang="en-US" dirty="0"/>
+          </a:p>
+          <a:p>
+            <a:pPr marL="0" indent="0">
+              <a:buNone/>
+            </a:pPr>
+            <a:r>
+              <a:rPr lang="en-US" dirty="0"/>
+              <a:t>__global__ void hello() {</a:t>
+            </a:r>
+          </a:p>
+          <a:p>
+            <a:pPr marL="0" indent="0">
+              <a:buNone/>
+            </a:pPr>
+            <a:r>
+              <a:rPr lang="en-US" dirty="0"/>
+              <a:t>	int id = threadIdx.x + blockIdx.x * blockDim.x;</a:t>
+            </a:r>
+          </a:p>
+          <a:p>
+            <a:pPr marL="0" indent="0">
+              <a:buNone/>
+            </a:pPr>
+            <a:r>
+              <a:rPr lang="en-US" dirty="0"/>
+              <a:t>	printf("Hello from thread %d (%d of block %d)\n", id, threadIdx.x, blockIdx.x);</a:t>
+            </a:r>
+          </a:p>
+          <a:p>
+            <a:pPr marL="0" indent="0">
+              <a:buNone/>
+            </a:pPr>
+            <a:r>
+              <a:rPr lang="en-US" dirty="0"/>
+              <a:t>}</a:t>
+            </a:r>
+            <a:br>
+              <a:rPr lang="en-US" dirty="0"/>
+            </a:br>
+            <a:endParaRPr lang="en-US" dirty="0"/>
+          </a:p>
+          <a:p>
+            <a:pPr marL="0" indent="0">
+              <a:buNone/>
+            </a:pPr>
+            <a:r>
+              <a:rPr lang="en-US" dirty="0"/>
+              <a:t>int main() {</a:t>
+            </a:r>
+          </a:p>
+          <a:p>
+            <a:pPr marL="0" indent="0">
+              <a:buNone/>
+            </a:pPr>
+            <a:r>
+              <a:rPr lang="en-US" dirty="0"/>
+              <a:t>	hello&lt;&lt;&lt;3,4&gt;&gt;&gt;();		//launch 3 blocks of 4 threads each</a:t>
+            </a:r>
+            <a:br>
+              <a:rPr lang="en-US" dirty="0"/>
+            </a:br>
+            <a:endParaRPr lang="en-US" dirty="0"/>
+          </a:p>
+          <a:p>
+            <a:pPr marL="0" indent="0">
+              <a:buNone/>
+            </a:pPr>
+            <a:r>
+              <a:rPr lang="en-US" dirty="0"/>
+              <a:t>	cudaDeviceSynchronize();	//make sure kernel completes</a:t>
+            </a:r>
+          </a:p>
+          <a:p>
+            <a:pPr marL="0" indent="0">
+              <a:buNone/>
+            </a:pPr>
+            <a:r>
+              <a:rPr lang="en-US" dirty="0"/>
+              <a:t>}</a:t>
+            </a:r>
+          </a:p>
+          <a:p>
+            <a:pPr marL="0" indent="0">
+              <a:buNone/>
+            </a:pPr>
+            <a:endParaRPr lang="en-US" dirty="0"/>
           </a:p>
         </p:txBody>
       </p:sp>
@@ -10351,7 +14034,567 @@
 </p:sld>
 </file>
 
-<file path=ppt/slides/slide6.xml><?xml version="1.0" encoding="utf-8"?>
+<file path=ppt/slides/slide7.xml><?xml version="1.0" encoding="utf-8"?>
+<p:sld xmlns:a="http://schemas.openxmlformats.org/drawingml/2006/main" xmlns:r="http://schemas.openxmlformats.org/officeDocument/2006/relationships" xmlns:p="http://schemas.openxmlformats.org/presentationml/2006/main">
+  <p:cSld>
+    <p:spTree>
+      <p:nvGrpSpPr>
+        <p:cNvPr id="1" name=""/>
+        <p:cNvGrpSpPr/>
+        <p:nvPr/>
+      </p:nvGrpSpPr>
+      <p:grpSpPr>
+        <a:xfrm>
+          <a:off x="0" y="0"/>
+          <a:ext cx="0" cy="0"/>
+          <a:chOff x="0" y="0"/>
+          <a:chExt cx="0" cy="0"/>
+        </a:xfrm>
+      </p:grpSpPr>
+      <p:sp>
+        <p:nvSpPr>
+          <p:cNvPr id="4" name="Title 3">
+            <a:extLst>
+              <a:ext uri="{FF2B5EF4-FFF2-40B4-BE49-F238E27FC236}">
+                <a16:creationId xmlns:a16="http://schemas.microsoft.com/office/drawing/2014/main" id="{70E61193-5476-3847-8553-B3B25081E70A}"/>
+              </a:ext>
+            </a:extLst>
+          </p:cNvPr>
+          <p:cNvSpPr>
+            <a:spLocks noGrp="1"/>
+          </p:cNvSpPr>
+          <p:nvPr>
+            <p:ph type="title"/>
+          </p:nvPr>
+        </p:nvSpPr>
+        <p:spPr/>
+        <p:txBody>
+          <a:bodyPr/>
+          <a:lstStyle/>
+          <a:p>
+            <a:pPr algn="ctr"/>
+            <a:r>
+              <a:rPr lang="en-US" dirty="0"/>
+              <a:t>“Hello World” for CUDA</a:t>
+            </a:r>
+          </a:p>
+        </p:txBody>
+      </p:sp>
+      <p:sp>
+        <p:nvSpPr>
+          <p:cNvPr id="2" name="Content Placeholder 1">
+            <a:extLst>
+              <a:ext uri="{FF2B5EF4-FFF2-40B4-BE49-F238E27FC236}">
+                <a16:creationId xmlns:a16="http://schemas.microsoft.com/office/drawing/2014/main" id="{6548637E-9D0F-8042-B51B-4B2302AAEA16}"/>
+              </a:ext>
+            </a:extLst>
+          </p:cNvPr>
+          <p:cNvSpPr>
+            <a:spLocks noGrp="1"/>
+          </p:cNvSpPr>
+          <p:nvPr>
+            <p:ph idx="1"/>
+          </p:nvPr>
+        </p:nvSpPr>
+        <p:spPr/>
+        <p:txBody>
+          <a:bodyPr>
+            <a:normAutofit fontScale="77500" lnSpcReduction="20000"/>
+          </a:bodyPr>
+          <a:lstStyle/>
+          <a:p>
+            <a:pPr marL="0" indent="0">
+              <a:buNone/>
+            </a:pPr>
+            <a:r>
+              <a:rPr lang="en-US" dirty="0"/>
+              <a:t>#include &lt;stdio.h&gt;</a:t>
+            </a:r>
+          </a:p>
+          <a:p>
+            <a:pPr marL="0" indent="0">
+              <a:buNone/>
+            </a:pPr>
+            <a:endParaRPr lang="en-US" dirty="0"/>
+          </a:p>
+          <a:p>
+            <a:pPr marL="0" indent="0">
+              <a:buNone/>
+            </a:pPr>
+            <a:r>
+              <a:rPr lang="en-US" dirty="0"/>
+              <a:t>__global__ void hello() {</a:t>
+            </a:r>
+          </a:p>
+          <a:p>
+            <a:pPr marL="0" indent="0">
+              <a:buNone/>
+            </a:pPr>
+            <a:r>
+              <a:rPr lang="en-US" dirty="0"/>
+              <a:t>	int id = threadIdx.x + blockIdx.x * blockDim.x;</a:t>
+            </a:r>
+          </a:p>
+          <a:p>
+            <a:pPr marL="0" indent="0">
+              <a:buNone/>
+            </a:pPr>
+            <a:r>
+              <a:rPr lang="en-US" dirty="0"/>
+              <a:t>	printf("Hello from thread %d (%d of block %d)\n", id, threadIdx.x, blockIdx.x);</a:t>
+            </a:r>
+          </a:p>
+          <a:p>
+            <a:pPr marL="0" indent="0">
+              <a:buNone/>
+            </a:pPr>
+            <a:r>
+              <a:rPr lang="en-US" dirty="0"/>
+              <a:t>}</a:t>
+            </a:r>
+            <a:br>
+              <a:rPr lang="en-US" dirty="0"/>
+            </a:br>
+            <a:endParaRPr lang="en-US" dirty="0"/>
+          </a:p>
+          <a:p>
+            <a:pPr marL="0" indent="0">
+              <a:buNone/>
+            </a:pPr>
+            <a:r>
+              <a:rPr lang="en-US" dirty="0"/>
+              <a:t>int main() {</a:t>
+            </a:r>
+          </a:p>
+          <a:p>
+            <a:pPr marL="0" indent="0">
+              <a:buNone/>
+            </a:pPr>
+            <a:r>
+              <a:rPr lang="en-US" dirty="0"/>
+              <a:t>	hello&lt;&lt;&lt;3,4&gt;&gt;&gt;();		//launch 3 blocks of 4 threads each</a:t>
+            </a:r>
+            <a:br>
+              <a:rPr lang="en-US" dirty="0"/>
+            </a:br>
+            <a:endParaRPr lang="en-US" dirty="0"/>
+          </a:p>
+          <a:p>
+            <a:pPr marL="0" indent="0">
+              <a:buNone/>
+            </a:pPr>
+            <a:r>
+              <a:rPr lang="en-US" dirty="0"/>
+              <a:t>	cudaDeviceSynchronize();	//make sure kernel completes</a:t>
+            </a:r>
+          </a:p>
+          <a:p>
+            <a:pPr marL="0" indent="0">
+              <a:buNone/>
+            </a:pPr>
+            <a:r>
+              <a:rPr lang="en-US" dirty="0"/>
+              <a:t>}</a:t>
+            </a:r>
+          </a:p>
+          <a:p>
+            <a:pPr marL="0" indent="0">
+              <a:buNone/>
+            </a:pPr>
+            <a:endParaRPr lang="en-US" dirty="0"/>
+          </a:p>
+        </p:txBody>
+      </p:sp>
+      <p:sp>
+        <p:nvSpPr>
+          <p:cNvPr id="3" name="Rounded Rectangle 2">
+            <a:extLst>
+              <a:ext uri="{FF2B5EF4-FFF2-40B4-BE49-F238E27FC236}">
+                <a16:creationId xmlns:a16="http://schemas.microsoft.com/office/drawing/2014/main" id="{90F83D02-DCF0-2243-A4FC-E8A18285CB93}"/>
+              </a:ext>
+            </a:extLst>
+          </p:cNvPr>
+          <p:cNvSpPr/>
+          <p:nvPr/>
+        </p:nvSpPr>
+        <p:spPr>
+          <a:xfrm>
+            <a:off x="685800" y="2246243"/>
+            <a:ext cx="10153650" cy="1808922"/>
+          </a:xfrm>
+          <a:prstGeom prst="roundRect">
+            <a:avLst/>
+          </a:prstGeom>
+          <a:solidFill>
+            <a:schemeClr val="accent1">
+              <a:alpha val="25000"/>
+            </a:schemeClr>
+          </a:solidFill>
+        </p:spPr>
+        <p:style>
+          <a:lnRef idx="2">
+            <a:schemeClr val="accent1">
+              <a:shade val="50000"/>
+            </a:schemeClr>
+          </a:lnRef>
+          <a:fillRef idx="1">
+            <a:schemeClr val="accent1"/>
+          </a:fillRef>
+          <a:effectRef idx="0">
+            <a:schemeClr val="accent1"/>
+          </a:effectRef>
+          <a:fontRef idx="minor">
+            <a:schemeClr val="lt1"/>
+          </a:fontRef>
+        </p:style>
+        <p:txBody>
+          <a:bodyPr rtlCol="0" anchor="ctr"/>
+          <a:lstStyle/>
+          <a:p>
+            <a:pPr algn="ctr"/>
+            <a:endParaRPr lang="en-US"/>
+          </a:p>
+        </p:txBody>
+      </p:sp>
+      <p:sp>
+        <p:nvSpPr>
+          <p:cNvPr id="7" name="Rectangle 6">
+            <a:extLst>
+              <a:ext uri="{FF2B5EF4-FFF2-40B4-BE49-F238E27FC236}">
+                <a16:creationId xmlns:a16="http://schemas.microsoft.com/office/drawing/2014/main" id="{A5342790-68BE-EE42-A23C-81CD9FD3967E}"/>
+              </a:ext>
+            </a:extLst>
+          </p:cNvPr>
+          <p:cNvSpPr/>
+          <p:nvPr/>
+        </p:nvSpPr>
+        <p:spPr>
+          <a:xfrm>
+            <a:off x="6152203" y="2169794"/>
+            <a:ext cx="4627613" cy="584775"/>
+          </a:xfrm>
+          <a:prstGeom prst="rect">
+            <a:avLst/>
+          </a:prstGeom>
+          <a:noFill/>
+        </p:spPr>
+        <p:txBody>
+          <a:bodyPr wrap="none" lIns="91440" tIns="45720" rIns="91440" bIns="45720">
+            <a:spAutoFit/>
+          </a:bodyPr>
+          <a:lstStyle/>
+          <a:p>
+            <a:pPr algn="ctr"/>
+            <a:r>
+              <a:rPr lang="en-US" sz="3200" b="0" cap="none" spc="0" dirty="0">
+                <a:ln w="0"/>
+                <a:solidFill>
+                  <a:schemeClr val="accent1"/>
+                </a:solidFill>
+                <a:effectLst>
+                  <a:outerShdw blurRad="38100" dist="25400" dir="5400000" algn="ctr" rotWithShape="0">
+                    <a:srgbClr val="6E747A">
+                      <a:alpha val="43000"/>
+                    </a:srgbClr>
+                  </a:outerShdw>
+                </a:effectLst>
+              </a:rPr>
+              <a:t>Device code (runs on GPU)</a:t>
+            </a:r>
+          </a:p>
+        </p:txBody>
+      </p:sp>
+    </p:spTree>
+    <p:extLst>
+      <p:ext uri="{BB962C8B-B14F-4D97-AF65-F5344CB8AC3E}">
+        <p14:creationId xmlns:p14="http://schemas.microsoft.com/office/powerpoint/2010/main" val="2100033458"/>
+      </p:ext>
+    </p:extLst>
+  </p:cSld>
+  <p:clrMapOvr>
+    <a:masterClrMapping/>
+  </p:clrMapOvr>
+</p:sld>
+</file>
+
+<file path=ppt/slides/slide8.xml><?xml version="1.0" encoding="utf-8"?>
+<p:sld xmlns:a="http://schemas.openxmlformats.org/drawingml/2006/main" xmlns:r="http://schemas.openxmlformats.org/officeDocument/2006/relationships" xmlns:p="http://schemas.openxmlformats.org/presentationml/2006/main">
+  <p:cSld>
+    <p:spTree>
+      <p:nvGrpSpPr>
+        <p:cNvPr id="1" name=""/>
+        <p:cNvGrpSpPr/>
+        <p:nvPr/>
+      </p:nvGrpSpPr>
+      <p:grpSpPr>
+        <a:xfrm>
+          <a:off x="0" y="0"/>
+          <a:ext cx="0" cy="0"/>
+          <a:chOff x="0" y="0"/>
+          <a:chExt cx="0" cy="0"/>
+        </a:xfrm>
+      </p:grpSpPr>
+      <p:sp>
+        <p:nvSpPr>
+          <p:cNvPr id="2" name="Title 1">
+            <a:extLst>
+              <a:ext uri="{FF2B5EF4-FFF2-40B4-BE49-F238E27FC236}">
+                <a16:creationId xmlns:a16="http://schemas.microsoft.com/office/drawing/2014/main" id="{BD9319A6-3558-3440-8DC5-73135E82F193}"/>
+              </a:ext>
+            </a:extLst>
+          </p:cNvPr>
+          <p:cNvSpPr>
+            <a:spLocks noGrp="1"/>
+          </p:cNvSpPr>
+          <p:nvPr>
+            <p:ph type="title"/>
+          </p:nvPr>
+        </p:nvSpPr>
+        <p:spPr/>
+        <p:txBody>
+          <a:bodyPr/>
+          <a:lstStyle/>
+          <a:p>
+            <a:pPr algn="ctr"/>
+            <a:r>
+              <a:rPr lang="en-US" dirty="0"/>
+              <a:t>Possible output</a:t>
+            </a:r>
+          </a:p>
+        </p:txBody>
+      </p:sp>
+      <p:sp>
+        <p:nvSpPr>
+          <p:cNvPr id="3" name="Content Placeholder 2">
+            <a:extLst>
+              <a:ext uri="{FF2B5EF4-FFF2-40B4-BE49-F238E27FC236}">
+                <a16:creationId xmlns:a16="http://schemas.microsoft.com/office/drawing/2014/main" id="{0FC04CC6-A7ED-AE43-8E2E-B1EB836422C5}"/>
+              </a:ext>
+            </a:extLst>
+          </p:cNvPr>
+          <p:cNvSpPr>
+            <a:spLocks noGrp="1"/>
+          </p:cNvSpPr>
+          <p:nvPr>
+            <p:ph idx="1"/>
+          </p:nvPr>
+        </p:nvSpPr>
+        <p:spPr/>
+        <p:txBody>
+          <a:bodyPr>
+            <a:normAutofit fontScale="77500" lnSpcReduction="20000"/>
+          </a:bodyPr>
+          <a:lstStyle/>
+          <a:p>
+            <a:pPr marL="0" indent="0">
+              <a:buNone/>
+            </a:pPr>
+            <a:r>
+              <a:rPr lang="en-US" dirty="0"/>
+              <a:t>Hello from thread 0 (0 of block 0)</a:t>
+            </a:r>
+          </a:p>
+          <a:p>
+            <a:pPr marL="0" indent="0">
+              <a:buNone/>
+            </a:pPr>
+            <a:r>
+              <a:rPr lang="en-US" dirty="0"/>
+              <a:t>Hello from thread 1 (1 of block 0)</a:t>
+            </a:r>
+          </a:p>
+          <a:p>
+            <a:pPr marL="0" indent="0">
+              <a:buNone/>
+            </a:pPr>
+            <a:r>
+              <a:rPr lang="en-US" dirty="0"/>
+              <a:t>Hello from thread 2 (2 of block 0)</a:t>
+            </a:r>
+          </a:p>
+          <a:p>
+            <a:pPr marL="0" indent="0">
+              <a:buNone/>
+            </a:pPr>
+            <a:r>
+              <a:rPr lang="en-US" dirty="0"/>
+              <a:t>Hello from thread 3 (3 of block 0)</a:t>
+            </a:r>
+          </a:p>
+          <a:p>
+            <a:pPr marL="0" indent="0">
+              <a:buNone/>
+            </a:pPr>
+            <a:r>
+              <a:rPr lang="en-US" dirty="0"/>
+              <a:t>Hello from thread 8 (0 of block 2)</a:t>
+            </a:r>
+          </a:p>
+          <a:p>
+            <a:pPr marL="0" indent="0">
+              <a:buNone/>
+            </a:pPr>
+            <a:r>
+              <a:rPr lang="en-US" dirty="0"/>
+              <a:t>Hello from thread 9 (1 of block 2)</a:t>
+            </a:r>
+          </a:p>
+          <a:p>
+            <a:pPr marL="0" indent="0">
+              <a:buNone/>
+            </a:pPr>
+            <a:r>
+              <a:rPr lang="en-US" dirty="0"/>
+              <a:t>Hello from thread 10 (2 of block 2)</a:t>
+            </a:r>
+          </a:p>
+          <a:p>
+            <a:pPr marL="0" indent="0">
+              <a:buNone/>
+            </a:pPr>
+            <a:r>
+              <a:rPr lang="en-US" dirty="0"/>
+              <a:t>Hello from thread 11 (3 of block 2)</a:t>
+            </a:r>
+          </a:p>
+          <a:p>
+            <a:pPr marL="0" indent="0">
+              <a:buNone/>
+            </a:pPr>
+            <a:r>
+              <a:rPr lang="en-US" dirty="0"/>
+              <a:t>Hello from thread 4 (0 of block 1)</a:t>
+            </a:r>
+          </a:p>
+          <a:p>
+            <a:pPr marL="0" indent="0">
+              <a:buNone/>
+            </a:pPr>
+            <a:r>
+              <a:rPr lang="en-US" dirty="0"/>
+              <a:t>Hello from thread 5 (1 of block 1)</a:t>
+            </a:r>
+          </a:p>
+          <a:p>
+            <a:pPr marL="0" indent="0">
+              <a:buNone/>
+            </a:pPr>
+            <a:r>
+              <a:rPr lang="en-US" dirty="0"/>
+              <a:t>Hello from thread 6 (2 of block 1)</a:t>
+            </a:r>
+          </a:p>
+          <a:p>
+            <a:pPr marL="0" indent="0">
+              <a:buNone/>
+            </a:pPr>
+            <a:r>
+              <a:rPr lang="en-US" dirty="0"/>
+              <a:t>Hello from thread 7 (3 of block 1)</a:t>
+            </a:r>
+          </a:p>
+          <a:p>
+            <a:pPr marL="0" indent="0">
+              <a:buNone/>
+            </a:pPr>
+            <a:endParaRPr lang="en-US" dirty="0"/>
+          </a:p>
+        </p:txBody>
+      </p:sp>
+      <p:sp>
+        <p:nvSpPr>
+          <p:cNvPr id="4" name="Right Brace 3">
+            <a:extLst>
+              <a:ext uri="{FF2B5EF4-FFF2-40B4-BE49-F238E27FC236}">
+                <a16:creationId xmlns:a16="http://schemas.microsoft.com/office/drawing/2014/main" id="{71218487-D3E1-EB49-AEC7-8886645A3C0B}"/>
+              </a:ext>
+            </a:extLst>
+          </p:cNvPr>
+          <p:cNvSpPr/>
+          <p:nvPr/>
+        </p:nvSpPr>
+        <p:spPr>
+          <a:xfrm>
+            <a:off x="5010150" y="3286919"/>
+            <a:ext cx="400050" cy="1390650"/>
+          </a:xfrm>
+          <a:prstGeom prst="rightBrace">
+            <a:avLst/>
+          </a:prstGeom>
+          <a:ln w="38100"/>
+        </p:spPr>
+        <p:style>
+          <a:lnRef idx="1">
+            <a:schemeClr val="accent1"/>
+          </a:lnRef>
+          <a:fillRef idx="0">
+            <a:schemeClr val="accent1"/>
+          </a:fillRef>
+          <a:effectRef idx="0">
+            <a:schemeClr val="accent1"/>
+          </a:effectRef>
+          <a:fontRef idx="minor">
+            <a:schemeClr val="tx1"/>
+          </a:fontRef>
+        </p:style>
+        <p:txBody>
+          <a:bodyPr rtlCol="0" anchor="ctr"/>
+          <a:lstStyle/>
+          <a:p>
+            <a:pPr algn="ctr"/>
+            <a:endParaRPr lang="en-US" dirty="0"/>
+          </a:p>
+        </p:txBody>
+      </p:sp>
+      <p:sp>
+        <p:nvSpPr>
+          <p:cNvPr id="5" name="TextBox 4">
+            <a:extLst>
+              <a:ext uri="{FF2B5EF4-FFF2-40B4-BE49-F238E27FC236}">
+                <a16:creationId xmlns:a16="http://schemas.microsoft.com/office/drawing/2014/main" id="{B001E89C-2EA1-204C-885A-848BB3420A06}"/>
+              </a:ext>
+            </a:extLst>
+          </p:cNvPr>
+          <p:cNvSpPr txBox="1"/>
+          <p:nvPr/>
+        </p:nvSpPr>
+        <p:spPr>
+          <a:xfrm>
+            <a:off x="5410200" y="3782189"/>
+            <a:ext cx="6557436" cy="400110"/>
+          </a:xfrm>
+          <a:prstGeom prst="rect">
+            <a:avLst/>
+          </a:prstGeom>
+          <a:noFill/>
+        </p:spPr>
+        <p:txBody>
+          <a:bodyPr wrap="none" rtlCol="0">
+            <a:spAutoFit/>
+          </a:bodyPr>
+          <a:lstStyle/>
+          <a:p>
+            <a:r>
+              <a:rPr lang="en-US" sz="2000" dirty="0"/>
+              <a:t>Out of order; blocks are executed separately and in any order</a:t>
+            </a:r>
+          </a:p>
+        </p:txBody>
+      </p:sp>
+    </p:spTree>
+    <p:extLst>
+      <p:ext uri="{BB962C8B-B14F-4D97-AF65-F5344CB8AC3E}">
+        <p14:creationId xmlns:p14="http://schemas.microsoft.com/office/powerpoint/2010/main" val="1970572434"/>
+      </p:ext>
+    </p:extLst>
+  </p:cSld>
+  <p:clrMapOvr>
+    <a:masterClrMapping/>
+  </p:clrMapOvr>
+</p:sld>
+</file>
+
+<file path=ppt/slides/slide9.xml><?xml version="1.0" encoding="utf-8"?>
 <p:sld xmlns:a="http://schemas.openxmlformats.org/drawingml/2006/main" xmlns:r="http://schemas.openxmlformats.org/officeDocument/2006/relationships" xmlns:p="http://schemas.openxmlformats.org/presentationml/2006/main">
   <p:cSld>
     <p:spTree>
@@ -10383,6 +14626,7 @@
           <a:bodyPr/>
           <a:lstStyle/>
           <a:p>
+            <a:pPr algn="ctr"/>
             <a:r>
               <a:rPr lang="en-US" dirty="0"/>
               <a:t>Overview of a CUDA program</a:t>
@@ -10480,594 +14724,6 @@
     <p:extLst>
       <p:ext uri="{BB962C8B-B14F-4D97-AF65-F5344CB8AC3E}">
         <p14:creationId xmlns:p14="http://schemas.microsoft.com/office/powerpoint/2010/main" val="2736460641"/>
-      </p:ext>
-    </p:extLst>
-  </p:cSld>
-  <p:clrMapOvr>
-    <a:masterClrMapping/>
-  </p:clrMapOvr>
-</p:sld>
-</file>
-
-<file path=ppt/slides/slide7.xml><?xml version="1.0" encoding="utf-8"?>
-<p:sld xmlns:a="http://schemas.openxmlformats.org/drawingml/2006/main" xmlns:r="http://schemas.openxmlformats.org/officeDocument/2006/relationships" xmlns:p="http://schemas.openxmlformats.org/presentationml/2006/main">
-  <p:cSld>
-    <p:spTree>
-      <p:nvGrpSpPr>
-        <p:cNvPr id="1" name=""/>
-        <p:cNvGrpSpPr/>
-        <p:nvPr/>
-      </p:nvGrpSpPr>
-      <p:grpSpPr>
-        <a:xfrm>
-          <a:off x="0" y="0"/>
-          <a:ext cx="0" cy="0"/>
-          <a:chOff x="0" y="0"/>
-          <a:chExt cx="0" cy="0"/>
-        </a:xfrm>
-      </p:grpSpPr>
-      <p:sp>
-        <p:nvSpPr>
-          <p:cNvPr id="2" name="Title 1"/>
-          <p:cNvSpPr>
-            <a:spLocks noGrp="1"/>
-          </p:cNvSpPr>
-          <p:nvPr>
-            <p:ph type="ctrTitle"/>
-          </p:nvPr>
-        </p:nvSpPr>
-        <p:spPr/>
-        <p:txBody>
-          <a:bodyPr/>
-          <a:lstStyle/>
-          <a:p>
-            <a:r>
-              <a:rPr lang="en-US" dirty="0"/>
-              <a:t>Adding vectors using CUDA</a:t>
-            </a:r>
-          </a:p>
-        </p:txBody>
-      </p:sp>
-      <p:sp>
-        <p:nvSpPr>
-          <p:cNvPr id="4" name="Subtitle 3"/>
-          <p:cNvSpPr>
-            <a:spLocks noGrp="1"/>
-          </p:cNvSpPr>
-          <p:nvPr>
-            <p:ph type="subTitle" idx="1"/>
-          </p:nvPr>
-        </p:nvSpPr>
-        <p:spPr/>
-        <p:txBody>
-          <a:bodyPr/>
-          <a:lstStyle/>
-          <a:p>
-            <a:r>
-              <a:rPr lang="en-US" dirty="0"/>
-              <a:t>(Not actually fast</a:t>
-            </a:r>
-            <a:r>
-              <a:rPr lang="mr-IN" dirty="0"/>
-              <a:t>…</a:t>
-            </a:r>
-            <a:r>
-              <a:rPr lang="en-US" dirty="0"/>
-              <a:t>)</a:t>
-            </a:r>
-          </a:p>
-        </p:txBody>
-      </p:sp>
-    </p:spTree>
-    <p:extLst>
-      <p:ext uri="{BB962C8B-B14F-4D97-AF65-F5344CB8AC3E}">
-        <p14:creationId xmlns:p14="http://schemas.microsoft.com/office/powerpoint/2010/main" val="48202137"/>
-      </p:ext>
-    </p:extLst>
-  </p:cSld>
-  <p:clrMapOvr>
-    <a:masterClrMapping/>
-  </p:clrMapOvr>
-</p:sld>
-</file>
-
-<file path=ppt/slides/slide8.xml><?xml version="1.0" encoding="utf-8"?>
-<p:sld xmlns:a="http://schemas.openxmlformats.org/drawingml/2006/main" xmlns:r="http://schemas.openxmlformats.org/officeDocument/2006/relationships" xmlns:p="http://schemas.openxmlformats.org/presentationml/2006/main">
-  <p:cSld>
-    <p:spTree>
-      <p:nvGrpSpPr>
-        <p:cNvPr id="1" name=""/>
-        <p:cNvGrpSpPr/>
-        <p:nvPr/>
-      </p:nvGrpSpPr>
-      <p:grpSpPr>
-        <a:xfrm>
-          <a:off x="0" y="0"/>
-          <a:ext cx="0" cy="0"/>
-          <a:chOff x="0" y="0"/>
-          <a:chExt cx="0" cy="0"/>
-        </a:xfrm>
-      </p:grpSpPr>
-      <p:sp>
-        <p:nvSpPr>
-          <p:cNvPr id="5" name="Title 4">
-            <a:extLst>
-              <a:ext uri="{FF2B5EF4-FFF2-40B4-BE49-F238E27FC236}">
-                <a16:creationId xmlns:a16="http://schemas.microsoft.com/office/drawing/2014/main" id="{15348BC1-F521-5F40-8C89-52E955BD8932}"/>
-              </a:ext>
-            </a:extLst>
-          </p:cNvPr>
-          <p:cNvSpPr>
-            <a:spLocks noGrp="1"/>
-          </p:cNvSpPr>
-          <p:nvPr>
-            <p:ph type="title"/>
-          </p:nvPr>
-        </p:nvSpPr>
-        <p:spPr/>
-        <p:txBody>
-          <a:bodyPr/>
-          <a:lstStyle/>
-          <a:p>
-            <a:r>
-              <a:rPr lang="en-US" dirty="0"/>
-              <a:t>Recall: Calling a CUDA kernel</a:t>
-            </a:r>
-          </a:p>
-        </p:txBody>
-      </p:sp>
-      <p:sp>
-        <p:nvSpPr>
-          <p:cNvPr id="6" name="Content Placeholder 5">
-            <a:extLst>
-              <a:ext uri="{FF2B5EF4-FFF2-40B4-BE49-F238E27FC236}">
-                <a16:creationId xmlns:a16="http://schemas.microsoft.com/office/drawing/2014/main" id="{AEF69A2C-86E8-E145-BFF9-9B014E936865}"/>
-              </a:ext>
-            </a:extLst>
-          </p:cNvPr>
-          <p:cNvSpPr>
-            <a:spLocks noGrp="1"/>
-          </p:cNvSpPr>
-          <p:nvPr>
-            <p:ph idx="1"/>
-          </p:nvPr>
-        </p:nvSpPr>
-        <p:spPr>
-          <a:xfrm>
-            <a:off x="631372" y="1825625"/>
-            <a:ext cx="10931978" cy="4351338"/>
-          </a:xfrm>
-        </p:spPr>
-        <p:txBody>
-          <a:bodyPr>
-            <a:normAutofit/>
-          </a:bodyPr>
-          <a:lstStyle/>
-          <a:p>
-            <a:pPr marL="0" indent="0">
-              <a:buNone/>
-            </a:pPr>
-            <a:r>
-              <a:rPr lang="en-US" dirty="0" err="1"/>
-              <a:t>int</a:t>
-            </a:r>
-            <a:r>
-              <a:rPr lang="en-US" dirty="0"/>
-              <a:t> threads = 512;                   		//# threads per block</a:t>
-            </a:r>
-          </a:p>
-          <a:p>
-            <a:pPr marL="0" indent="0">
-              <a:buNone/>
-            </a:pPr>
-            <a:r>
-              <a:rPr lang="en-US" dirty="0" err="1"/>
-              <a:t>int</a:t>
-            </a:r>
-            <a:r>
-              <a:rPr lang="en-US" dirty="0"/>
-              <a:t> blocks = (N+threads-1)/threads;	//# blocks (N/threads, rounded up)</a:t>
-            </a:r>
-          </a:p>
-          <a:p>
-            <a:pPr marL="0" indent="0">
-              <a:buNone/>
-            </a:pPr>
-            <a:r>
-              <a:rPr lang="en-US" dirty="0"/>
-              <a:t>kernel&lt;&lt;&lt;</a:t>
-            </a:r>
-            <a:r>
-              <a:rPr lang="en-US" dirty="0" err="1"/>
-              <a:t>blocks,threads</a:t>
-            </a:r>
-            <a:r>
-              <a:rPr lang="en-US" dirty="0"/>
-              <a:t>&gt;&gt;&gt;(</a:t>
-            </a:r>
-            <a:r>
-              <a:rPr lang="en-US" dirty="0" err="1"/>
-              <a:t>res_dev</a:t>
-            </a:r>
-            <a:r>
-              <a:rPr lang="en-US" dirty="0"/>
-              <a:t>, </a:t>
-            </a:r>
-            <a:r>
-              <a:rPr lang="en-US" dirty="0" err="1"/>
-              <a:t>a_dev</a:t>
-            </a:r>
-            <a:r>
-              <a:rPr lang="en-US" dirty="0"/>
-              <a:t>, </a:t>
-            </a:r>
-            <a:r>
-              <a:rPr lang="en-US" dirty="0" err="1"/>
-              <a:t>b_dev</a:t>
-            </a:r>
-            <a:r>
-              <a:rPr lang="en-US" dirty="0"/>
-              <a:t>);</a:t>
-            </a:r>
-          </a:p>
-          <a:p>
-            <a:pPr marL="0" indent="0">
-              <a:buNone/>
-            </a:pPr>
-            <a:endParaRPr lang="en-US" dirty="0"/>
-          </a:p>
-          <a:p>
-            <a:r>
-              <a:rPr lang="en-US" dirty="0">
-                <a:solidFill>
-                  <a:schemeClr val="bg1"/>
-                </a:solidFill>
-              </a:rPr>
-              <a:t>Why use more than a single block?</a:t>
-            </a:r>
-          </a:p>
-          <a:p>
-            <a:pPr lvl="1"/>
-            <a:r>
-              <a:rPr lang="en-US" dirty="0">
-                <a:solidFill>
-                  <a:schemeClr val="bg1"/>
-                </a:solidFill>
-              </a:rPr>
-              <a:t>Limited number of threads per block (depends on card being used)</a:t>
-            </a:r>
-          </a:p>
-          <a:p>
-            <a:r>
-              <a:rPr lang="en-US" dirty="0">
-                <a:solidFill>
-                  <a:schemeClr val="bg1"/>
-                </a:solidFill>
-              </a:rPr>
-              <a:t>Why not use N blocks?</a:t>
-            </a:r>
-          </a:p>
-          <a:p>
-            <a:pPr lvl="1"/>
-            <a:r>
-              <a:rPr lang="en-US" dirty="0">
-                <a:solidFill>
-                  <a:schemeClr val="bg1"/>
-                </a:solidFill>
-              </a:rPr>
-              <a:t>Threads in block share variables (__shared__) and have barrier (__</a:t>
-            </a:r>
-            <a:r>
-              <a:rPr lang="en-US" dirty="0" err="1">
-                <a:solidFill>
-                  <a:schemeClr val="bg1"/>
-                </a:solidFill>
-              </a:rPr>
-              <a:t>syncthreads</a:t>
-            </a:r>
-            <a:r>
-              <a:rPr lang="en-US" dirty="0">
-                <a:solidFill>
-                  <a:schemeClr val="bg1"/>
-                </a:solidFill>
-              </a:rPr>
-              <a:t>())</a:t>
-            </a:r>
-          </a:p>
-          <a:p>
-            <a:pPr lvl="1"/>
-            <a:r>
-              <a:rPr lang="en-US" dirty="0">
-                <a:solidFill>
-                  <a:schemeClr val="bg1"/>
-                </a:solidFill>
-              </a:rPr>
-              <a:t>Also, technically limited (w/ newer cards, the limit is 2</a:t>
-            </a:r>
-            <a:r>
-              <a:rPr lang="en-US" baseline="30000" dirty="0">
-                <a:solidFill>
-                  <a:schemeClr val="bg1"/>
-                </a:solidFill>
-              </a:rPr>
-              <a:t>31</a:t>
-            </a:r>
-            <a:r>
-              <a:rPr lang="en-US" dirty="0">
-                <a:solidFill>
-                  <a:schemeClr val="bg1"/>
-                </a:solidFill>
-              </a:rPr>
-              <a:t> – 1)</a:t>
-            </a:r>
-          </a:p>
-          <a:p>
-            <a:pPr marL="0" indent="0">
-              <a:buNone/>
-            </a:pPr>
-            <a:endParaRPr lang="en-US" dirty="0"/>
-          </a:p>
-          <a:p>
-            <a:pPr marL="0" indent="0">
-              <a:buNone/>
-            </a:pPr>
-            <a:endParaRPr lang="en-US" dirty="0"/>
-          </a:p>
-        </p:txBody>
-      </p:sp>
-    </p:spTree>
-    <p:extLst>
-      <p:ext uri="{BB962C8B-B14F-4D97-AF65-F5344CB8AC3E}">
-        <p14:creationId xmlns:p14="http://schemas.microsoft.com/office/powerpoint/2010/main" val="1398956169"/>
-      </p:ext>
-    </p:extLst>
-  </p:cSld>
-  <p:clrMapOvr>
-    <a:masterClrMapping/>
-  </p:clrMapOvr>
-</p:sld>
-</file>
-
-<file path=ppt/slides/slide9.xml><?xml version="1.0" encoding="utf-8"?>
-<p:sld xmlns:a="http://schemas.openxmlformats.org/drawingml/2006/main" xmlns:r="http://schemas.openxmlformats.org/officeDocument/2006/relationships" xmlns:p="http://schemas.openxmlformats.org/presentationml/2006/main">
-  <p:cSld>
-    <p:spTree>
-      <p:nvGrpSpPr>
-        <p:cNvPr id="1" name=""/>
-        <p:cNvGrpSpPr/>
-        <p:nvPr/>
-      </p:nvGrpSpPr>
-      <p:grpSpPr>
-        <a:xfrm>
-          <a:off x="0" y="0"/>
-          <a:ext cx="0" cy="0"/>
-          <a:chOff x="0" y="0"/>
-          <a:chExt cx="0" cy="0"/>
-        </a:xfrm>
-      </p:grpSpPr>
-      <p:sp>
-        <p:nvSpPr>
-          <p:cNvPr id="5" name="Title 4">
-            <a:extLst>
-              <a:ext uri="{FF2B5EF4-FFF2-40B4-BE49-F238E27FC236}">
-                <a16:creationId xmlns:a16="http://schemas.microsoft.com/office/drawing/2014/main" id="{15348BC1-F521-5F40-8C89-52E955BD8932}"/>
-              </a:ext>
-            </a:extLst>
-          </p:cNvPr>
-          <p:cNvSpPr>
-            <a:spLocks noGrp="1"/>
-          </p:cNvSpPr>
-          <p:nvPr>
-            <p:ph type="title"/>
-          </p:nvPr>
-        </p:nvSpPr>
-        <p:spPr/>
-        <p:txBody>
-          <a:bodyPr/>
-          <a:lstStyle/>
-          <a:p>
-            <a:r>
-              <a:rPr lang="en-US" dirty="0"/>
-              <a:t>Recall: Calling a CUDA kernel</a:t>
-            </a:r>
-          </a:p>
-        </p:txBody>
-      </p:sp>
-      <p:sp>
-        <p:nvSpPr>
-          <p:cNvPr id="6" name="Content Placeholder 5">
-            <a:extLst>
-              <a:ext uri="{FF2B5EF4-FFF2-40B4-BE49-F238E27FC236}">
-                <a16:creationId xmlns:a16="http://schemas.microsoft.com/office/drawing/2014/main" id="{AEF69A2C-86E8-E145-BFF9-9B014E936865}"/>
-              </a:ext>
-            </a:extLst>
-          </p:cNvPr>
-          <p:cNvSpPr>
-            <a:spLocks noGrp="1"/>
-          </p:cNvSpPr>
-          <p:nvPr>
-            <p:ph idx="1"/>
-          </p:nvPr>
-        </p:nvSpPr>
-        <p:spPr>
-          <a:xfrm>
-            <a:off x="631372" y="1825625"/>
-            <a:ext cx="10931978" cy="4351338"/>
-          </a:xfrm>
-        </p:spPr>
-        <p:txBody>
-          <a:bodyPr>
-            <a:normAutofit/>
-          </a:bodyPr>
-          <a:lstStyle/>
-          <a:p>
-            <a:pPr marL="0" indent="0">
-              <a:buNone/>
-            </a:pPr>
-            <a:r>
-              <a:rPr lang="en-US" dirty="0" err="1"/>
-              <a:t>int</a:t>
-            </a:r>
-            <a:r>
-              <a:rPr lang="en-US" dirty="0"/>
-              <a:t> threads = 512;                   		//# threads per block</a:t>
-            </a:r>
-          </a:p>
-          <a:p>
-            <a:pPr marL="0" indent="0">
-              <a:buNone/>
-            </a:pPr>
-            <a:r>
-              <a:rPr lang="en-US" dirty="0" err="1"/>
-              <a:t>int</a:t>
-            </a:r>
-            <a:r>
-              <a:rPr lang="en-US" dirty="0"/>
-              <a:t> blocks = (N+threads-1)/threads;	//# blocks (N/threads, rounded up)</a:t>
-            </a:r>
-          </a:p>
-          <a:p>
-            <a:pPr marL="0" indent="0">
-              <a:buNone/>
-            </a:pPr>
-            <a:r>
-              <a:rPr lang="en-US" dirty="0"/>
-              <a:t>kernel&lt;&lt;&lt;</a:t>
-            </a:r>
-            <a:r>
-              <a:rPr lang="en-US" dirty="0" err="1"/>
-              <a:t>blocks,threads</a:t>
-            </a:r>
-            <a:r>
-              <a:rPr lang="en-US" dirty="0"/>
-              <a:t>&gt;&gt;&gt;(</a:t>
-            </a:r>
-            <a:r>
-              <a:rPr lang="en-US" dirty="0" err="1"/>
-              <a:t>res_dev</a:t>
-            </a:r>
-            <a:r>
-              <a:rPr lang="en-US" dirty="0"/>
-              <a:t>, </a:t>
-            </a:r>
-            <a:r>
-              <a:rPr lang="en-US" dirty="0" err="1"/>
-              <a:t>a_dev</a:t>
-            </a:r>
-            <a:r>
-              <a:rPr lang="en-US" dirty="0"/>
-              <a:t>, </a:t>
-            </a:r>
-            <a:r>
-              <a:rPr lang="en-US" dirty="0" err="1"/>
-              <a:t>b_dev</a:t>
-            </a:r>
-            <a:r>
-              <a:rPr lang="en-US" dirty="0"/>
-              <a:t>);</a:t>
-            </a:r>
-          </a:p>
-          <a:p>
-            <a:pPr marL="0" indent="0">
-              <a:buNone/>
-            </a:pPr>
-            <a:endParaRPr lang="en-US" dirty="0"/>
-          </a:p>
-          <a:p>
-            <a:r>
-              <a:rPr lang="en-US" dirty="0"/>
-              <a:t>Why use more than a single block?</a:t>
-            </a:r>
-          </a:p>
-          <a:p>
-            <a:pPr lvl="1"/>
-            <a:r>
-              <a:rPr lang="en-US" dirty="0">
-                <a:solidFill>
-                  <a:schemeClr val="bg1"/>
-                </a:solidFill>
-              </a:rPr>
-              <a:t>Limited number of threads per block (depends on card being used)</a:t>
-            </a:r>
-          </a:p>
-          <a:p>
-            <a:r>
-              <a:rPr lang="en-US" dirty="0"/>
-              <a:t>Why not use N blocks?</a:t>
-            </a:r>
-          </a:p>
-          <a:p>
-            <a:pPr lvl="1"/>
-            <a:r>
-              <a:rPr lang="en-US" dirty="0">
-                <a:solidFill>
-                  <a:schemeClr val="bg1"/>
-                </a:solidFill>
-              </a:rPr>
-              <a:t>Threads in block share variables (__shared__) and have barrier (__</a:t>
-            </a:r>
-            <a:r>
-              <a:rPr lang="en-US" dirty="0" err="1">
-                <a:solidFill>
-                  <a:schemeClr val="bg1"/>
-                </a:solidFill>
-              </a:rPr>
-              <a:t>syncthreads</a:t>
-            </a:r>
-            <a:r>
-              <a:rPr lang="en-US" dirty="0">
-                <a:solidFill>
-                  <a:schemeClr val="bg1"/>
-                </a:solidFill>
-              </a:rPr>
-              <a:t>())</a:t>
-            </a:r>
-          </a:p>
-          <a:p>
-            <a:pPr lvl="1"/>
-            <a:r>
-              <a:rPr lang="en-US" dirty="0">
-                <a:solidFill>
-                  <a:schemeClr val="bg1"/>
-                </a:solidFill>
-              </a:rPr>
-              <a:t>Also, technically limited (w/ newer cards, the limit is 2</a:t>
-            </a:r>
-            <a:r>
-              <a:rPr lang="en-US" baseline="30000" dirty="0">
-                <a:solidFill>
-                  <a:schemeClr val="bg1"/>
-                </a:solidFill>
-              </a:rPr>
-              <a:t>31</a:t>
-            </a:r>
-            <a:r>
-              <a:rPr lang="en-US" dirty="0">
-                <a:solidFill>
-                  <a:schemeClr val="bg1"/>
-                </a:solidFill>
-              </a:rPr>
-              <a:t> – 1)</a:t>
-            </a:r>
-          </a:p>
-          <a:p>
-            <a:pPr marL="0" indent="0">
-              <a:buNone/>
-            </a:pPr>
-            <a:endParaRPr lang="en-US" dirty="0"/>
-          </a:p>
-          <a:p>
-            <a:pPr marL="0" indent="0">
-              <a:buNone/>
-            </a:pPr>
-            <a:endParaRPr lang="en-US" dirty="0"/>
-          </a:p>
-        </p:txBody>
-      </p:sp>
-    </p:spTree>
-    <p:extLst>
-      <p:ext uri="{BB962C8B-B14F-4D97-AF65-F5344CB8AC3E}">
-        <p14:creationId xmlns:p14="http://schemas.microsoft.com/office/powerpoint/2010/main" val="3579014387"/>
       </p:ext>
     </p:extLst>
   </p:cSld>
